--- a/CSCE689-23/L4.pptx
+++ b/CSCE689-23/L4.pptx
@@ -6,8 +6,8 @@
   </p:sldMasterIdLst>
   <p:sldIdLst>
     <p:sldId id="794" r:id="rId2"/>
-    <p:sldId id="769" r:id="rId3"/>
-    <p:sldId id="767" r:id="rId4"/>
+    <p:sldId id="851" r:id="rId3"/>
+    <p:sldId id="852" r:id="rId4"/>
     <p:sldId id="259" r:id="rId5"/>
     <p:sldId id="802" r:id="rId6"/>
     <p:sldId id="815" r:id="rId7"/>
@@ -32,26 +32,29 @@
     <p:sldId id="825" r:id="rId26"/>
     <p:sldId id="826" r:id="rId27"/>
     <p:sldId id="827" r:id="rId28"/>
-    <p:sldId id="828" r:id="rId29"/>
-    <p:sldId id="829" r:id="rId30"/>
-    <p:sldId id="830" r:id="rId31"/>
-    <p:sldId id="831" r:id="rId32"/>
-    <p:sldId id="832" r:id="rId33"/>
-    <p:sldId id="833" r:id="rId34"/>
-    <p:sldId id="834" r:id="rId35"/>
-    <p:sldId id="835" r:id="rId36"/>
-    <p:sldId id="836" r:id="rId37"/>
-    <p:sldId id="838" r:id="rId38"/>
-    <p:sldId id="837" r:id="rId39"/>
-    <p:sldId id="840" r:id="rId40"/>
-    <p:sldId id="839" r:id="rId41"/>
-    <p:sldId id="841" r:id="rId42"/>
-    <p:sldId id="843" r:id="rId43"/>
-    <p:sldId id="844" r:id="rId44"/>
-    <p:sldId id="845" r:id="rId45"/>
-    <p:sldId id="849" r:id="rId46"/>
-    <p:sldId id="847" r:id="rId47"/>
-    <p:sldId id="850" r:id="rId48"/>
+    <p:sldId id="853" r:id="rId29"/>
+    <p:sldId id="769" r:id="rId30"/>
+    <p:sldId id="767" r:id="rId31"/>
+    <p:sldId id="828" r:id="rId32"/>
+    <p:sldId id="829" r:id="rId33"/>
+    <p:sldId id="830" r:id="rId34"/>
+    <p:sldId id="831" r:id="rId35"/>
+    <p:sldId id="832" r:id="rId36"/>
+    <p:sldId id="833" r:id="rId37"/>
+    <p:sldId id="834" r:id="rId38"/>
+    <p:sldId id="835" r:id="rId39"/>
+    <p:sldId id="836" r:id="rId40"/>
+    <p:sldId id="838" r:id="rId41"/>
+    <p:sldId id="837" r:id="rId42"/>
+    <p:sldId id="840" r:id="rId43"/>
+    <p:sldId id="839" r:id="rId44"/>
+    <p:sldId id="841" r:id="rId45"/>
+    <p:sldId id="843" r:id="rId46"/>
+    <p:sldId id="844" r:id="rId47"/>
+    <p:sldId id="845" r:id="rId48"/>
+    <p:sldId id="849" r:id="rId49"/>
+    <p:sldId id="847" r:id="rId50"/>
+    <p:sldId id="850" r:id="rId51"/>
   </p:sldIdLst>
   <p:sldSz cx="12192000" cy="6858000"/>
   <p:notesSz cx="6858000" cy="9144000"/>
@@ -305,7 +308,7 @@
           <a:p>
             <a:fld id="{DEDFC5ED-D75F-43AF-A663-616D4D6B5D4A}" type="datetimeFigureOut">
               <a:rPr lang="en-US" smtClean="0"/>
-              <a:t>8/27/2023</a:t>
+              <a:t>8/28/2023</a:t>
             </a:fld>
             <a:endParaRPr lang="en-US"/>
           </a:p>
@@ -503,7 +506,7 @@
           <a:p>
             <a:fld id="{DEDFC5ED-D75F-43AF-A663-616D4D6B5D4A}" type="datetimeFigureOut">
               <a:rPr lang="en-US" smtClean="0"/>
-              <a:t>8/27/2023</a:t>
+              <a:t>8/28/2023</a:t>
             </a:fld>
             <a:endParaRPr lang="en-US"/>
           </a:p>
@@ -711,7 +714,7 @@
           <a:p>
             <a:fld id="{DEDFC5ED-D75F-43AF-A663-616D4D6B5D4A}" type="datetimeFigureOut">
               <a:rPr lang="en-US" smtClean="0"/>
-              <a:t>8/27/2023</a:t>
+              <a:t>8/28/2023</a:t>
             </a:fld>
             <a:endParaRPr lang="en-US"/>
           </a:p>
@@ -909,7 +912,7 @@
           <a:p>
             <a:fld id="{DEDFC5ED-D75F-43AF-A663-616D4D6B5D4A}" type="datetimeFigureOut">
               <a:rPr lang="en-US" smtClean="0"/>
-              <a:t>8/27/2023</a:t>
+              <a:t>8/28/2023</a:t>
             </a:fld>
             <a:endParaRPr lang="en-US"/>
           </a:p>
@@ -1184,7 +1187,7 @@
           <a:p>
             <a:fld id="{DEDFC5ED-D75F-43AF-A663-616D4D6B5D4A}" type="datetimeFigureOut">
               <a:rPr lang="en-US" smtClean="0"/>
-              <a:t>8/27/2023</a:t>
+              <a:t>8/28/2023</a:t>
             </a:fld>
             <a:endParaRPr lang="en-US"/>
           </a:p>
@@ -1449,7 +1452,7 @@
           <a:p>
             <a:fld id="{DEDFC5ED-D75F-43AF-A663-616D4D6B5D4A}" type="datetimeFigureOut">
               <a:rPr lang="en-US" smtClean="0"/>
-              <a:t>8/27/2023</a:t>
+              <a:t>8/28/2023</a:t>
             </a:fld>
             <a:endParaRPr lang="en-US"/>
           </a:p>
@@ -1861,7 +1864,7 @@
           <a:p>
             <a:fld id="{DEDFC5ED-D75F-43AF-A663-616D4D6B5D4A}" type="datetimeFigureOut">
               <a:rPr lang="en-US" smtClean="0"/>
-              <a:t>8/27/2023</a:t>
+              <a:t>8/28/2023</a:t>
             </a:fld>
             <a:endParaRPr lang="en-US"/>
           </a:p>
@@ -2002,7 +2005,7 @@
           <a:p>
             <a:fld id="{DEDFC5ED-D75F-43AF-A663-616D4D6B5D4A}" type="datetimeFigureOut">
               <a:rPr lang="en-US" smtClean="0"/>
-              <a:t>8/27/2023</a:t>
+              <a:t>8/28/2023</a:t>
             </a:fld>
             <a:endParaRPr lang="en-US"/>
           </a:p>
@@ -2115,7 +2118,7 @@
           <a:p>
             <a:fld id="{DEDFC5ED-D75F-43AF-A663-616D4D6B5D4A}" type="datetimeFigureOut">
               <a:rPr lang="en-US" smtClean="0"/>
-              <a:t>8/27/2023</a:t>
+              <a:t>8/28/2023</a:t>
             </a:fld>
             <a:endParaRPr lang="en-US"/>
           </a:p>
@@ -2426,7 +2429,7 @@
           <a:p>
             <a:fld id="{DEDFC5ED-D75F-43AF-A663-616D4D6B5D4A}" type="datetimeFigureOut">
               <a:rPr lang="en-US" smtClean="0"/>
-              <a:t>8/27/2023</a:t>
+              <a:t>8/28/2023</a:t>
             </a:fld>
             <a:endParaRPr lang="en-US"/>
           </a:p>
@@ -2714,7 +2717,7 @@
           <a:p>
             <a:fld id="{DEDFC5ED-D75F-43AF-A663-616D4D6B5D4A}" type="datetimeFigureOut">
               <a:rPr lang="en-US" smtClean="0"/>
-              <a:t>8/27/2023</a:t>
+              <a:t>8/28/2023</a:t>
             </a:fld>
             <a:endParaRPr lang="en-US"/>
           </a:p>
@@ -2955,7 +2958,7 @@
           <a:p>
             <a:fld id="{DEDFC5ED-D75F-43AF-A663-616D4D6B5D4A}" type="datetimeFigureOut">
               <a:rPr lang="en-US" smtClean="0"/>
-              <a:t>8/27/2023</a:t>
+              <a:t>8/28/2023</a:t>
             </a:fld>
             <a:endParaRPr lang="en-US"/>
           </a:p>
@@ -3513,8 +3516,8 @@
           </a:p>
         </p:txBody>
       </p:sp>
-      <mc:AlternateContent xmlns:mc="http://schemas.openxmlformats.org/markup-compatibility/2006">
-        <mc:Choice xmlns:a14="http://schemas.microsoft.com/office/drawing/2010/main" Requires="a14">
+      <mc:AlternateContent xmlns:mc="http://schemas.openxmlformats.org/markup-compatibility/2006" xmlns:a14="http://schemas.microsoft.com/office/drawing/2010/main">
+        <mc:Choice Requires="a14">
           <p:sp>
             <p:nvSpPr>
               <p:cNvPr id="3" name="Content Placeholder 2">
@@ -3591,7 +3594,7 @@
             </p:txBody>
           </p:sp>
         </mc:Choice>
-        <mc:Fallback>
+        <mc:Fallback xmlns="">
           <p:sp>
             <p:nvSpPr>
               <p:cNvPr id="3" name="Content Placeholder 2">
@@ -3635,8 +3638,8 @@
           </p:sp>
         </mc:Fallback>
       </mc:AlternateContent>
-      <mc:AlternateContent xmlns:mc="http://schemas.openxmlformats.org/markup-compatibility/2006">
-        <mc:Choice xmlns:a14="http://schemas.microsoft.com/office/drawing/2010/main" Requires="a14">
+      <mc:AlternateContent xmlns:mc="http://schemas.openxmlformats.org/markup-compatibility/2006" xmlns:a14="http://schemas.microsoft.com/office/drawing/2010/main">
+        <mc:Choice Requires="a14">
           <p:sp>
             <p:nvSpPr>
               <p:cNvPr id="5" name="TextBox 4">
@@ -3916,7 +3919,7 @@
             </p:txBody>
           </p:sp>
         </mc:Choice>
-        <mc:Fallback>
+        <mc:Fallback xmlns="">
           <p:sp>
             <p:nvSpPr>
               <p:cNvPr id="5" name="TextBox 4">
@@ -3991,8 +3994,8 @@
           </a:prstGeom>
         </p:spPr>
       </p:pic>
-      <mc:AlternateContent xmlns:mc="http://schemas.openxmlformats.org/markup-compatibility/2006">
-        <mc:Choice xmlns:a14="http://schemas.microsoft.com/office/drawing/2010/main" Requires="a14">
+      <mc:AlternateContent xmlns:mc="http://schemas.openxmlformats.org/markup-compatibility/2006" xmlns:a14="http://schemas.microsoft.com/office/drawing/2010/main">
+        <mc:Choice Requires="a14">
           <p:sp>
             <p:nvSpPr>
               <p:cNvPr id="11" name="Content Placeholder 2">
@@ -4251,7 +4254,7 @@
             </p:txBody>
           </p:sp>
         </mc:Choice>
-        <mc:Fallback>
+        <mc:Fallback xmlns="">
           <p:sp>
             <p:nvSpPr>
               <p:cNvPr id="11" name="Content Placeholder 2">
@@ -4359,8 +4362,8 @@
           </a:p>
         </p:txBody>
       </p:sp>
-      <mc:AlternateContent xmlns:mc="http://schemas.openxmlformats.org/markup-compatibility/2006">
-        <mc:Choice xmlns:a14="http://schemas.microsoft.com/office/drawing/2010/main" Requires="a14">
+      <mc:AlternateContent xmlns:mc="http://schemas.openxmlformats.org/markup-compatibility/2006" xmlns:a14="http://schemas.microsoft.com/office/drawing/2010/main">
+        <mc:Choice Requires="a14">
           <p:sp>
             <p:nvSpPr>
               <p:cNvPr id="3" name="Content Placeholder 2">
@@ -4702,7 +4705,7 @@
             </p:txBody>
           </p:sp>
         </mc:Choice>
-        <mc:Fallback>
+        <mc:Fallback xmlns="">
           <p:sp>
             <p:nvSpPr>
               <p:cNvPr id="3" name="Content Placeholder 2">
@@ -4809,8 +4812,8 @@
           </a:p>
         </p:txBody>
       </p:sp>
-      <mc:AlternateContent xmlns:mc="http://schemas.openxmlformats.org/markup-compatibility/2006">
-        <mc:Choice xmlns:a14="http://schemas.microsoft.com/office/drawing/2010/main" Requires="a14">
+      <mc:AlternateContent xmlns:mc="http://schemas.openxmlformats.org/markup-compatibility/2006" xmlns:a14="http://schemas.microsoft.com/office/drawing/2010/main">
+        <mc:Choice Requires="a14">
           <p:sp>
             <p:nvSpPr>
               <p:cNvPr id="3" name="Content Placeholder 2">
@@ -5095,19 +5098,7 @@
                         </a:solidFill>
                         <a:latin typeface="Cambria Math" panose="02040503050406030204" pitchFamily="18" charset="0"/>
                       </a:rPr>
-                      <m:t>s</m:t>
-                    </m:r>
-                    <m:r>
-                      <m:rPr>
-                        <m:sty m:val="p"/>
-                      </m:rPr>
-                      <a:rPr lang="en-US" dirty="0">
-                        <a:solidFill>
-                          <a:srgbClr val="C00000"/>
-                        </a:solidFill>
-                        <a:latin typeface="Cambria Math" panose="02040503050406030204" pitchFamily="18" charset="0"/>
-                      </a:rPr>
-                      <m:t>td</m:t>
+                      <m:t>std</m:t>
                     </m:r>
                     <m:r>
                       <a:rPr lang="en-US" i="1" dirty="0">
@@ -5152,7 +5143,7 @@
             </p:txBody>
           </p:sp>
         </mc:Choice>
-        <mc:Fallback>
+        <mc:Fallback xmlns="">
           <p:sp>
             <p:nvSpPr>
               <p:cNvPr id="3" name="Content Placeholder 2">
@@ -5259,8 +5250,8 @@
           </a:p>
         </p:txBody>
       </p:sp>
-      <mc:AlternateContent xmlns:mc="http://schemas.openxmlformats.org/markup-compatibility/2006">
-        <mc:Choice xmlns:a14="http://schemas.microsoft.com/office/drawing/2010/main" Requires="a14">
+      <mc:AlternateContent xmlns:mc="http://schemas.openxmlformats.org/markup-compatibility/2006" xmlns:a14="http://schemas.microsoft.com/office/drawing/2010/main">
+        <mc:Choice Requires="a14">
           <p:sp>
             <p:nvSpPr>
               <p:cNvPr id="3" name="Content Placeholder 2">
@@ -5509,7 +5500,7 @@
             </p:txBody>
           </p:sp>
         </mc:Choice>
-        <mc:Fallback>
+        <mc:Fallback xmlns="">
           <p:sp>
             <p:nvSpPr>
               <p:cNvPr id="3" name="Content Placeholder 2">
@@ -5553,8 +5544,8 @@
           </p:sp>
         </mc:Fallback>
       </mc:AlternateContent>
-      <mc:AlternateContent xmlns:mc="http://schemas.openxmlformats.org/markup-compatibility/2006">
-        <mc:Choice xmlns:a14="http://schemas.microsoft.com/office/drawing/2010/main" Requires="a14">
+      <mc:AlternateContent xmlns:mc="http://schemas.openxmlformats.org/markup-compatibility/2006" xmlns:a14="http://schemas.microsoft.com/office/drawing/2010/main">
+        <mc:Choice Requires="a14">
           <p:sp>
             <p:nvSpPr>
               <p:cNvPr id="5" name="TextBox 4">
@@ -5744,7 +5735,7 @@
             </p:txBody>
           </p:sp>
         </mc:Choice>
-        <mc:Fallback>
+        <mc:Fallback xmlns="">
           <p:sp>
             <p:nvSpPr>
               <p:cNvPr id="5" name="TextBox 4">
@@ -5852,8 +5843,8 @@
           </a:p>
         </p:txBody>
       </p:sp>
-      <mc:AlternateContent xmlns:mc="http://schemas.openxmlformats.org/markup-compatibility/2006">
-        <mc:Choice xmlns:a14="http://schemas.microsoft.com/office/drawing/2010/main" Requires="a14">
+      <mc:AlternateContent xmlns:mc="http://schemas.openxmlformats.org/markup-compatibility/2006" xmlns:a14="http://schemas.microsoft.com/office/drawing/2010/main">
+        <mc:Choice Requires="a14">
           <p:sp>
             <p:nvSpPr>
               <p:cNvPr id="3" name="Content Placeholder 2">
@@ -6301,7 +6292,7 @@
             </p:txBody>
           </p:sp>
         </mc:Choice>
-        <mc:Fallback>
+        <mc:Fallback xmlns="">
           <p:sp>
             <p:nvSpPr>
               <p:cNvPr id="3" name="Content Placeholder 2">
@@ -6345,8 +6336,8 @@
           </p:sp>
         </mc:Fallback>
       </mc:AlternateContent>
-      <mc:AlternateContent xmlns:mc="http://schemas.openxmlformats.org/markup-compatibility/2006">
-        <mc:Choice xmlns:a14="http://schemas.microsoft.com/office/drawing/2010/main" Requires="a14">
+      <mc:AlternateContent xmlns:mc="http://schemas.openxmlformats.org/markup-compatibility/2006" xmlns:a14="http://schemas.microsoft.com/office/drawing/2010/main">
+        <mc:Choice Requires="a14">
           <p:sp>
             <p:nvSpPr>
               <p:cNvPr id="5" name="TextBox 4">
@@ -6536,7 +6527,7 @@
             </p:txBody>
           </p:sp>
         </mc:Choice>
-        <mc:Fallback>
+        <mc:Fallback xmlns="">
           <p:sp>
             <p:nvSpPr>
               <p:cNvPr id="5" name="TextBox 4">
@@ -6644,8 +6635,8 @@
           </a:p>
         </p:txBody>
       </p:sp>
-      <mc:AlternateContent xmlns:mc="http://schemas.openxmlformats.org/markup-compatibility/2006">
-        <mc:Choice xmlns:a14="http://schemas.microsoft.com/office/drawing/2010/main" Requires="a14">
+      <mc:AlternateContent xmlns:mc="http://schemas.openxmlformats.org/markup-compatibility/2006" xmlns:a14="http://schemas.microsoft.com/office/drawing/2010/main">
+        <mc:Choice Requires="a14">
           <p:sp>
             <p:nvSpPr>
               <p:cNvPr id="3" name="Content Placeholder 2">
@@ -6975,7 +6966,7 @@
             </p:txBody>
           </p:sp>
         </mc:Choice>
-        <mc:Fallback>
+        <mc:Fallback xmlns="">
           <p:sp>
             <p:nvSpPr>
               <p:cNvPr id="3" name="Content Placeholder 2">
@@ -7019,8 +7010,8 @@
           </p:sp>
         </mc:Fallback>
       </mc:AlternateContent>
-      <mc:AlternateContent xmlns:mc="http://schemas.openxmlformats.org/markup-compatibility/2006">
-        <mc:Choice xmlns:a14="http://schemas.microsoft.com/office/drawing/2010/main" Requires="a14">
+      <mc:AlternateContent xmlns:mc="http://schemas.openxmlformats.org/markup-compatibility/2006" xmlns:a14="http://schemas.microsoft.com/office/drawing/2010/main">
+        <mc:Choice Requires="a14">
           <p:sp>
             <p:nvSpPr>
               <p:cNvPr id="5" name="TextBox 4">
@@ -7369,7 +7360,7 @@
             </p:txBody>
           </p:sp>
         </mc:Choice>
-        <mc:Fallback>
+        <mc:Fallback xmlns="">
           <p:sp>
             <p:nvSpPr>
               <p:cNvPr id="5" name="TextBox 4">
@@ -7414,8 +7405,8 @@
           </p:sp>
         </mc:Fallback>
       </mc:AlternateContent>
-      <mc:AlternateContent xmlns:mc="http://schemas.openxmlformats.org/markup-compatibility/2006">
-        <mc:Choice xmlns:a14="http://schemas.microsoft.com/office/drawing/2010/main" Requires="a14">
+      <mc:AlternateContent xmlns:mc="http://schemas.openxmlformats.org/markup-compatibility/2006" xmlns:a14="http://schemas.microsoft.com/office/drawing/2010/main">
+        <mc:Choice Requires="a14">
           <p:sp>
             <p:nvSpPr>
               <p:cNvPr id="4" name="TextBox 3">
@@ -7765,7 +7756,7 @@
             </p:txBody>
           </p:sp>
         </mc:Choice>
-        <mc:Fallback>
+        <mc:Fallback xmlns="">
           <p:sp>
             <p:nvSpPr>
               <p:cNvPr id="4" name="TextBox 3">
@@ -7873,8 +7864,8 @@
           </a:p>
         </p:txBody>
       </p:sp>
-      <mc:AlternateContent xmlns:mc="http://schemas.openxmlformats.org/markup-compatibility/2006">
-        <mc:Choice xmlns:a14="http://schemas.microsoft.com/office/drawing/2010/main" Requires="a14">
+      <mc:AlternateContent xmlns:mc="http://schemas.openxmlformats.org/markup-compatibility/2006" xmlns:a14="http://schemas.microsoft.com/office/drawing/2010/main">
+        <mc:Choice Requires="a14">
           <p:sp>
             <p:nvSpPr>
               <p:cNvPr id="5" name="TextBox 4">
@@ -8224,7 +8215,7 @@
             </p:txBody>
           </p:sp>
         </mc:Choice>
-        <mc:Fallback>
+        <mc:Fallback xmlns="">
           <p:sp>
             <p:nvSpPr>
               <p:cNvPr id="5" name="TextBox 4">
@@ -8332,8 +8323,8 @@
           </a:p>
         </p:txBody>
       </p:sp>
-      <mc:AlternateContent xmlns:mc="http://schemas.openxmlformats.org/markup-compatibility/2006">
-        <mc:Choice xmlns:a14="http://schemas.microsoft.com/office/drawing/2010/main" Requires="a14">
+      <mc:AlternateContent xmlns:mc="http://schemas.openxmlformats.org/markup-compatibility/2006" xmlns:a14="http://schemas.microsoft.com/office/drawing/2010/main">
+        <mc:Choice Requires="a14">
           <p:sp>
             <p:nvSpPr>
               <p:cNvPr id="3" name="Content Placeholder 2">
@@ -8949,7 +8940,7 @@
             </p:txBody>
           </p:sp>
         </mc:Choice>
-        <mc:Fallback>
+        <mc:Fallback xmlns="">
           <p:sp>
             <p:nvSpPr>
               <p:cNvPr id="3" name="Content Placeholder 2">
@@ -8993,8 +8984,8 @@
           </p:sp>
         </mc:Fallback>
       </mc:AlternateContent>
-      <mc:AlternateContent xmlns:mc="http://schemas.openxmlformats.org/markup-compatibility/2006">
-        <mc:Choice xmlns:a14="http://schemas.microsoft.com/office/drawing/2010/main" Requires="a14">
+      <mc:AlternateContent xmlns:mc="http://schemas.openxmlformats.org/markup-compatibility/2006" xmlns:a14="http://schemas.microsoft.com/office/drawing/2010/main">
+        <mc:Choice Requires="a14">
           <p:sp>
             <p:nvSpPr>
               <p:cNvPr id="5" name="TextBox 4">
@@ -9344,7 +9335,7 @@
             </p:txBody>
           </p:sp>
         </mc:Choice>
-        <mc:Fallback>
+        <mc:Fallback xmlns="">
           <p:sp>
             <p:nvSpPr>
               <p:cNvPr id="5" name="TextBox 4">
@@ -9452,8 +9443,8 @@
           </a:p>
         </p:txBody>
       </p:sp>
-      <mc:AlternateContent xmlns:mc="http://schemas.openxmlformats.org/markup-compatibility/2006">
-        <mc:Choice xmlns:a14="http://schemas.microsoft.com/office/drawing/2010/main" Requires="a14">
+      <mc:AlternateContent xmlns:mc="http://schemas.openxmlformats.org/markup-compatibility/2006" xmlns:a14="http://schemas.microsoft.com/office/drawing/2010/main">
+        <mc:Choice Requires="a14">
           <p:sp>
             <p:nvSpPr>
               <p:cNvPr id="3" name="Content Placeholder 2">
@@ -10144,7 +10135,7 @@
             </p:txBody>
           </p:sp>
         </mc:Choice>
-        <mc:Fallback>
+        <mc:Fallback xmlns="">
           <p:sp>
             <p:nvSpPr>
               <p:cNvPr id="3" name="Content Placeholder 2">
@@ -10188,8 +10179,8 @@
           </p:sp>
         </mc:Fallback>
       </mc:AlternateContent>
-      <mc:AlternateContent xmlns:mc="http://schemas.openxmlformats.org/markup-compatibility/2006">
-        <mc:Choice xmlns:a14="http://schemas.microsoft.com/office/drawing/2010/main" Requires="a14">
+      <mc:AlternateContent xmlns:mc="http://schemas.openxmlformats.org/markup-compatibility/2006" xmlns:a14="http://schemas.microsoft.com/office/drawing/2010/main">
+        <mc:Choice Requires="a14">
           <p:sp>
             <p:nvSpPr>
               <p:cNvPr id="5" name="TextBox 4">
@@ -10399,7 +10390,7 @@
             </p:txBody>
           </p:sp>
         </mc:Choice>
-        <mc:Fallback>
+        <mc:Fallback xmlns="">
           <p:sp>
             <p:nvSpPr>
               <p:cNvPr id="5" name="TextBox 4">
@@ -10507,8 +10498,8 @@
           </a:p>
         </p:txBody>
       </p:sp>
-      <mc:AlternateContent xmlns:mc="http://schemas.openxmlformats.org/markup-compatibility/2006">
-        <mc:Choice xmlns:a14="http://schemas.microsoft.com/office/drawing/2010/main" Requires="a14">
+      <mc:AlternateContent xmlns:mc="http://schemas.openxmlformats.org/markup-compatibility/2006" xmlns:a14="http://schemas.microsoft.com/office/drawing/2010/main">
+        <mc:Choice Requires="a14">
           <p:sp>
             <p:nvSpPr>
               <p:cNvPr id="3" name="Content Placeholder 2">
@@ -10764,7 +10755,7 @@
             </p:txBody>
           </p:sp>
         </mc:Choice>
-        <mc:Fallback>
+        <mc:Fallback xmlns="">
           <p:sp>
             <p:nvSpPr>
               <p:cNvPr id="3" name="Content Placeholder 2">
@@ -10844,8 +10835,8 @@
           </a:prstGeom>
         </p:spPr>
       </p:pic>
-      <mc:AlternateContent xmlns:mc="http://schemas.openxmlformats.org/markup-compatibility/2006">
-        <mc:Choice xmlns:a14="http://schemas.microsoft.com/office/drawing/2010/main" Requires="a14">
+      <mc:AlternateContent xmlns:mc="http://schemas.openxmlformats.org/markup-compatibility/2006" xmlns:a14="http://schemas.microsoft.com/office/drawing/2010/main">
+        <mc:Choice Requires="a14">
           <p:sp>
             <p:nvSpPr>
               <p:cNvPr id="7" name="TextBox 6">
@@ -11055,7 +11046,7 @@
             </p:txBody>
           </p:sp>
         </mc:Choice>
-        <mc:Fallback>
+        <mc:Fallback xmlns="">
           <p:sp>
             <p:nvSpPr>
               <p:cNvPr id="7" name="TextBox 6">
@@ -11157,588 +11148,85 @@
                   <a:srgbClr val="C00000"/>
                 </a:solidFill>
               </a:rPr>
-              <a:t>Trivia Question #3 (Max Load)</a:t>
+              <a:t>Today</a:t>
             </a:r>
           </a:p>
         </p:txBody>
       </p:sp>
-      <mc:AlternateContent xmlns:mc="http://schemas.openxmlformats.org/markup-compatibility/2006" xmlns:a14="http://schemas.microsoft.com/office/drawing/2010/main">
-        <mc:Choice Requires="a14">
-          <p:sp>
-            <p:nvSpPr>
-              <p:cNvPr id="3" name="Content Placeholder 2">
-                <a:extLst>
-                  <a:ext uri="{FF2B5EF4-FFF2-40B4-BE49-F238E27FC236}">
-                    <a16:creationId xmlns:a16="http://schemas.microsoft.com/office/drawing/2014/main" id="{76F2126B-4AA6-302B-7E5A-170FFAAB8BD1}"/>
-                  </a:ext>
-                </a:extLst>
-              </p:cNvPr>
-              <p:cNvSpPr>
-                <a:spLocks noGrp="1"/>
-              </p:cNvSpPr>
-              <p:nvPr>
-                <p:ph idx="1"/>
-              </p:nvPr>
-            </p:nvSpPr>
-            <p:spPr/>
-            <p:txBody>
-              <a:bodyPr/>
-              <a:lstStyle/>
-              <a:p>
-                <a:pPr>
-                  <a:buClr>
-                    <a:schemeClr val="tx1"/>
-                  </a:buClr>
-                </a:pPr>
-                <a:r>
-                  <a:rPr lang="en-US" dirty="0"/>
-                  <a:t>Suppose we have a fair </a:t>
-                </a:r>
-                <a14:m>
-                  <m:oMath xmlns:m="http://schemas.openxmlformats.org/officeDocument/2006/math">
-                    <m:r>
-                      <a:rPr lang="en-US" b="0" i="1" dirty="0" smtClean="0">
-                        <a:solidFill>
-                          <a:srgbClr val="C00000"/>
-                        </a:solidFill>
-                        <a:latin typeface="Cambria Math" panose="02040503050406030204" pitchFamily="18" charset="0"/>
-                      </a:rPr>
-                      <m:t>𝑛</m:t>
-                    </m:r>
-                  </m:oMath>
-                </a14:m>
-                <a:r>
-                  <a:rPr lang="en-US" dirty="0"/>
-                  <a:t>-sided die that we roll </a:t>
-                </a:r>
-                <a14:m>
-                  <m:oMath xmlns:m="http://schemas.openxmlformats.org/officeDocument/2006/math">
-                    <m:r>
-                      <a:rPr lang="en-US" i="1" dirty="0">
-                        <a:solidFill>
-                          <a:srgbClr val="C00000"/>
-                        </a:solidFill>
-                        <a:latin typeface="Cambria Math" panose="02040503050406030204" pitchFamily="18" charset="0"/>
-                      </a:rPr>
-                      <m:t>𝑛</m:t>
-                    </m:r>
-                  </m:oMath>
-                </a14:m>
-                <a:r>
-                  <a:rPr lang="en-US" dirty="0"/>
-                  <a:t> times. “On average”, what is the largest number of times any outcome is rolled? Example: </a:t>
-                </a:r>
-                <a14:m>
-                  <m:oMath xmlns:m="http://schemas.openxmlformats.org/officeDocument/2006/math">
-                    <m:r>
-                      <a:rPr lang="en-US" b="0" i="1" dirty="0" smtClean="0">
-                        <a:solidFill>
-                          <a:srgbClr val="0070C0"/>
-                        </a:solidFill>
-                        <a:latin typeface="Cambria Math" panose="02040503050406030204" pitchFamily="18" charset="0"/>
-                      </a:rPr>
-                      <m:t>1</m:t>
-                    </m:r>
-                  </m:oMath>
-                </a14:m>
-                <a:r>
-                  <a:rPr lang="en-US" dirty="0"/>
-                  <a:t>, </a:t>
-                </a:r>
-                <a14:m>
-                  <m:oMath xmlns:m="http://schemas.openxmlformats.org/officeDocument/2006/math">
-                    <m:r>
-                      <a:rPr lang="en-US" b="0" i="1" dirty="0" smtClean="0">
-                        <a:solidFill>
-                          <a:srgbClr val="C00000"/>
-                        </a:solidFill>
-                        <a:latin typeface="Cambria Math" panose="02040503050406030204" pitchFamily="18" charset="0"/>
-                      </a:rPr>
-                      <m:t>5</m:t>
-                    </m:r>
-                  </m:oMath>
-                </a14:m>
-                <a:r>
-                  <a:rPr lang="en-US" dirty="0"/>
-                  <a:t>, </a:t>
-                </a:r>
-                <a14:m>
-                  <m:oMath xmlns:m="http://schemas.openxmlformats.org/officeDocument/2006/math">
-                    <m:r>
-                      <a:rPr lang="en-US" b="0" i="1" dirty="0" smtClean="0">
-                        <a:solidFill>
-                          <a:srgbClr val="C00000"/>
-                        </a:solidFill>
-                        <a:latin typeface="Cambria Math" panose="02040503050406030204" pitchFamily="18" charset="0"/>
-                      </a:rPr>
-                      <m:t>2</m:t>
-                    </m:r>
-                  </m:oMath>
-                </a14:m>
-                <a:r>
-                  <a:rPr lang="en-US" dirty="0"/>
-                  <a:t>, </a:t>
-                </a:r>
-                <a14:m>
-                  <m:oMath xmlns:m="http://schemas.openxmlformats.org/officeDocument/2006/math">
-                    <m:r>
-                      <a:rPr lang="en-US" b="0" i="1" dirty="0" smtClean="0">
-                        <a:solidFill>
-                          <a:srgbClr val="C00000"/>
-                        </a:solidFill>
-                        <a:latin typeface="Cambria Math" panose="02040503050406030204" pitchFamily="18" charset="0"/>
-                      </a:rPr>
-                      <m:t>4</m:t>
-                    </m:r>
-                  </m:oMath>
-                </a14:m>
-                <a:r>
-                  <a:rPr lang="en-US" dirty="0"/>
-                  <a:t>,</a:t>
-                </a:r>
-                <a:r>
-                  <a:rPr lang="en-US" dirty="0">
-                    <a:solidFill>
-                      <a:srgbClr val="C00000"/>
-                    </a:solidFill>
-                  </a:rPr>
-                  <a:t> </a:t>
-                </a:r>
-                <a14:m>
-                  <m:oMath xmlns:m="http://schemas.openxmlformats.org/officeDocument/2006/math">
-                    <m:r>
-                      <a:rPr lang="en-US" b="0" i="1" smtClean="0">
-                        <a:solidFill>
-                          <a:srgbClr val="0070C0"/>
-                        </a:solidFill>
-                        <a:latin typeface="Cambria Math" panose="02040503050406030204" pitchFamily="18" charset="0"/>
-                      </a:rPr>
-                      <m:t>1</m:t>
-                    </m:r>
-                  </m:oMath>
-                </a14:m>
-                <a:r>
-                  <a:rPr lang="en-US" dirty="0"/>
-                  <a:t>, </a:t>
-                </a:r>
-                <a14:m>
-                  <m:oMath xmlns:m="http://schemas.openxmlformats.org/officeDocument/2006/math">
-                    <m:r>
-                      <a:rPr lang="en-US" b="0" i="1" dirty="0" smtClean="0">
-                        <a:solidFill>
-                          <a:srgbClr val="C00000"/>
-                        </a:solidFill>
-                        <a:latin typeface="Cambria Math" panose="02040503050406030204" pitchFamily="18" charset="0"/>
-                      </a:rPr>
-                      <m:t>3</m:t>
-                    </m:r>
-                  </m:oMath>
-                </a14:m>
-                <a:r>
-                  <a:rPr lang="en-US" dirty="0"/>
-                  <a:t>, </a:t>
-                </a:r>
-                <a14:m>
-                  <m:oMath xmlns:m="http://schemas.openxmlformats.org/officeDocument/2006/math">
-                    <m:r>
-                      <a:rPr lang="en-US" b="0" i="1" dirty="0" smtClean="0">
-                        <a:solidFill>
-                          <a:srgbClr val="0070C0"/>
-                        </a:solidFill>
-                        <a:latin typeface="Cambria Math" panose="02040503050406030204" pitchFamily="18" charset="0"/>
-                      </a:rPr>
-                      <m:t>1</m:t>
-                    </m:r>
-                  </m:oMath>
-                </a14:m>
-                <a:r>
-                  <a:rPr lang="en-US" dirty="0">
-                    <a:solidFill>
-                      <a:srgbClr val="C00000"/>
-                    </a:solidFill>
-                  </a:rPr>
-                  <a:t> </a:t>
-                </a:r>
-                <a:r>
-                  <a:rPr lang="en-US" dirty="0"/>
-                  <a:t>for</a:t>
-                </a:r>
-                <a:r>
-                  <a:rPr lang="en-US" dirty="0">
-                    <a:solidFill>
-                      <a:srgbClr val="C00000"/>
-                    </a:solidFill>
-                  </a:rPr>
-                  <a:t> </a:t>
-                </a:r>
-                <a14:m>
-                  <m:oMath xmlns:m="http://schemas.openxmlformats.org/officeDocument/2006/math">
-                    <m:r>
-                      <a:rPr lang="en-US" i="1" dirty="0">
-                        <a:solidFill>
-                          <a:srgbClr val="C00000"/>
-                        </a:solidFill>
-                        <a:latin typeface="Cambria Math" panose="02040503050406030204" pitchFamily="18" charset="0"/>
-                      </a:rPr>
-                      <m:t>𝑛</m:t>
-                    </m:r>
-                    <m:r>
-                      <a:rPr lang="en-US" b="0" i="0" dirty="0" smtClean="0">
-                        <a:solidFill>
-                          <a:srgbClr val="C00000"/>
-                        </a:solidFill>
-                        <a:latin typeface="Cambria Math" panose="02040503050406030204" pitchFamily="18" charset="0"/>
-                      </a:rPr>
-                      <m:t>=7</m:t>
-                    </m:r>
-                  </m:oMath>
-                </a14:m>
-                <a:endParaRPr lang="en-US" dirty="0">
-                  <a:solidFill>
-                    <a:srgbClr val="C00000"/>
-                  </a:solidFill>
-                </a:endParaRPr>
-              </a:p>
-              <a:p>
-                <a:pPr>
-                  <a:buClr>
-                    <a:schemeClr val="tx1"/>
-                  </a:buClr>
-                </a:pPr>
-                <a:endParaRPr lang="en-US" dirty="0"/>
-              </a:p>
-              <a:p>
-                <a:pPr>
-                  <a:buClr>
-                    <a:schemeClr val="tx1"/>
-                  </a:buClr>
-                </a:pPr>
-                <a14:m>
-                  <m:oMath xmlns:m="http://schemas.openxmlformats.org/officeDocument/2006/math">
-                    <m:r>
-                      <m:rPr>
-                        <m:sty m:val="p"/>
-                      </m:rPr>
-                      <a:rPr lang="en-US" dirty="0">
-                        <a:solidFill>
-                          <a:srgbClr val="C00000"/>
-                        </a:solidFill>
-                        <a:latin typeface="Cambria Math" panose="02040503050406030204" pitchFamily="18" charset="0"/>
-                      </a:rPr>
-                      <m:t>Θ</m:t>
-                    </m:r>
-                    <m:r>
-                      <a:rPr lang="en-US" i="1" dirty="0">
-                        <a:solidFill>
-                          <a:srgbClr val="C00000"/>
-                        </a:solidFill>
-                        <a:latin typeface="Cambria Math" panose="02040503050406030204" pitchFamily="18" charset="0"/>
-                      </a:rPr>
-                      <m:t>(1)</m:t>
-                    </m:r>
-                  </m:oMath>
-                </a14:m>
-                <a:endParaRPr lang="en-US" dirty="0"/>
-              </a:p>
-              <a:p>
-                <a:pPr>
-                  <a:buClr>
-                    <a:schemeClr val="tx1"/>
-                  </a:buClr>
-                </a:pPr>
-                <a14:m>
-                  <m:oMath xmlns:m="http://schemas.openxmlformats.org/officeDocument/2006/math">
-                    <m:acc>
-                      <m:accPr>
-                        <m:chr m:val="̃"/>
-                        <m:ctrlPr>
-                          <a:rPr lang="en-US" b="0" i="1" dirty="0" smtClean="0">
-                            <a:solidFill>
-                              <a:srgbClr val="C00000"/>
-                            </a:solidFill>
-                            <a:latin typeface="Cambria Math" panose="02040503050406030204" pitchFamily="18" charset="0"/>
-                          </a:rPr>
-                        </m:ctrlPr>
-                      </m:accPr>
-                      <m:e>
-                        <m:r>
-                          <m:rPr>
-                            <m:sty m:val="p"/>
-                          </m:rPr>
-                          <a:rPr lang="en-US" dirty="0">
-                            <a:solidFill>
-                              <a:srgbClr val="C00000"/>
-                            </a:solidFill>
-                            <a:latin typeface="Cambria Math" panose="02040503050406030204" pitchFamily="18" charset="0"/>
-                          </a:rPr>
-                          <m:t>Θ</m:t>
-                        </m:r>
-                      </m:e>
-                    </m:acc>
-                    <m:r>
-                      <a:rPr lang="en-US" i="1" dirty="0">
-                        <a:solidFill>
-                          <a:srgbClr val="C00000"/>
-                        </a:solidFill>
-                        <a:latin typeface="Cambria Math" panose="02040503050406030204" pitchFamily="18" charset="0"/>
-                      </a:rPr>
-                      <m:t>(</m:t>
-                    </m:r>
-                    <m:func>
-                      <m:funcPr>
-                        <m:ctrlPr>
-                          <a:rPr lang="en-US" i="1" dirty="0">
-                            <a:solidFill>
-                              <a:srgbClr val="C00000"/>
-                            </a:solidFill>
-                            <a:latin typeface="Cambria Math" panose="02040503050406030204" pitchFamily="18" charset="0"/>
-                          </a:rPr>
-                        </m:ctrlPr>
-                      </m:funcPr>
-                      <m:fName>
-                        <m:r>
-                          <m:rPr>
-                            <m:sty m:val="p"/>
-                          </m:rPr>
-                          <a:rPr lang="en-US" dirty="0">
-                            <a:solidFill>
-                              <a:srgbClr val="C00000"/>
-                            </a:solidFill>
-                            <a:latin typeface="Cambria Math" panose="02040503050406030204" pitchFamily="18" charset="0"/>
-                          </a:rPr>
-                          <m:t>log</m:t>
-                        </m:r>
-                      </m:fName>
-                      <m:e>
-                        <m:r>
-                          <a:rPr lang="en-US" i="1" dirty="0">
-                            <a:solidFill>
-                              <a:srgbClr val="C00000"/>
-                            </a:solidFill>
-                            <a:latin typeface="Cambria Math" panose="02040503050406030204" pitchFamily="18" charset="0"/>
-                          </a:rPr>
-                          <m:t>𝑛</m:t>
-                        </m:r>
-                      </m:e>
-                    </m:func>
-                    <m:r>
-                      <a:rPr lang="en-US" i="1" dirty="0">
-                        <a:solidFill>
-                          <a:srgbClr val="C00000"/>
-                        </a:solidFill>
-                        <a:latin typeface="Cambria Math" panose="02040503050406030204" pitchFamily="18" charset="0"/>
-                      </a:rPr>
-                      <m:t>)</m:t>
-                    </m:r>
-                  </m:oMath>
-                </a14:m>
-                <a:endParaRPr lang="en-US" i="1" dirty="0">
-                  <a:solidFill>
-                    <a:srgbClr val="C00000"/>
-                  </a:solidFill>
-                  <a:latin typeface="Cambria Math" panose="02040503050406030204" pitchFamily="18" charset="0"/>
-                </a:endParaRPr>
-              </a:p>
-              <a:p>
-                <a:pPr>
-                  <a:buClr>
-                    <a:schemeClr val="tx1"/>
-                  </a:buClr>
-                </a:pPr>
-                <a14:m>
-                  <m:oMath xmlns:m="http://schemas.openxmlformats.org/officeDocument/2006/math">
-                    <m:acc>
-                      <m:accPr>
-                        <m:chr m:val="̃"/>
-                        <m:ctrlPr>
-                          <a:rPr lang="en-US" i="1" dirty="0">
-                            <a:solidFill>
-                              <a:srgbClr val="C00000"/>
-                            </a:solidFill>
-                            <a:latin typeface="Cambria Math" panose="02040503050406030204" pitchFamily="18" charset="0"/>
-                          </a:rPr>
-                        </m:ctrlPr>
-                      </m:accPr>
-                      <m:e>
-                        <m:r>
-                          <m:rPr>
-                            <m:sty m:val="p"/>
-                          </m:rPr>
-                          <a:rPr lang="en-US" dirty="0">
-                            <a:solidFill>
-                              <a:srgbClr val="C00000"/>
-                            </a:solidFill>
-                            <a:latin typeface="Cambria Math" panose="02040503050406030204" pitchFamily="18" charset="0"/>
-                          </a:rPr>
-                          <m:t>Θ</m:t>
-                        </m:r>
-                      </m:e>
-                    </m:acc>
-                    <m:r>
-                      <a:rPr lang="en-US" i="1" dirty="0">
-                        <a:solidFill>
-                          <a:srgbClr val="C00000"/>
-                        </a:solidFill>
-                        <a:latin typeface="Cambria Math" panose="02040503050406030204" pitchFamily="18" charset="0"/>
-                      </a:rPr>
-                      <m:t>(</m:t>
-                    </m:r>
-                    <m:rad>
-                      <m:radPr>
-                        <m:degHide m:val="on"/>
-                        <m:ctrlPr>
-                          <a:rPr lang="en-US" i="1" dirty="0">
-                            <a:solidFill>
-                              <a:srgbClr val="C00000"/>
-                            </a:solidFill>
-                            <a:latin typeface="Cambria Math" panose="02040503050406030204" pitchFamily="18" charset="0"/>
-                          </a:rPr>
-                        </m:ctrlPr>
-                      </m:radPr>
-                      <m:deg/>
-                      <m:e>
-                        <m:r>
-                          <a:rPr lang="en-US" i="1" dirty="0">
-                            <a:solidFill>
-                              <a:srgbClr val="C00000"/>
-                            </a:solidFill>
-                            <a:latin typeface="Cambria Math" panose="02040503050406030204" pitchFamily="18" charset="0"/>
-                          </a:rPr>
-                          <m:t>𝑛</m:t>
-                        </m:r>
-                      </m:e>
-                    </m:rad>
-                    <m:r>
-                      <a:rPr lang="en-US" i="1" dirty="0">
-                        <a:solidFill>
-                          <a:srgbClr val="C00000"/>
-                        </a:solidFill>
-                        <a:latin typeface="Cambria Math" panose="02040503050406030204" pitchFamily="18" charset="0"/>
-                      </a:rPr>
-                      <m:t>)</m:t>
-                    </m:r>
-                  </m:oMath>
-                </a14:m>
-                <a:endParaRPr lang="en-US" i="1" dirty="0">
-                  <a:solidFill>
-                    <a:srgbClr val="C00000"/>
-                  </a:solidFill>
-                  <a:latin typeface="Cambria Math" panose="02040503050406030204" pitchFamily="18" charset="0"/>
-                </a:endParaRPr>
-              </a:p>
-              <a:p>
-                <a:pPr>
-                  <a:buClr>
-                    <a:schemeClr val="tx1"/>
-                  </a:buClr>
-                </a:pPr>
-                <a14:m>
-                  <m:oMath xmlns:m="http://schemas.openxmlformats.org/officeDocument/2006/math">
-                    <m:acc>
-                      <m:accPr>
-                        <m:chr m:val="̃"/>
-                        <m:ctrlPr>
-                          <a:rPr lang="en-US" i="1" dirty="0">
-                            <a:solidFill>
-                              <a:srgbClr val="C00000"/>
-                            </a:solidFill>
-                            <a:latin typeface="Cambria Math" panose="02040503050406030204" pitchFamily="18" charset="0"/>
-                          </a:rPr>
-                        </m:ctrlPr>
-                      </m:accPr>
-                      <m:e>
-                        <m:r>
-                          <m:rPr>
-                            <m:sty m:val="p"/>
-                          </m:rPr>
-                          <a:rPr lang="en-US" dirty="0">
-                            <a:solidFill>
-                              <a:srgbClr val="C00000"/>
-                            </a:solidFill>
-                            <a:latin typeface="Cambria Math" panose="02040503050406030204" pitchFamily="18" charset="0"/>
-                          </a:rPr>
-                          <m:t>Θ</m:t>
-                        </m:r>
-                      </m:e>
-                    </m:acc>
-                    <m:r>
-                      <a:rPr lang="en-US" i="1" dirty="0">
-                        <a:solidFill>
-                          <a:srgbClr val="C00000"/>
-                        </a:solidFill>
-                        <a:latin typeface="Cambria Math" panose="02040503050406030204" pitchFamily="18" charset="0"/>
-                      </a:rPr>
-                      <m:t>(</m:t>
-                    </m:r>
-                    <m:r>
-                      <a:rPr lang="en-US" i="1" dirty="0">
-                        <a:solidFill>
-                          <a:srgbClr val="C00000"/>
-                        </a:solidFill>
-                        <a:latin typeface="Cambria Math" panose="02040503050406030204" pitchFamily="18" charset="0"/>
-                      </a:rPr>
-                      <m:t>𝑛</m:t>
-                    </m:r>
-                    <m:r>
-                      <a:rPr lang="en-US" i="1" dirty="0">
-                        <a:solidFill>
-                          <a:srgbClr val="C00000"/>
-                        </a:solidFill>
-                        <a:latin typeface="Cambria Math" panose="02040503050406030204" pitchFamily="18" charset="0"/>
-                      </a:rPr>
-                      <m:t>)</m:t>
-                    </m:r>
-                  </m:oMath>
-                </a14:m>
-                <a:endParaRPr lang="en-US" dirty="0"/>
-              </a:p>
-            </p:txBody>
-          </p:sp>
-        </mc:Choice>
-        <mc:Fallback xmlns="">
-          <p:sp>
-            <p:nvSpPr>
-              <p:cNvPr id="3" name="Content Placeholder 2">
-                <a:extLst>
-                  <a:ext uri="{FF2B5EF4-FFF2-40B4-BE49-F238E27FC236}">
-                    <a16:creationId xmlns:a16="http://schemas.microsoft.com/office/drawing/2014/main" id="{76F2126B-4AA6-302B-7E5A-170FFAAB8BD1}"/>
-                  </a:ext>
-                </a:extLst>
-              </p:cNvPr>
-              <p:cNvSpPr>
-                <a:spLocks noGrp="1" noRot="1" noChangeAspect="1" noMove="1" noResize="1" noEditPoints="1" noAdjustHandles="1" noChangeArrowheads="1" noChangeShapeType="1" noTextEdit="1"/>
-              </p:cNvSpPr>
-              <p:nvPr>
-                <p:ph idx="1"/>
-              </p:nvPr>
-            </p:nvSpPr>
-            <p:spPr>
-              <a:blipFill>
-                <a:blip r:embed="rId2"/>
-                <a:stretch>
-                  <a:fillRect l="-1043" t="-2241" r="-1565"/>
-                </a:stretch>
-              </a:blipFill>
-            </p:spPr>
-            <p:txBody>
-              <a:bodyPr/>
-              <a:lstStyle/>
-              <a:p>
-                <a:r>
-                  <a:rPr lang="en-US">
-                    <a:noFill/>
-                  </a:rPr>
-                  <a:t> </a:t>
-                </a:r>
-              </a:p>
-            </p:txBody>
-          </p:sp>
-        </mc:Fallback>
-      </mc:AlternateContent>
+      <p:sp>
+        <p:nvSpPr>
+          <p:cNvPr id="3" name="Content Placeholder 2">
+            <a:extLst>
+              <a:ext uri="{FF2B5EF4-FFF2-40B4-BE49-F238E27FC236}">
+                <a16:creationId xmlns:a16="http://schemas.microsoft.com/office/drawing/2014/main" id="{76F2126B-4AA6-302B-7E5A-170FFAAB8BD1}"/>
+              </a:ext>
+            </a:extLst>
+          </p:cNvPr>
+          <p:cNvSpPr>
+            <a:spLocks noGrp="1"/>
+          </p:cNvSpPr>
+          <p:nvPr>
+            <p:ph idx="1"/>
+          </p:nvPr>
+        </p:nvSpPr>
+        <p:spPr/>
+        <p:txBody>
+          <a:bodyPr>
+            <a:normAutofit/>
+          </a:bodyPr>
+          <a:lstStyle/>
+          <a:p>
+            <a:pPr>
+              <a:buClr>
+                <a:schemeClr val="tx1"/>
+              </a:buClr>
+            </a:pPr>
+            <a:r>
+              <a:rPr lang="en-US" dirty="0"/>
+              <a:t>Sign up for LaTeX scribe note slots</a:t>
+            </a:r>
+          </a:p>
+          <a:p>
+            <a:pPr>
+              <a:buClr>
+                <a:schemeClr val="tx1"/>
+              </a:buClr>
+            </a:pPr>
+            <a:endParaRPr lang="en-US" dirty="0"/>
+          </a:p>
+          <a:p>
+            <a:pPr>
+              <a:buClr>
+                <a:schemeClr val="tx1"/>
+              </a:buClr>
+            </a:pPr>
+            <a:endParaRPr lang="en-US" dirty="0"/>
+          </a:p>
+          <a:p>
+            <a:pPr>
+              <a:buClr>
+                <a:schemeClr val="tx1"/>
+              </a:buClr>
+            </a:pPr>
+            <a:endParaRPr lang="en-US" dirty="0"/>
+          </a:p>
+          <a:p>
+            <a:pPr>
+              <a:buClr>
+                <a:schemeClr val="tx1"/>
+              </a:buClr>
+            </a:pPr>
+            <a:r>
+              <a:rPr lang="en-US" dirty="0"/>
+              <a:t>Receive and consider list of potential projects/groups</a:t>
+            </a:r>
+          </a:p>
+        </p:txBody>
+      </p:sp>
     </p:spTree>
     <p:extLst>
       <p:ext uri="{BB962C8B-B14F-4D97-AF65-F5344CB8AC3E}">
-        <p14:creationId xmlns:p14="http://schemas.microsoft.com/office/powerpoint/2010/main" val="2069971113"/>
+        <p14:creationId xmlns:p14="http://schemas.microsoft.com/office/powerpoint/2010/main" val="1638082725"/>
       </p:ext>
     </p:extLst>
   </p:cSld>
@@ -11798,8 +11286,8 @@
           </a:p>
         </p:txBody>
       </p:sp>
-      <mc:AlternateContent xmlns:mc="http://schemas.openxmlformats.org/markup-compatibility/2006">
-        <mc:Choice xmlns:a14="http://schemas.microsoft.com/office/drawing/2010/main" Requires="a14">
+      <mc:AlternateContent xmlns:mc="http://schemas.openxmlformats.org/markup-compatibility/2006" xmlns:a14="http://schemas.microsoft.com/office/drawing/2010/main">
+        <mc:Choice Requires="a14">
           <p:sp>
             <p:nvSpPr>
               <p:cNvPr id="3" name="Content Placeholder 2">
@@ -12174,7 +11662,7 @@
             </p:txBody>
           </p:sp>
         </mc:Choice>
-        <mc:Fallback>
+        <mc:Fallback xmlns="">
           <p:sp>
             <p:nvSpPr>
               <p:cNvPr id="3" name="Content Placeholder 2">
@@ -12218,8 +11706,8 @@
           </p:sp>
         </mc:Fallback>
       </mc:AlternateContent>
-      <mc:AlternateContent xmlns:mc="http://schemas.openxmlformats.org/markup-compatibility/2006">
-        <mc:Choice xmlns:a14="http://schemas.microsoft.com/office/drawing/2010/main" Requires="a14">
+      <mc:AlternateContent xmlns:mc="http://schemas.openxmlformats.org/markup-compatibility/2006" xmlns:a14="http://schemas.microsoft.com/office/drawing/2010/main">
+        <mc:Choice Requires="a14">
           <p:sp>
             <p:nvSpPr>
               <p:cNvPr id="5" name="TextBox 4">
@@ -12272,7 +11760,7 @@
                           <m:begChr m:val="["/>
                           <m:endChr m:val="]"/>
                           <m:ctrlPr>
-                            <a:rPr lang="en-US" sz="3200" b="0" i="0" dirty="0" smtClean="0">
+                            <a:rPr lang="en-US" sz="3200" b="0" i="1" dirty="0" smtClean="0">
                               <a:solidFill>
                                 <a:srgbClr val="C00000"/>
                               </a:solidFill>
@@ -12327,7 +11815,7 @@
                           <m:begChr m:val="["/>
                           <m:endChr m:val="]"/>
                           <m:ctrlPr>
-                            <a:rPr lang="en-US" sz="3200" b="0" i="0" dirty="0" smtClean="0">
+                            <a:rPr lang="en-US" sz="3200" b="0" i="1" dirty="0" smtClean="0">
                               <a:solidFill>
                                 <a:srgbClr val="C00000"/>
                               </a:solidFill>
@@ -12364,7 +11852,7 @@
             </p:txBody>
           </p:sp>
         </mc:Choice>
-        <mc:Fallback>
+        <mc:Fallback xmlns="">
           <p:sp>
             <p:nvSpPr>
               <p:cNvPr id="5" name="TextBox 4">
@@ -12409,8 +11897,8 @@
           </p:sp>
         </mc:Fallback>
       </mc:AlternateContent>
-      <mc:AlternateContent xmlns:mc="http://schemas.openxmlformats.org/markup-compatibility/2006">
-        <mc:Choice xmlns:a14="http://schemas.microsoft.com/office/drawing/2010/main" Requires="a14">
+      <mc:AlternateContent xmlns:mc="http://schemas.openxmlformats.org/markup-compatibility/2006" xmlns:a14="http://schemas.microsoft.com/office/drawing/2010/main">
+        <mc:Choice Requires="a14">
           <p:sp>
             <p:nvSpPr>
               <p:cNvPr id="6" name="TextBox 5">
@@ -12497,16 +11985,7 @@
                               </a:solidFill>
                               <a:latin typeface="Cambria Math" panose="02040503050406030204" pitchFamily="18" charset="0"/>
                             </a:rPr>
-                            <m:t>−3.5≥1.41</m:t>
-                          </m:r>
-                          <m:r>
-                            <a:rPr lang="en-US" sz="3200" b="0" i="1" dirty="0" smtClean="0">
-                              <a:solidFill>
-                                <a:srgbClr val="C00000"/>
-                              </a:solidFill>
-                              <a:latin typeface="Cambria Math" panose="02040503050406030204" pitchFamily="18" charset="0"/>
-                            </a:rPr>
-                            <m:t>⋅1.71</m:t>
+                            <m:t>−3.5≥1.41⋅1.71</m:t>
                           </m:r>
                         </m:e>
                       </m:d>
@@ -12585,16 +12064,7 @@
                           </a:solidFill>
                           <a:latin typeface="Cambria Math" panose="02040503050406030204" pitchFamily="18" charset="0"/>
                         </a:rPr>
-                        <m:t>≈</m:t>
-                      </m:r>
-                      <m:r>
-                        <a:rPr lang="en-US" sz="3200" b="0" i="1" dirty="0" smtClean="0">
-                          <a:solidFill>
-                            <a:srgbClr val="0070C0"/>
-                          </a:solidFill>
-                          <a:latin typeface="Cambria Math" panose="02040503050406030204" pitchFamily="18" charset="0"/>
-                        </a:rPr>
-                        <m:t>0.4667</m:t>
+                        <m:t>≈0.4667</m:t>
                       </m:r>
                     </m:oMath>
                   </m:oMathPara>
@@ -12604,7 +12074,7 @@
             </p:txBody>
           </p:sp>
         </mc:Choice>
-        <mc:Fallback>
+        <mc:Fallback xmlns="">
           <p:sp>
             <p:nvSpPr>
               <p:cNvPr id="6" name="TextBox 5">
@@ -12712,8 +12182,8 @@
           </a:p>
         </p:txBody>
       </p:sp>
-      <mc:AlternateContent xmlns:mc="http://schemas.openxmlformats.org/markup-compatibility/2006">
-        <mc:Choice xmlns:a14="http://schemas.microsoft.com/office/drawing/2010/main" Requires="a14">
+      <mc:AlternateContent xmlns:mc="http://schemas.openxmlformats.org/markup-compatibility/2006" xmlns:a14="http://schemas.microsoft.com/office/drawing/2010/main">
+        <mc:Choice Requires="a14">
           <p:sp>
             <p:nvSpPr>
               <p:cNvPr id="3" name="Content Placeholder 2">
@@ -13116,7 +12586,7 @@
                     <m:f>
                       <m:fPr>
                         <m:ctrlPr>
-                          <a:rPr lang="en-US" b="0" i="0" dirty="0" smtClean="0">
+                          <a:rPr lang="en-US" b="0" i="1" dirty="0" smtClean="0">
                             <a:solidFill>
                               <a:srgbClr val="C00000"/>
                             </a:solidFill>
@@ -13527,7 +12997,7 @@
             </p:txBody>
           </p:sp>
         </mc:Choice>
-        <mc:Fallback>
+        <mc:Fallback xmlns="">
           <p:sp>
             <p:nvSpPr>
               <p:cNvPr id="3" name="Content Placeholder 2">
@@ -13634,8 +13104,8 @@
           </a:p>
         </p:txBody>
       </p:sp>
-      <mc:AlternateContent xmlns:mc="http://schemas.openxmlformats.org/markup-compatibility/2006">
-        <mc:Choice xmlns:a14="http://schemas.microsoft.com/office/drawing/2010/main" Requires="a14">
+      <mc:AlternateContent xmlns:mc="http://schemas.openxmlformats.org/markup-compatibility/2006" xmlns:a14="http://schemas.microsoft.com/office/drawing/2010/main">
+        <mc:Choice Requires="a14">
           <p:sp>
             <p:nvSpPr>
               <p:cNvPr id="3" name="Content Placeholder 2">
@@ -13854,7 +13324,7 @@
             </p:txBody>
           </p:sp>
         </mc:Choice>
-        <mc:Fallback>
+        <mc:Fallback xmlns="">
           <p:sp>
             <p:nvSpPr>
               <p:cNvPr id="3" name="Content Placeholder 2">
@@ -13961,8 +13431,8 @@
           </a:p>
         </p:txBody>
       </p:sp>
-      <mc:AlternateContent xmlns:mc="http://schemas.openxmlformats.org/markup-compatibility/2006">
-        <mc:Choice xmlns:a14="http://schemas.microsoft.com/office/drawing/2010/main" Requires="a14">
+      <mc:AlternateContent xmlns:mc="http://schemas.openxmlformats.org/markup-compatibility/2006" xmlns:a14="http://schemas.microsoft.com/office/drawing/2010/main">
+        <mc:Choice Requires="a14">
           <p:sp>
             <p:nvSpPr>
               <p:cNvPr id="3" name="Content Placeholder 2">
@@ -14369,16 +13839,7 @@
                             </a:solidFill>
                             <a:latin typeface="Cambria Math" panose="02040503050406030204" pitchFamily="18" charset="0"/>
                           </a:rPr>
-                          <m:t>≥</m:t>
-                        </m:r>
-                        <m:r>
-                          <a:rPr lang="en-US" sz="2800" b="0" i="1" dirty="0" smtClean="0">
-                            <a:solidFill>
-                              <a:srgbClr val="C00000"/>
-                            </a:solidFill>
-                            <a:latin typeface="Cambria Math" panose="02040503050406030204" pitchFamily="18" charset="0"/>
-                          </a:rPr>
-                          <m:t>30</m:t>
+                          <m:t>≥30</m:t>
                         </m:r>
                         <m:r>
                           <a:rPr lang="en-US" sz="2800" b="0" i="1" dirty="0" smtClean="0">
@@ -14616,7 +14077,7 @@
             </p:txBody>
           </p:sp>
         </mc:Choice>
-        <mc:Fallback>
+        <mc:Fallback xmlns="">
           <p:sp>
             <p:nvSpPr>
               <p:cNvPr id="3" name="Content Placeholder 2">
@@ -14723,8 +14184,8 @@
           </a:p>
         </p:txBody>
       </p:sp>
-      <mc:AlternateContent xmlns:mc="http://schemas.openxmlformats.org/markup-compatibility/2006">
-        <mc:Choice xmlns:a14="http://schemas.microsoft.com/office/drawing/2010/main" Requires="a14">
+      <mc:AlternateContent xmlns:mc="http://schemas.openxmlformats.org/markup-compatibility/2006" xmlns:a14="http://schemas.microsoft.com/office/drawing/2010/main">
+        <mc:Choice Requires="a14">
           <p:sp>
             <p:nvSpPr>
               <p:cNvPr id="3" name="Content Placeholder 2">
@@ -14801,7 +14262,7 @@
             </p:txBody>
           </p:sp>
         </mc:Choice>
-        <mc:Fallback>
+        <mc:Fallback xmlns="">
           <p:sp>
             <p:nvSpPr>
               <p:cNvPr id="3" name="Content Placeholder 2">
@@ -14908,8 +14369,8 @@
           </a:p>
         </p:txBody>
       </p:sp>
-      <mc:AlternateContent xmlns:mc="http://schemas.openxmlformats.org/markup-compatibility/2006">
-        <mc:Choice xmlns:a14="http://schemas.microsoft.com/office/drawing/2010/main" Requires="a14">
+      <mc:AlternateContent xmlns:mc="http://schemas.openxmlformats.org/markup-compatibility/2006" xmlns:a14="http://schemas.microsoft.com/office/drawing/2010/main">
+        <mc:Choice Requires="a14">
           <p:sp>
             <p:nvSpPr>
               <p:cNvPr id="3" name="Content Placeholder 2">
@@ -15752,7 +15213,7 @@
             </p:txBody>
           </p:sp>
         </mc:Choice>
-        <mc:Fallback>
+        <mc:Fallback xmlns="">
           <p:sp>
             <p:nvSpPr>
               <p:cNvPr id="3" name="Content Placeholder 2">
@@ -15989,8 +15450,8 @@
           </a:p>
         </p:txBody>
       </p:sp>
-      <mc:AlternateContent xmlns:mc="http://schemas.openxmlformats.org/markup-compatibility/2006">
-        <mc:Choice xmlns:a14="http://schemas.microsoft.com/office/drawing/2010/main" Requires="a14">
+      <mc:AlternateContent xmlns:mc="http://schemas.openxmlformats.org/markup-compatibility/2006" xmlns:a14="http://schemas.microsoft.com/office/drawing/2010/main">
+        <mc:Choice Requires="a14">
           <p:sp>
             <p:nvSpPr>
               <p:cNvPr id="3" name="Content Placeholder 2">
@@ -16344,16 +15805,7 @@
                         </a:solidFill>
                         <a:latin typeface="Cambria Math" panose="02040503050406030204" pitchFamily="18" charset="0"/>
                       </a:rPr>
-                      <m:t>≤</m:t>
-                    </m:r>
-                    <m:r>
-                      <a:rPr lang="en-US" b="0" i="1" dirty="0" smtClean="0">
-                        <a:solidFill>
-                          <a:srgbClr val="C00000"/>
-                        </a:solidFill>
-                        <a:latin typeface="Cambria Math" panose="02040503050406030204" pitchFamily="18" charset="0"/>
-                      </a:rPr>
-                      <m:t>0.25</m:t>
+                      <m:t>≤0.25</m:t>
                     </m:r>
                   </m:oMath>
                 </a14:m>
@@ -16433,7 +15885,7 @@
             </p:txBody>
           </p:sp>
         </mc:Choice>
-        <mc:Fallback>
+        <mc:Fallback xmlns="">
           <p:sp>
             <p:nvSpPr>
               <p:cNvPr id="3" name="Content Placeholder 2">
@@ -16491,6 +15943,1545 @@
 </file>
 
 <file path=ppt/slides/slide28.xml><?xml version="1.0" encoding="utf-8"?>
+<p:sld xmlns:a="http://schemas.openxmlformats.org/drawingml/2006/main" xmlns:r="http://schemas.openxmlformats.org/officeDocument/2006/relationships" xmlns:p="http://schemas.openxmlformats.org/presentationml/2006/main">
+  <p:cSld>
+    <p:spTree>
+      <p:nvGrpSpPr>
+        <p:cNvPr id="1" name=""/>
+        <p:cNvGrpSpPr/>
+        <p:nvPr/>
+      </p:nvGrpSpPr>
+      <p:grpSpPr>
+        <a:xfrm>
+          <a:off x="0" y="0"/>
+          <a:ext cx="0" cy="0"/>
+          <a:chOff x="0" y="0"/>
+          <a:chExt cx="0" cy="0"/>
+        </a:xfrm>
+      </p:grpSpPr>
+      <p:sp>
+        <p:nvSpPr>
+          <p:cNvPr id="2" name="Title 1">
+            <a:extLst>
+              <a:ext uri="{FF2B5EF4-FFF2-40B4-BE49-F238E27FC236}">
+                <a16:creationId xmlns:a16="http://schemas.microsoft.com/office/drawing/2014/main" id="{E4449558-8CBC-D30A-02F3-65EA383A4C4F}"/>
+              </a:ext>
+            </a:extLst>
+          </p:cNvPr>
+          <p:cNvSpPr>
+            <a:spLocks noGrp="1"/>
+          </p:cNvSpPr>
+          <p:nvPr>
+            <p:ph type="ctrTitle"/>
+          </p:nvPr>
+        </p:nvSpPr>
+        <p:spPr/>
+        <p:txBody>
+          <a:bodyPr>
+            <a:normAutofit fontScale="90000"/>
+          </a:bodyPr>
+          <a:lstStyle/>
+          <a:p>
+            <a:r>
+              <a:rPr lang="en-US" dirty="0">
+                <a:solidFill>
+                  <a:srgbClr val="C00000"/>
+                </a:solidFill>
+              </a:rPr>
+              <a:t>CSCE 689: Special Topics in Modern Algorithms for Data Science </a:t>
+            </a:r>
+          </a:p>
+        </p:txBody>
+      </p:sp>
+      <p:sp>
+        <p:nvSpPr>
+          <p:cNvPr id="3" name="Subtitle 2">
+            <a:extLst>
+              <a:ext uri="{FF2B5EF4-FFF2-40B4-BE49-F238E27FC236}">
+                <a16:creationId xmlns:a16="http://schemas.microsoft.com/office/drawing/2014/main" id="{89802CB3-FC8E-C393-0D77-33E8A17F6B16}"/>
+              </a:ext>
+            </a:extLst>
+          </p:cNvPr>
+          <p:cNvSpPr>
+            <a:spLocks noGrp="1"/>
+          </p:cNvSpPr>
+          <p:nvPr>
+            <p:ph type="subTitle" idx="1"/>
+          </p:nvPr>
+        </p:nvSpPr>
+        <p:spPr>
+          <a:xfrm>
+            <a:off x="1524000" y="3602037"/>
+            <a:ext cx="9144000" cy="2789797"/>
+          </a:xfrm>
+        </p:spPr>
+        <p:txBody>
+          <a:bodyPr>
+            <a:normAutofit/>
+          </a:bodyPr>
+          <a:lstStyle/>
+          <a:p>
+            <a:r>
+              <a:rPr lang="en-US" sz="3600" dirty="0"/>
+              <a:t>Lecture 5</a:t>
+            </a:r>
+          </a:p>
+          <a:p>
+            <a:endParaRPr lang="en-US" sz="3600" dirty="0"/>
+          </a:p>
+          <a:p>
+            <a:r>
+              <a:rPr lang="en-US" sz="2800" dirty="0"/>
+              <a:t>Samson Zhou</a:t>
+            </a:r>
+          </a:p>
+        </p:txBody>
+      </p:sp>
+    </p:spTree>
+    <p:extLst>
+      <p:ext uri="{BB962C8B-B14F-4D97-AF65-F5344CB8AC3E}">
+        <p14:creationId xmlns:p14="http://schemas.microsoft.com/office/powerpoint/2010/main" val="1885784624"/>
+      </p:ext>
+    </p:extLst>
+  </p:cSld>
+  <p:clrMapOvr>
+    <a:masterClrMapping/>
+  </p:clrMapOvr>
+</p:sld>
+</file>
+
+<file path=ppt/slides/slide29.xml><?xml version="1.0" encoding="utf-8"?>
+<p:sld xmlns:a="http://schemas.openxmlformats.org/drawingml/2006/main" xmlns:r="http://schemas.openxmlformats.org/officeDocument/2006/relationships" xmlns:p="http://schemas.openxmlformats.org/presentationml/2006/main">
+  <p:cSld>
+    <p:spTree>
+      <p:nvGrpSpPr>
+        <p:cNvPr id="1" name=""/>
+        <p:cNvGrpSpPr/>
+        <p:nvPr/>
+      </p:nvGrpSpPr>
+      <p:grpSpPr>
+        <a:xfrm>
+          <a:off x="0" y="0"/>
+          <a:ext cx="0" cy="0"/>
+          <a:chOff x="0" y="0"/>
+          <a:chExt cx="0" cy="0"/>
+        </a:xfrm>
+      </p:grpSpPr>
+      <p:sp>
+        <p:nvSpPr>
+          <p:cNvPr id="2" name="Title 1">
+            <a:extLst>
+              <a:ext uri="{FF2B5EF4-FFF2-40B4-BE49-F238E27FC236}">
+                <a16:creationId xmlns:a16="http://schemas.microsoft.com/office/drawing/2014/main" id="{FCA5AC62-A5FD-2A5B-018F-859A378AA1D4}"/>
+              </a:ext>
+            </a:extLst>
+          </p:cNvPr>
+          <p:cNvSpPr>
+            <a:spLocks noGrp="1"/>
+          </p:cNvSpPr>
+          <p:nvPr>
+            <p:ph type="title"/>
+          </p:nvPr>
+        </p:nvSpPr>
+        <p:spPr/>
+        <p:txBody>
+          <a:bodyPr/>
+          <a:lstStyle/>
+          <a:p>
+            <a:r>
+              <a:rPr lang="en-US" dirty="0">
+                <a:solidFill>
+                  <a:srgbClr val="C00000"/>
+                </a:solidFill>
+              </a:rPr>
+              <a:t>Trivia Question #3 (Max Load)</a:t>
+            </a:r>
+          </a:p>
+        </p:txBody>
+      </p:sp>
+      <mc:AlternateContent xmlns:mc="http://schemas.openxmlformats.org/markup-compatibility/2006" xmlns:a14="http://schemas.microsoft.com/office/drawing/2010/main">
+        <mc:Choice Requires="a14">
+          <p:sp>
+            <p:nvSpPr>
+              <p:cNvPr id="3" name="Content Placeholder 2">
+                <a:extLst>
+                  <a:ext uri="{FF2B5EF4-FFF2-40B4-BE49-F238E27FC236}">
+                    <a16:creationId xmlns:a16="http://schemas.microsoft.com/office/drawing/2014/main" id="{76F2126B-4AA6-302B-7E5A-170FFAAB8BD1}"/>
+                  </a:ext>
+                </a:extLst>
+              </p:cNvPr>
+              <p:cNvSpPr>
+                <a:spLocks noGrp="1"/>
+              </p:cNvSpPr>
+              <p:nvPr>
+                <p:ph idx="1"/>
+              </p:nvPr>
+            </p:nvSpPr>
+            <p:spPr/>
+            <p:txBody>
+              <a:bodyPr/>
+              <a:lstStyle/>
+              <a:p>
+                <a:pPr>
+                  <a:buClr>
+                    <a:schemeClr val="tx1"/>
+                  </a:buClr>
+                </a:pPr>
+                <a:r>
+                  <a:rPr lang="en-US" dirty="0"/>
+                  <a:t>Suppose we have a fair </a:t>
+                </a:r>
+                <a14:m>
+                  <m:oMath xmlns:m="http://schemas.openxmlformats.org/officeDocument/2006/math">
+                    <m:r>
+                      <a:rPr lang="en-US" b="0" i="1" dirty="0" smtClean="0">
+                        <a:solidFill>
+                          <a:srgbClr val="C00000"/>
+                        </a:solidFill>
+                        <a:latin typeface="Cambria Math" panose="02040503050406030204" pitchFamily="18" charset="0"/>
+                      </a:rPr>
+                      <m:t>𝑛</m:t>
+                    </m:r>
+                  </m:oMath>
+                </a14:m>
+                <a:r>
+                  <a:rPr lang="en-US" dirty="0"/>
+                  <a:t>-sided die that we roll </a:t>
+                </a:r>
+                <a14:m>
+                  <m:oMath xmlns:m="http://schemas.openxmlformats.org/officeDocument/2006/math">
+                    <m:r>
+                      <a:rPr lang="en-US" i="1" dirty="0">
+                        <a:solidFill>
+                          <a:srgbClr val="C00000"/>
+                        </a:solidFill>
+                        <a:latin typeface="Cambria Math" panose="02040503050406030204" pitchFamily="18" charset="0"/>
+                      </a:rPr>
+                      <m:t>𝑛</m:t>
+                    </m:r>
+                  </m:oMath>
+                </a14:m>
+                <a:r>
+                  <a:rPr lang="en-US" dirty="0"/>
+                  <a:t> times. “On average”, what is the largest number of times any outcome is rolled? Example: </a:t>
+                </a:r>
+                <a14:m>
+                  <m:oMath xmlns:m="http://schemas.openxmlformats.org/officeDocument/2006/math">
+                    <m:r>
+                      <a:rPr lang="en-US" b="0" i="1" dirty="0" smtClean="0">
+                        <a:solidFill>
+                          <a:srgbClr val="0070C0"/>
+                        </a:solidFill>
+                        <a:latin typeface="Cambria Math" panose="02040503050406030204" pitchFamily="18" charset="0"/>
+                      </a:rPr>
+                      <m:t>1</m:t>
+                    </m:r>
+                  </m:oMath>
+                </a14:m>
+                <a:r>
+                  <a:rPr lang="en-US" dirty="0"/>
+                  <a:t>, </a:t>
+                </a:r>
+                <a14:m>
+                  <m:oMath xmlns:m="http://schemas.openxmlformats.org/officeDocument/2006/math">
+                    <m:r>
+                      <a:rPr lang="en-US" b="0" i="1" dirty="0" smtClean="0">
+                        <a:solidFill>
+                          <a:srgbClr val="C00000"/>
+                        </a:solidFill>
+                        <a:latin typeface="Cambria Math" panose="02040503050406030204" pitchFamily="18" charset="0"/>
+                      </a:rPr>
+                      <m:t>5</m:t>
+                    </m:r>
+                  </m:oMath>
+                </a14:m>
+                <a:r>
+                  <a:rPr lang="en-US" dirty="0"/>
+                  <a:t>, </a:t>
+                </a:r>
+                <a14:m>
+                  <m:oMath xmlns:m="http://schemas.openxmlformats.org/officeDocument/2006/math">
+                    <m:r>
+                      <a:rPr lang="en-US" b="0" i="1" dirty="0" smtClean="0">
+                        <a:solidFill>
+                          <a:srgbClr val="C00000"/>
+                        </a:solidFill>
+                        <a:latin typeface="Cambria Math" panose="02040503050406030204" pitchFamily="18" charset="0"/>
+                      </a:rPr>
+                      <m:t>2</m:t>
+                    </m:r>
+                  </m:oMath>
+                </a14:m>
+                <a:r>
+                  <a:rPr lang="en-US" dirty="0"/>
+                  <a:t>, </a:t>
+                </a:r>
+                <a14:m>
+                  <m:oMath xmlns:m="http://schemas.openxmlformats.org/officeDocument/2006/math">
+                    <m:r>
+                      <a:rPr lang="en-US" b="0" i="1" dirty="0" smtClean="0">
+                        <a:solidFill>
+                          <a:srgbClr val="C00000"/>
+                        </a:solidFill>
+                        <a:latin typeface="Cambria Math" panose="02040503050406030204" pitchFamily="18" charset="0"/>
+                      </a:rPr>
+                      <m:t>4</m:t>
+                    </m:r>
+                  </m:oMath>
+                </a14:m>
+                <a:r>
+                  <a:rPr lang="en-US" dirty="0"/>
+                  <a:t>,</a:t>
+                </a:r>
+                <a:r>
+                  <a:rPr lang="en-US" dirty="0">
+                    <a:solidFill>
+                      <a:srgbClr val="C00000"/>
+                    </a:solidFill>
+                  </a:rPr>
+                  <a:t> </a:t>
+                </a:r>
+                <a14:m>
+                  <m:oMath xmlns:m="http://schemas.openxmlformats.org/officeDocument/2006/math">
+                    <m:r>
+                      <a:rPr lang="en-US" b="0" i="1" smtClean="0">
+                        <a:solidFill>
+                          <a:srgbClr val="0070C0"/>
+                        </a:solidFill>
+                        <a:latin typeface="Cambria Math" panose="02040503050406030204" pitchFamily="18" charset="0"/>
+                      </a:rPr>
+                      <m:t>1</m:t>
+                    </m:r>
+                  </m:oMath>
+                </a14:m>
+                <a:r>
+                  <a:rPr lang="en-US" dirty="0"/>
+                  <a:t>, </a:t>
+                </a:r>
+                <a14:m>
+                  <m:oMath xmlns:m="http://schemas.openxmlformats.org/officeDocument/2006/math">
+                    <m:r>
+                      <a:rPr lang="en-US" b="0" i="1" dirty="0" smtClean="0">
+                        <a:solidFill>
+                          <a:srgbClr val="C00000"/>
+                        </a:solidFill>
+                        <a:latin typeface="Cambria Math" panose="02040503050406030204" pitchFamily="18" charset="0"/>
+                      </a:rPr>
+                      <m:t>3</m:t>
+                    </m:r>
+                  </m:oMath>
+                </a14:m>
+                <a:r>
+                  <a:rPr lang="en-US" dirty="0"/>
+                  <a:t>, </a:t>
+                </a:r>
+                <a14:m>
+                  <m:oMath xmlns:m="http://schemas.openxmlformats.org/officeDocument/2006/math">
+                    <m:r>
+                      <a:rPr lang="en-US" b="0" i="1" dirty="0" smtClean="0">
+                        <a:solidFill>
+                          <a:srgbClr val="0070C0"/>
+                        </a:solidFill>
+                        <a:latin typeface="Cambria Math" panose="02040503050406030204" pitchFamily="18" charset="0"/>
+                      </a:rPr>
+                      <m:t>1</m:t>
+                    </m:r>
+                  </m:oMath>
+                </a14:m>
+                <a:r>
+                  <a:rPr lang="en-US" dirty="0">
+                    <a:solidFill>
+                      <a:srgbClr val="C00000"/>
+                    </a:solidFill>
+                  </a:rPr>
+                  <a:t> </a:t>
+                </a:r>
+                <a:r>
+                  <a:rPr lang="en-US" dirty="0"/>
+                  <a:t>for</a:t>
+                </a:r>
+                <a:r>
+                  <a:rPr lang="en-US" dirty="0">
+                    <a:solidFill>
+                      <a:srgbClr val="C00000"/>
+                    </a:solidFill>
+                  </a:rPr>
+                  <a:t> </a:t>
+                </a:r>
+                <a14:m>
+                  <m:oMath xmlns:m="http://schemas.openxmlformats.org/officeDocument/2006/math">
+                    <m:r>
+                      <a:rPr lang="en-US" i="1" dirty="0">
+                        <a:solidFill>
+                          <a:srgbClr val="C00000"/>
+                        </a:solidFill>
+                        <a:latin typeface="Cambria Math" panose="02040503050406030204" pitchFamily="18" charset="0"/>
+                      </a:rPr>
+                      <m:t>𝑛</m:t>
+                    </m:r>
+                    <m:r>
+                      <a:rPr lang="en-US" b="0" i="0" dirty="0" smtClean="0">
+                        <a:solidFill>
+                          <a:srgbClr val="C00000"/>
+                        </a:solidFill>
+                        <a:latin typeface="Cambria Math" panose="02040503050406030204" pitchFamily="18" charset="0"/>
+                      </a:rPr>
+                      <m:t>=7</m:t>
+                    </m:r>
+                  </m:oMath>
+                </a14:m>
+                <a:endParaRPr lang="en-US" dirty="0">
+                  <a:solidFill>
+                    <a:srgbClr val="C00000"/>
+                  </a:solidFill>
+                </a:endParaRPr>
+              </a:p>
+              <a:p>
+                <a:pPr>
+                  <a:buClr>
+                    <a:schemeClr val="tx1"/>
+                  </a:buClr>
+                </a:pPr>
+                <a:endParaRPr lang="en-US" dirty="0"/>
+              </a:p>
+              <a:p>
+                <a:pPr>
+                  <a:buClr>
+                    <a:schemeClr val="tx1"/>
+                  </a:buClr>
+                </a:pPr>
+                <a14:m>
+                  <m:oMath xmlns:m="http://schemas.openxmlformats.org/officeDocument/2006/math">
+                    <m:r>
+                      <m:rPr>
+                        <m:sty m:val="p"/>
+                      </m:rPr>
+                      <a:rPr lang="en-US" dirty="0">
+                        <a:solidFill>
+                          <a:srgbClr val="C00000"/>
+                        </a:solidFill>
+                        <a:latin typeface="Cambria Math" panose="02040503050406030204" pitchFamily="18" charset="0"/>
+                      </a:rPr>
+                      <m:t>Θ</m:t>
+                    </m:r>
+                    <m:r>
+                      <a:rPr lang="en-US" i="1" dirty="0">
+                        <a:solidFill>
+                          <a:srgbClr val="C00000"/>
+                        </a:solidFill>
+                        <a:latin typeface="Cambria Math" panose="02040503050406030204" pitchFamily="18" charset="0"/>
+                      </a:rPr>
+                      <m:t>(1)</m:t>
+                    </m:r>
+                  </m:oMath>
+                </a14:m>
+                <a:endParaRPr lang="en-US" dirty="0"/>
+              </a:p>
+              <a:p>
+                <a:pPr>
+                  <a:buClr>
+                    <a:schemeClr val="tx1"/>
+                  </a:buClr>
+                </a:pPr>
+                <a14:m>
+                  <m:oMath xmlns:m="http://schemas.openxmlformats.org/officeDocument/2006/math">
+                    <m:acc>
+                      <m:accPr>
+                        <m:chr m:val="̃"/>
+                        <m:ctrlPr>
+                          <a:rPr lang="en-US" b="0" i="1" dirty="0" smtClean="0">
+                            <a:solidFill>
+                              <a:srgbClr val="C00000"/>
+                            </a:solidFill>
+                            <a:latin typeface="Cambria Math" panose="02040503050406030204" pitchFamily="18" charset="0"/>
+                          </a:rPr>
+                        </m:ctrlPr>
+                      </m:accPr>
+                      <m:e>
+                        <m:r>
+                          <m:rPr>
+                            <m:sty m:val="p"/>
+                          </m:rPr>
+                          <a:rPr lang="en-US" dirty="0">
+                            <a:solidFill>
+                              <a:srgbClr val="C00000"/>
+                            </a:solidFill>
+                            <a:latin typeface="Cambria Math" panose="02040503050406030204" pitchFamily="18" charset="0"/>
+                          </a:rPr>
+                          <m:t>Θ</m:t>
+                        </m:r>
+                      </m:e>
+                    </m:acc>
+                    <m:r>
+                      <a:rPr lang="en-US" i="1" dirty="0">
+                        <a:solidFill>
+                          <a:srgbClr val="C00000"/>
+                        </a:solidFill>
+                        <a:latin typeface="Cambria Math" panose="02040503050406030204" pitchFamily="18" charset="0"/>
+                      </a:rPr>
+                      <m:t>(</m:t>
+                    </m:r>
+                    <m:func>
+                      <m:funcPr>
+                        <m:ctrlPr>
+                          <a:rPr lang="en-US" i="1" dirty="0">
+                            <a:solidFill>
+                              <a:srgbClr val="C00000"/>
+                            </a:solidFill>
+                            <a:latin typeface="Cambria Math" panose="02040503050406030204" pitchFamily="18" charset="0"/>
+                          </a:rPr>
+                        </m:ctrlPr>
+                      </m:funcPr>
+                      <m:fName>
+                        <m:r>
+                          <m:rPr>
+                            <m:sty m:val="p"/>
+                          </m:rPr>
+                          <a:rPr lang="en-US" dirty="0">
+                            <a:solidFill>
+                              <a:srgbClr val="C00000"/>
+                            </a:solidFill>
+                            <a:latin typeface="Cambria Math" panose="02040503050406030204" pitchFamily="18" charset="0"/>
+                          </a:rPr>
+                          <m:t>log</m:t>
+                        </m:r>
+                      </m:fName>
+                      <m:e>
+                        <m:r>
+                          <a:rPr lang="en-US" i="1" dirty="0">
+                            <a:solidFill>
+                              <a:srgbClr val="C00000"/>
+                            </a:solidFill>
+                            <a:latin typeface="Cambria Math" panose="02040503050406030204" pitchFamily="18" charset="0"/>
+                          </a:rPr>
+                          <m:t>𝑛</m:t>
+                        </m:r>
+                      </m:e>
+                    </m:func>
+                    <m:r>
+                      <a:rPr lang="en-US" i="1" dirty="0">
+                        <a:solidFill>
+                          <a:srgbClr val="C00000"/>
+                        </a:solidFill>
+                        <a:latin typeface="Cambria Math" panose="02040503050406030204" pitchFamily="18" charset="0"/>
+                      </a:rPr>
+                      <m:t>)</m:t>
+                    </m:r>
+                  </m:oMath>
+                </a14:m>
+                <a:endParaRPr lang="en-US" i="1" dirty="0">
+                  <a:solidFill>
+                    <a:srgbClr val="C00000"/>
+                  </a:solidFill>
+                  <a:latin typeface="Cambria Math" panose="02040503050406030204" pitchFamily="18" charset="0"/>
+                </a:endParaRPr>
+              </a:p>
+              <a:p>
+                <a:pPr>
+                  <a:buClr>
+                    <a:schemeClr val="tx1"/>
+                  </a:buClr>
+                </a:pPr>
+                <a14:m>
+                  <m:oMath xmlns:m="http://schemas.openxmlformats.org/officeDocument/2006/math">
+                    <m:acc>
+                      <m:accPr>
+                        <m:chr m:val="̃"/>
+                        <m:ctrlPr>
+                          <a:rPr lang="en-US" i="1" dirty="0">
+                            <a:solidFill>
+                              <a:srgbClr val="C00000"/>
+                            </a:solidFill>
+                            <a:latin typeface="Cambria Math" panose="02040503050406030204" pitchFamily="18" charset="0"/>
+                          </a:rPr>
+                        </m:ctrlPr>
+                      </m:accPr>
+                      <m:e>
+                        <m:r>
+                          <m:rPr>
+                            <m:sty m:val="p"/>
+                          </m:rPr>
+                          <a:rPr lang="en-US" dirty="0">
+                            <a:solidFill>
+                              <a:srgbClr val="C00000"/>
+                            </a:solidFill>
+                            <a:latin typeface="Cambria Math" panose="02040503050406030204" pitchFamily="18" charset="0"/>
+                          </a:rPr>
+                          <m:t>Θ</m:t>
+                        </m:r>
+                      </m:e>
+                    </m:acc>
+                    <m:r>
+                      <a:rPr lang="en-US" i="1" dirty="0">
+                        <a:solidFill>
+                          <a:srgbClr val="C00000"/>
+                        </a:solidFill>
+                        <a:latin typeface="Cambria Math" panose="02040503050406030204" pitchFamily="18" charset="0"/>
+                      </a:rPr>
+                      <m:t>(</m:t>
+                    </m:r>
+                    <m:rad>
+                      <m:radPr>
+                        <m:degHide m:val="on"/>
+                        <m:ctrlPr>
+                          <a:rPr lang="en-US" i="1" dirty="0">
+                            <a:solidFill>
+                              <a:srgbClr val="C00000"/>
+                            </a:solidFill>
+                            <a:latin typeface="Cambria Math" panose="02040503050406030204" pitchFamily="18" charset="0"/>
+                          </a:rPr>
+                        </m:ctrlPr>
+                      </m:radPr>
+                      <m:deg/>
+                      <m:e>
+                        <m:r>
+                          <a:rPr lang="en-US" i="1" dirty="0">
+                            <a:solidFill>
+                              <a:srgbClr val="C00000"/>
+                            </a:solidFill>
+                            <a:latin typeface="Cambria Math" panose="02040503050406030204" pitchFamily="18" charset="0"/>
+                          </a:rPr>
+                          <m:t>𝑛</m:t>
+                        </m:r>
+                      </m:e>
+                    </m:rad>
+                    <m:r>
+                      <a:rPr lang="en-US" i="1" dirty="0">
+                        <a:solidFill>
+                          <a:srgbClr val="C00000"/>
+                        </a:solidFill>
+                        <a:latin typeface="Cambria Math" panose="02040503050406030204" pitchFamily="18" charset="0"/>
+                      </a:rPr>
+                      <m:t>)</m:t>
+                    </m:r>
+                  </m:oMath>
+                </a14:m>
+                <a:endParaRPr lang="en-US" i="1" dirty="0">
+                  <a:solidFill>
+                    <a:srgbClr val="C00000"/>
+                  </a:solidFill>
+                  <a:latin typeface="Cambria Math" panose="02040503050406030204" pitchFamily="18" charset="0"/>
+                </a:endParaRPr>
+              </a:p>
+              <a:p>
+                <a:pPr>
+                  <a:buClr>
+                    <a:schemeClr val="tx1"/>
+                  </a:buClr>
+                </a:pPr>
+                <a14:m>
+                  <m:oMath xmlns:m="http://schemas.openxmlformats.org/officeDocument/2006/math">
+                    <m:acc>
+                      <m:accPr>
+                        <m:chr m:val="̃"/>
+                        <m:ctrlPr>
+                          <a:rPr lang="en-US" i="1" dirty="0">
+                            <a:solidFill>
+                              <a:srgbClr val="C00000"/>
+                            </a:solidFill>
+                            <a:latin typeface="Cambria Math" panose="02040503050406030204" pitchFamily="18" charset="0"/>
+                          </a:rPr>
+                        </m:ctrlPr>
+                      </m:accPr>
+                      <m:e>
+                        <m:r>
+                          <m:rPr>
+                            <m:sty m:val="p"/>
+                          </m:rPr>
+                          <a:rPr lang="en-US" dirty="0">
+                            <a:solidFill>
+                              <a:srgbClr val="C00000"/>
+                            </a:solidFill>
+                            <a:latin typeface="Cambria Math" panose="02040503050406030204" pitchFamily="18" charset="0"/>
+                          </a:rPr>
+                          <m:t>Θ</m:t>
+                        </m:r>
+                      </m:e>
+                    </m:acc>
+                    <m:r>
+                      <a:rPr lang="en-US" i="1" dirty="0">
+                        <a:solidFill>
+                          <a:srgbClr val="C00000"/>
+                        </a:solidFill>
+                        <a:latin typeface="Cambria Math" panose="02040503050406030204" pitchFamily="18" charset="0"/>
+                      </a:rPr>
+                      <m:t>(</m:t>
+                    </m:r>
+                    <m:r>
+                      <a:rPr lang="en-US" i="1" dirty="0">
+                        <a:solidFill>
+                          <a:srgbClr val="C00000"/>
+                        </a:solidFill>
+                        <a:latin typeface="Cambria Math" panose="02040503050406030204" pitchFamily="18" charset="0"/>
+                      </a:rPr>
+                      <m:t>𝑛</m:t>
+                    </m:r>
+                    <m:r>
+                      <a:rPr lang="en-US" i="1" dirty="0">
+                        <a:solidFill>
+                          <a:srgbClr val="C00000"/>
+                        </a:solidFill>
+                        <a:latin typeface="Cambria Math" panose="02040503050406030204" pitchFamily="18" charset="0"/>
+                      </a:rPr>
+                      <m:t>)</m:t>
+                    </m:r>
+                  </m:oMath>
+                </a14:m>
+                <a:endParaRPr lang="en-US" dirty="0"/>
+              </a:p>
+            </p:txBody>
+          </p:sp>
+        </mc:Choice>
+        <mc:Fallback xmlns="">
+          <p:sp>
+            <p:nvSpPr>
+              <p:cNvPr id="3" name="Content Placeholder 2">
+                <a:extLst>
+                  <a:ext uri="{FF2B5EF4-FFF2-40B4-BE49-F238E27FC236}">
+                    <a16:creationId xmlns:a16="http://schemas.microsoft.com/office/drawing/2014/main" id="{76F2126B-4AA6-302B-7E5A-170FFAAB8BD1}"/>
+                  </a:ext>
+                </a:extLst>
+              </p:cNvPr>
+              <p:cNvSpPr>
+                <a:spLocks noGrp="1" noRot="1" noChangeAspect="1" noMove="1" noResize="1" noEditPoints="1" noAdjustHandles="1" noChangeArrowheads="1" noChangeShapeType="1" noTextEdit="1"/>
+              </p:cNvSpPr>
+              <p:nvPr>
+                <p:ph idx="1"/>
+              </p:nvPr>
+            </p:nvSpPr>
+            <p:spPr>
+              <a:blipFill>
+                <a:blip r:embed="rId2"/>
+                <a:stretch>
+                  <a:fillRect l="-1043" t="-2241" r="-1565"/>
+                </a:stretch>
+              </a:blipFill>
+            </p:spPr>
+            <p:txBody>
+              <a:bodyPr/>
+              <a:lstStyle/>
+              <a:p>
+                <a:r>
+                  <a:rPr lang="en-US">
+                    <a:noFill/>
+                  </a:rPr>
+                  <a:t> </a:t>
+                </a:r>
+              </a:p>
+            </p:txBody>
+          </p:sp>
+        </mc:Fallback>
+      </mc:AlternateContent>
+    </p:spTree>
+    <p:extLst>
+      <p:ext uri="{BB962C8B-B14F-4D97-AF65-F5344CB8AC3E}">
+        <p14:creationId xmlns:p14="http://schemas.microsoft.com/office/powerpoint/2010/main" val="3950120002"/>
+      </p:ext>
+    </p:extLst>
+  </p:cSld>
+  <p:clrMapOvr>
+    <a:masterClrMapping/>
+  </p:clrMapOvr>
+</p:sld>
+</file>
+
+<file path=ppt/slides/slide3.xml><?xml version="1.0" encoding="utf-8"?>
+<p:sld xmlns:a="http://schemas.openxmlformats.org/drawingml/2006/main" xmlns:r="http://schemas.openxmlformats.org/officeDocument/2006/relationships" xmlns:p="http://schemas.openxmlformats.org/presentationml/2006/main">
+  <p:cSld>
+    <p:spTree>
+      <p:nvGrpSpPr>
+        <p:cNvPr id="1" name=""/>
+        <p:cNvGrpSpPr/>
+        <p:nvPr/>
+      </p:nvGrpSpPr>
+      <p:grpSpPr>
+        <a:xfrm>
+          <a:off x="0" y="0"/>
+          <a:ext cx="0" cy="0"/>
+          <a:chOff x="0" y="0"/>
+          <a:chExt cx="0" cy="0"/>
+        </a:xfrm>
+      </p:grpSpPr>
+      <p:sp>
+        <p:nvSpPr>
+          <p:cNvPr id="2" name="Title 1">
+            <a:extLst>
+              <a:ext uri="{FF2B5EF4-FFF2-40B4-BE49-F238E27FC236}">
+                <a16:creationId xmlns:a16="http://schemas.microsoft.com/office/drawing/2014/main" id="{FCA5AC62-A5FD-2A5B-018F-859A378AA1D4}"/>
+              </a:ext>
+            </a:extLst>
+          </p:cNvPr>
+          <p:cNvSpPr>
+            <a:spLocks noGrp="1"/>
+          </p:cNvSpPr>
+          <p:nvPr>
+            <p:ph type="title"/>
+          </p:nvPr>
+        </p:nvSpPr>
+        <p:spPr/>
+        <p:txBody>
+          <a:bodyPr/>
+          <a:lstStyle/>
+          <a:p>
+            <a:r>
+              <a:rPr lang="en-US" dirty="0">
+                <a:solidFill>
+                  <a:srgbClr val="C00000"/>
+                </a:solidFill>
+              </a:rPr>
+              <a:t>Future</a:t>
+            </a:r>
+          </a:p>
+        </p:txBody>
+      </p:sp>
+      <p:sp>
+        <p:nvSpPr>
+          <p:cNvPr id="3" name="Content Placeholder 2">
+            <a:extLst>
+              <a:ext uri="{FF2B5EF4-FFF2-40B4-BE49-F238E27FC236}">
+                <a16:creationId xmlns:a16="http://schemas.microsoft.com/office/drawing/2014/main" id="{76F2126B-4AA6-302B-7E5A-170FFAAB8BD1}"/>
+              </a:ext>
+            </a:extLst>
+          </p:cNvPr>
+          <p:cNvSpPr>
+            <a:spLocks noGrp="1"/>
+          </p:cNvSpPr>
+          <p:nvPr>
+            <p:ph idx="1"/>
+          </p:nvPr>
+        </p:nvSpPr>
+        <p:spPr/>
+        <p:txBody>
+          <a:bodyPr>
+            <a:normAutofit/>
+          </a:bodyPr>
+          <a:lstStyle/>
+          <a:p>
+            <a:pPr>
+              <a:buClr>
+                <a:schemeClr val="tx1"/>
+              </a:buClr>
+            </a:pPr>
+            <a:r>
+              <a:rPr lang="en-US" dirty="0">
+                <a:solidFill>
+                  <a:srgbClr val="00B050"/>
+                </a:solidFill>
+              </a:rPr>
+              <a:t>Wednesday</a:t>
+            </a:r>
+            <a:r>
+              <a:rPr lang="en-US" dirty="0"/>
+              <a:t>: Discuss potential project groups</a:t>
+            </a:r>
+          </a:p>
+          <a:p>
+            <a:pPr>
+              <a:buClr>
+                <a:schemeClr val="tx1"/>
+              </a:buClr>
+            </a:pPr>
+            <a:r>
+              <a:rPr lang="en-US" dirty="0">
+                <a:solidFill>
+                  <a:srgbClr val="00B050"/>
+                </a:solidFill>
+              </a:rPr>
+              <a:t>Friday</a:t>
+            </a:r>
+            <a:r>
+              <a:rPr lang="en-US" dirty="0"/>
+              <a:t>: Email me the members/group name</a:t>
+            </a:r>
+          </a:p>
+          <a:p>
+            <a:pPr>
+              <a:buClr>
+                <a:schemeClr val="tx1"/>
+              </a:buClr>
+            </a:pPr>
+            <a:endParaRPr lang="en-US" dirty="0"/>
+          </a:p>
+          <a:p>
+            <a:pPr>
+              <a:buClr>
+                <a:schemeClr val="tx1"/>
+              </a:buClr>
+            </a:pPr>
+            <a:endParaRPr lang="en-US" dirty="0"/>
+          </a:p>
+          <a:p>
+            <a:pPr>
+              <a:buClr>
+                <a:schemeClr val="tx1"/>
+              </a:buClr>
+            </a:pPr>
+            <a:r>
+              <a:rPr lang="en-US" dirty="0">
+                <a:solidFill>
+                  <a:srgbClr val="00B050"/>
+                </a:solidFill>
+              </a:rPr>
+              <a:t>Future</a:t>
+            </a:r>
+            <a:r>
+              <a:rPr lang="en-US" dirty="0"/>
+              <a:t>: Set up meetings to discuss proposed projects</a:t>
+            </a:r>
+          </a:p>
+        </p:txBody>
+      </p:sp>
+    </p:spTree>
+    <p:extLst>
+      <p:ext uri="{BB962C8B-B14F-4D97-AF65-F5344CB8AC3E}">
+        <p14:creationId xmlns:p14="http://schemas.microsoft.com/office/powerpoint/2010/main" val="985833114"/>
+      </p:ext>
+    </p:extLst>
+  </p:cSld>
+  <p:clrMapOvr>
+    <a:masterClrMapping/>
+  </p:clrMapOvr>
+</p:sld>
+</file>
+
+<file path=ppt/slides/slide30.xml><?xml version="1.0" encoding="utf-8"?>
+<p:sld xmlns:a="http://schemas.openxmlformats.org/drawingml/2006/main" xmlns:r="http://schemas.openxmlformats.org/officeDocument/2006/relationships" xmlns:p="http://schemas.openxmlformats.org/presentationml/2006/main">
+  <p:cSld>
+    <p:spTree>
+      <p:nvGrpSpPr>
+        <p:cNvPr id="1" name=""/>
+        <p:cNvGrpSpPr/>
+        <p:nvPr/>
+      </p:nvGrpSpPr>
+      <p:grpSpPr>
+        <a:xfrm>
+          <a:off x="0" y="0"/>
+          <a:ext cx="0" cy="0"/>
+          <a:chOff x="0" y="0"/>
+          <a:chExt cx="0" cy="0"/>
+        </a:xfrm>
+      </p:grpSpPr>
+      <p:sp>
+        <p:nvSpPr>
+          <p:cNvPr id="2" name="Title 1">
+            <a:extLst>
+              <a:ext uri="{FF2B5EF4-FFF2-40B4-BE49-F238E27FC236}">
+                <a16:creationId xmlns:a16="http://schemas.microsoft.com/office/drawing/2014/main" id="{FCA5AC62-A5FD-2A5B-018F-859A378AA1D4}"/>
+              </a:ext>
+            </a:extLst>
+          </p:cNvPr>
+          <p:cNvSpPr>
+            <a:spLocks noGrp="1"/>
+          </p:cNvSpPr>
+          <p:nvPr>
+            <p:ph type="title"/>
+          </p:nvPr>
+        </p:nvSpPr>
+        <p:spPr/>
+        <p:txBody>
+          <a:bodyPr/>
+          <a:lstStyle/>
+          <a:p>
+            <a:r>
+              <a:rPr lang="en-US" dirty="0">
+                <a:solidFill>
+                  <a:srgbClr val="C00000"/>
+                </a:solidFill>
+              </a:rPr>
+              <a:t>Trivia Question #4 (Coupon Collector)</a:t>
+            </a:r>
+          </a:p>
+        </p:txBody>
+      </p:sp>
+      <mc:AlternateContent xmlns:mc="http://schemas.openxmlformats.org/markup-compatibility/2006" xmlns:a14="http://schemas.microsoft.com/office/drawing/2010/main">
+        <mc:Choice Requires="a14">
+          <p:sp>
+            <p:nvSpPr>
+              <p:cNvPr id="3" name="Content Placeholder 2">
+                <a:extLst>
+                  <a:ext uri="{FF2B5EF4-FFF2-40B4-BE49-F238E27FC236}">
+                    <a16:creationId xmlns:a16="http://schemas.microsoft.com/office/drawing/2014/main" id="{76F2126B-4AA6-302B-7E5A-170FFAAB8BD1}"/>
+                  </a:ext>
+                </a:extLst>
+              </p:cNvPr>
+              <p:cNvSpPr>
+                <a:spLocks noGrp="1"/>
+              </p:cNvSpPr>
+              <p:nvPr>
+                <p:ph idx="1"/>
+              </p:nvPr>
+            </p:nvSpPr>
+            <p:spPr/>
+            <p:txBody>
+              <a:bodyPr/>
+              <a:lstStyle/>
+              <a:p>
+                <a:pPr>
+                  <a:buClr>
+                    <a:schemeClr val="tx1"/>
+                  </a:buClr>
+                </a:pPr>
+                <a:r>
+                  <a:rPr lang="en-US" dirty="0"/>
+                  <a:t>Suppose we have a fair </a:t>
+                </a:r>
+                <a14:m>
+                  <m:oMath xmlns:m="http://schemas.openxmlformats.org/officeDocument/2006/math">
+                    <m:r>
+                      <a:rPr lang="en-US" b="0" i="1" dirty="0" smtClean="0">
+                        <a:solidFill>
+                          <a:srgbClr val="C00000"/>
+                        </a:solidFill>
+                        <a:latin typeface="Cambria Math" panose="02040503050406030204" pitchFamily="18" charset="0"/>
+                      </a:rPr>
+                      <m:t>𝑛</m:t>
+                    </m:r>
+                  </m:oMath>
+                </a14:m>
+                <a:r>
+                  <a:rPr lang="en-US" dirty="0"/>
+                  <a:t>-sided die. “On average”, how many times should we roll the die before we all possible outcomes among the rolls? Example: </a:t>
+                </a:r>
+                <a14:m>
+                  <m:oMath xmlns:m="http://schemas.openxmlformats.org/officeDocument/2006/math">
+                    <m:r>
+                      <a:rPr lang="en-US" b="0" i="1" dirty="0" smtClean="0">
+                        <a:solidFill>
+                          <a:srgbClr val="C00000"/>
+                        </a:solidFill>
+                        <a:latin typeface="Cambria Math" panose="02040503050406030204" pitchFamily="18" charset="0"/>
+                      </a:rPr>
+                      <m:t>1</m:t>
+                    </m:r>
+                  </m:oMath>
+                </a14:m>
+                <a:r>
+                  <a:rPr lang="en-US" dirty="0"/>
+                  <a:t>, </a:t>
+                </a:r>
+                <a14:m>
+                  <m:oMath xmlns:m="http://schemas.openxmlformats.org/officeDocument/2006/math">
+                    <m:r>
+                      <a:rPr lang="en-US" b="0" i="1" dirty="0" smtClean="0">
+                        <a:solidFill>
+                          <a:srgbClr val="C00000"/>
+                        </a:solidFill>
+                        <a:latin typeface="Cambria Math" panose="02040503050406030204" pitchFamily="18" charset="0"/>
+                      </a:rPr>
+                      <m:t>5</m:t>
+                    </m:r>
+                  </m:oMath>
+                </a14:m>
+                <a:r>
+                  <a:rPr lang="en-US" dirty="0"/>
+                  <a:t>, </a:t>
+                </a:r>
+                <a14:m>
+                  <m:oMath xmlns:m="http://schemas.openxmlformats.org/officeDocument/2006/math">
+                    <m:r>
+                      <a:rPr lang="en-US" b="0" i="1" dirty="0" smtClean="0">
+                        <a:solidFill>
+                          <a:srgbClr val="C00000"/>
+                        </a:solidFill>
+                        <a:latin typeface="Cambria Math" panose="02040503050406030204" pitchFamily="18" charset="0"/>
+                      </a:rPr>
+                      <m:t>2</m:t>
+                    </m:r>
+                  </m:oMath>
+                </a14:m>
+                <a:r>
+                  <a:rPr lang="en-US" dirty="0"/>
+                  <a:t>, </a:t>
+                </a:r>
+                <a14:m>
+                  <m:oMath xmlns:m="http://schemas.openxmlformats.org/officeDocument/2006/math">
+                    <m:r>
+                      <a:rPr lang="en-US" b="0" i="1" dirty="0" smtClean="0">
+                        <a:solidFill>
+                          <a:srgbClr val="C00000"/>
+                        </a:solidFill>
+                        <a:latin typeface="Cambria Math" panose="02040503050406030204" pitchFamily="18" charset="0"/>
+                      </a:rPr>
+                      <m:t>4</m:t>
+                    </m:r>
+                  </m:oMath>
+                </a14:m>
+                <a:r>
+                  <a:rPr lang="en-US" dirty="0"/>
+                  <a:t>,</a:t>
+                </a:r>
+                <a:r>
+                  <a:rPr lang="en-US" dirty="0">
+                    <a:solidFill>
+                      <a:srgbClr val="C00000"/>
+                    </a:solidFill>
+                  </a:rPr>
+                  <a:t> </a:t>
+                </a:r>
+                <a14:m>
+                  <m:oMath xmlns:m="http://schemas.openxmlformats.org/officeDocument/2006/math">
+                    <m:r>
+                      <a:rPr lang="en-US" b="0" i="1" smtClean="0">
+                        <a:solidFill>
+                          <a:srgbClr val="C00000"/>
+                        </a:solidFill>
+                        <a:latin typeface="Cambria Math" panose="02040503050406030204" pitchFamily="18" charset="0"/>
+                      </a:rPr>
+                      <m:t>1</m:t>
+                    </m:r>
+                  </m:oMath>
+                </a14:m>
+                <a:r>
+                  <a:rPr lang="en-US" dirty="0"/>
+                  <a:t>, </a:t>
+                </a:r>
+                <a14:m>
+                  <m:oMath xmlns:m="http://schemas.openxmlformats.org/officeDocument/2006/math">
+                    <m:r>
+                      <a:rPr lang="en-US" b="0" i="1" dirty="0" smtClean="0">
+                        <a:solidFill>
+                          <a:srgbClr val="C00000"/>
+                        </a:solidFill>
+                        <a:latin typeface="Cambria Math" panose="02040503050406030204" pitchFamily="18" charset="0"/>
+                      </a:rPr>
+                      <m:t>3</m:t>
+                    </m:r>
+                  </m:oMath>
+                </a14:m>
+                <a:r>
+                  <a:rPr lang="en-US" dirty="0"/>
+                  <a:t>, </a:t>
+                </a:r>
+                <a14:m>
+                  <m:oMath xmlns:m="http://schemas.openxmlformats.org/officeDocument/2006/math">
+                    <m:r>
+                      <a:rPr lang="en-US" b="0" i="1" dirty="0" smtClean="0">
+                        <a:solidFill>
+                          <a:srgbClr val="C00000"/>
+                        </a:solidFill>
+                        <a:latin typeface="Cambria Math" panose="02040503050406030204" pitchFamily="18" charset="0"/>
+                      </a:rPr>
+                      <m:t>1</m:t>
+                    </m:r>
+                  </m:oMath>
+                </a14:m>
+                <a:r>
+                  <a:rPr lang="en-US" dirty="0"/>
+                  <a:t>, </a:t>
+                </a:r>
+                <a14:m>
+                  <m:oMath xmlns:m="http://schemas.openxmlformats.org/officeDocument/2006/math">
+                    <m:r>
+                      <a:rPr lang="en-US" b="0" i="1" dirty="0" smtClean="0">
+                        <a:solidFill>
+                          <a:srgbClr val="0070C0"/>
+                        </a:solidFill>
+                        <a:latin typeface="Cambria Math" panose="02040503050406030204" pitchFamily="18" charset="0"/>
+                      </a:rPr>
+                      <m:t>6</m:t>
+                    </m:r>
+                  </m:oMath>
+                </a14:m>
+                <a:r>
+                  <a:rPr lang="en-US" dirty="0">
+                    <a:solidFill>
+                      <a:srgbClr val="C00000"/>
+                    </a:solidFill>
+                  </a:rPr>
+                  <a:t> </a:t>
+                </a:r>
+                <a:r>
+                  <a:rPr lang="en-US" dirty="0"/>
+                  <a:t>for</a:t>
+                </a:r>
+                <a:r>
+                  <a:rPr lang="en-US" dirty="0">
+                    <a:solidFill>
+                      <a:srgbClr val="C00000"/>
+                    </a:solidFill>
+                  </a:rPr>
+                  <a:t> </a:t>
+                </a:r>
+                <a14:m>
+                  <m:oMath xmlns:m="http://schemas.openxmlformats.org/officeDocument/2006/math">
+                    <m:r>
+                      <a:rPr lang="en-US" i="1" dirty="0">
+                        <a:solidFill>
+                          <a:srgbClr val="C00000"/>
+                        </a:solidFill>
+                        <a:latin typeface="Cambria Math" panose="02040503050406030204" pitchFamily="18" charset="0"/>
+                      </a:rPr>
+                      <m:t>𝑛</m:t>
+                    </m:r>
+                    <m:r>
+                      <a:rPr lang="en-US" b="0" i="0" dirty="0" smtClean="0">
+                        <a:solidFill>
+                          <a:srgbClr val="C00000"/>
+                        </a:solidFill>
+                        <a:latin typeface="Cambria Math" panose="02040503050406030204" pitchFamily="18" charset="0"/>
+                      </a:rPr>
+                      <m:t>=6</m:t>
+                    </m:r>
+                  </m:oMath>
+                </a14:m>
+                <a:endParaRPr lang="en-US" dirty="0">
+                  <a:solidFill>
+                    <a:srgbClr val="C00000"/>
+                  </a:solidFill>
+                </a:endParaRPr>
+              </a:p>
+              <a:p>
+                <a:pPr>
+                  <a:buClr>
+                    <a:schemeClr val="tx1"/>
+                  </a:buClr>
+                </a:pPr>
+                <a:endParaRPr lang="en-US" dirty="0"/>
+              </a:p>
+              <a:p>
+                <a:pPr>
+                  <a:buClr>
+                    <a:schemeClr val="tx1"/>
+                  </a:buClr>
+                </a:pPr>
+                <a14:m>
+                  <m:oMath xmlns:m="http://schemas.openxmlformats.org/officeDocument/2006/math">
+                    <m:r>
+                      <m:rPr>
+                        <m:sty m:val="p"/>
+                      </m:rPr>
+                      <a:rPr lang="en-US" dirty="0">
+                        <a:solidFill>
+                          <a:srgbClr val="C00000"/>
+                        </a:solidFill>
+                        <a:latin typeface="Cambria Math" panose="02040503050406030204" pitchFamily="18" charset="0"/>
+                      </a:rPr>
+                      <m:t>Θ</m:t>
+                    </m:r>
+                    <m:d>
+                      <m:dPr>
+                        <m:ctrlPr>
+                          <a:rPr lang="en-US" b="0" i="1" dirty="0" smtClean="0">
+                            <a:solidFill>
+                              <a:srgbClr val="C00000"/>
+                            </a:solidFill>
+                            <a:latin typeface="Cambria Math" panose="02040503050406030204" pitchFamily="18" charset="0"/>
+                          </a:rPr>
+                        </m:ctrlPr>
+                      </m:dPr>
+                      <m:e>
+                        <m:r>
+                          <a:rPr lang="en-US" b="0" i="1" dirty="0" smtClean="0">
+                            <a:solidFill>
+                              <a:srgbClr val="C00000"/>
+                            </a:solidFill>
+                            <a:latin typeface="Cambria Math" panose="02040503050406030204" pitchFamily="18" charset="0"/>
+                          </a:rPr>
+                          <m:t>𝑛</m:t>
+                        </m:r>
+                      </m:e>
+                    </m:d>
+                  </m:oMath>
+                </a14:m>
+                <a:endParaRPr lang="en-US" b="0" dirty="0">
+                  <a:solidFill>
+                    <a:srgbClr val="C00000"/>
+                  </a:solidFill>
+                </a:endParaRPr>
+              </a:p>
+              <a:p>
+                <a:pPr>
+                  <a:buClr>
+                    <a:schemeClr val="tx1"/>
+                  </a:buClr>
+                </a:pPr>
+                <a14:m>
+                  <m:oMath xmlns:m="http://schemas.openxmlformats.org/officeDocument/2006/math">
+                    <m:r>
+                      <m:rPr>
+                        <m:sty m:val="p"/>
+                      </m:rPr>
+                      <a:rPr lang="en-US" dirty="0">
+                        <a:solidFill>
+                          <a:srgbClr val="C00000"/>
+                        </a:solidFill>
+                        <a:latin typeface="Cambria Math" panose="02040503050406030204" pitchFamily="18" charset="0"/>
+                      </a:rPr>
+                      <m:t>Θ</m:t>
+                    </m:r>
+                    <m:d>
+                      <m:dPr>
+                        <m:ctrlPr>
+                          <a:rPr lang="en-US" b="0" i="1" dirty="0" smtClean="0">
+                            <a:solidFill>
+                              <a:srgbClr val="C00000"/>
+                            </a:solidFill>
+                            <a:latin typeface="Cambria Math" panose="02040503050406030204" pitchFamily="18" charset="0"/>
+                          </a:rPr>
+                        </m:ctrlPr>
+                      </m:dPr>
+                      <m:e>
+                        <m:r>
+                          <a:rPr lang="en-US" b="0" i="1" dirty="0" smtClean="0">
+                            <a:solidFill>
+                              <a:srgbClr val="C00000"/>
+                            </a:solidFill>
+                            <a:latin typeface="Cambria Math" panose="02040503050406030204" pitchFamily="18" charset="0"/>
+                          </a:rPr>
+                          <m:t>𝑛</m:t>
+                        </m:r>
+                        <m:func>
+                          <m:funcPr>
+                            <m:ctrlPr>
+                              <a:rPr lang="en-US" b="0" i="1" dirty="0" smtClean="0">
+                                <a:solidFill>
+                                  <a:srgbClr val="C00000"/>
+                                </a:solidFill>
+                                <a:latin typeface="Cambria Math" panose="02040503050406030204" pitchFamily="18" charset="0"/>
+                              </a:rPr>
+                            </m:ctrlPr>
+                          </m:funcPr>
+                          <m:fName>
+                            <m:r>
+                              <m:rPr>
+                                <m:sty m:val="p"/>
+                              </m:rPr>
+                              <a:rPr lang="en-US" b="0" i="0" dirty="0" smtClean="0">
+                                <a:solidFill>
+                                  <a:srgbClr val="C00000"/>
+                                </a:solidFill>
+                                <a:latin typeface="Cambria Math" panose="02040503050406030204" pitchFamily="18" charset="0"/>
+                              </a:rPr>
+                              <m:t>log</m:t>
+                            </m:r>
+                          </m:fName>
+                          <m:e>
+                            <m:r>
+                              <a:rPr lang="en-US" b="0" i="1" dirty="0" smtClean="0">
+                                <a:solidFill>
+                                  <a:srgbClr val="C00000"/>
+                                </a:solidFill>
+                                <a:latin typeface="Cambria Math" panose="02040503050406030204" pitchFamily="18" charset="0"/>
+                              </a:rPr>
+                              <m:t>𝑛</m:t>
+                            </m:r>
+                          </m:e>
+                        </m:func>
+                      </m:e>
+                    </m:d>
+                  </m:oMath>
+                </a14:m>
+                <a:endParaRPr lang="en-US" b="0" dirty="0">
+                  <a:solidFill>
+                    <a:srgbClr val="C00000"/>
+                  </a:solidFill>
+                </a:endParaRPr>
+              </a:p>
+              <a:p>
+                <a:pPr>
+                  <a:buClr>
+                    <a:schemeClr val="tx1"/>
+                  </a:buClr>
+                </a:pPr>
+                <a14:m>
+                  <m:oMath xmlns:m="http://schemas.openxmlformats.org/officeDocument/2006/math">
+                    <m:r>
+                      <m:rPr>
+                        <m:sty m:val="p"/>
+                      </m:rPr>
+                      <a:rPr lang="en-US" dirty="0">
+                        <a:solidFill>
+                          <a:srgbClr val="C00000"/>
+                        </a:solidFill>
+                        <a:latin typeface="Cambria Math" panose="02040503050406030204" pitchFamily="18" charset="0"/>
+                      </a:rPr>
+                      <m:t>Θ</m:t>
+                    </m:r>
+                    <m:d>
+                      <m:dPr>
+                        <m:ctrlPr>
+                          <a:rPr lang="en-US" b="0" i="1" dirty="0" smtClean="0">
+                            <a:solidFill>
+                              <a:srgbClr val="C00000"/>
+                            </a:solidFill>
+                            <a:latin typeface="Cambria Math" panose="02040503050406030204" pitchFamily="18" charset="0"/>
+                          </a:rPr>
+                        </m:ctrlPr>
+                      </m:dPr>
+                      <m:e>
+                        <m:r>
+                          <a:rPr lang="en-US" b="0" i="1" dirty="0" smtClean="0">
+                            <a:solidFill>
+                              <a:srgbClr val="C00000"/>
+                            </a:solidFill>
+                            <a:latin typeface="Cambria Math" panose="02040503050406030204" pitchFamily="18" charset="0"/>
+                          </a:rPr>
+                          <m:t>𝑛</m:t>
+                        </m:r>
+                        <m:rad>
+                          <m:radPr>
+                            <m:degHide m:val="on"/>
+                            <m:ctrlPr>
+                              <a:rPr lang="en-US" b="0" i="1" dirty="0" smtClean="0">
+                                <a:solidFill>
+                                  <a:srgbClr val="C00000"/>
+                                </a:solidFill>
+                                <a:latin typeface="Cambria Math" panose="02040503050406030204" pitchFamily="18" charset="0"/>
+                              </a:rPr>
+                            </m:ctrlPr>
+                          </m:radPr>
+                          <m:deg/>
+                          <m:e>
+                            <m:r>
+                              <a:rPr lang="en-US" b="0" i="1" dirty="0" smtClean="0">
+                                <a:solidFill>
+                                  <a:srgbClr val="C00000"/>
+                                </a:solidFill>
+                                <a:latin typeface="Cambria Math" panose="02040503050406030204" pitchFamily="18" charset="0"/>
+                              </a:rPr>
+                              <m:t>𝑛</m:t>
+                            </m:r>
+                          </m:e>
+                        </m:rad>
+                      </m:e>
+                    </m:d>
+                  </m:oMath>
+                </a14:m>
+                <a:endParaRPr lang="en-US" b="0" dirty="0">
+                  <a:solidFill>
+                    <a:srgbClr val="C00000"/>
+                  </a:solidFill>
+                </a:endParaRPr>
+              </a:p>
+              <a:p>
+                <a:pPr>
+                  <a:buClr>
+                    <a:schemeClr val="tx1"/>
+                  </a:buClr>
+                </a:pPr>
+                <a14:m>
+                  <m:oMath xmlns:m="http://schemas.openxmlformats.org/officeDocument/2006/math">
+                    <m:r>
+                      <m:rPr>
+                        <m:sty m:val="p"/>
+                      </m:rPr>
+                      <a:rPr lang="en-US" dirty="0">
+                        <a:solidFill>
+                          <a:srgbClr val="C00000"/>
+                        </a:solidFill>
+                        <a:latin typeface="Cambria Math" panose="02040503050406030204" pitchFamily="18" charset="0"/>
+                      </a:rPr>
+                      <m:t>Θ</m:t>
+                    </m:r>
+                    <m:d>
+                      <m:dPr>
+                        <m:ctrlPr>
+                          <a:rPr lang="en-US" b="0" i="1" dirty="0" smtClean="0">
+                            <a:solidFill>
+                              <a:srgbClr val="C00000"/>
+                            </a:solidFill>
+                            <a:latin typeface="Cambria Math" panose="02040503050406030204" pitchFamily="18" charset="0"/>
+                          </a:rPr>
+                        </m:ctrlPr>
+                      </m:dPr>
+                      <m:e>
+                        <m:sSup>
+                          <m:sSupPr>
+                            <m:ctrlPr>
+                              <a:rPr lang="en-US" b="0" i="1" dirty="0" smtClean="0">
+                                <a:solidFill>
+                                  <a:srgbClr val="C00000"/>
+                                </a:solidFill>
+                                <a:latin typeface="Cambria Math" panose="02040503050406030204" pitchFamily="18" charset="0"/>
+                              </a:rPr>
+                            </m:ctrlPr>
+                          </m:sSupPr>
+                          <m:e>
+                            <m:r>
+                              <a:rPr lang="en-US" b="0" i="1" dirty="0" smtClean="0">
+                                <a:solidFill>
+                                  <a:srgbClr val="C00000"/>
+                                </a:solidFill>
+                                <a:latin typeface="Cambria Math" panose="02040503050406030204" pitchFamily="18" charset="0"/>
+                              </a:rPr>
+                              <m:t>𝑛</m:t>
+                            </m:r>
+                          </m:e>
+                          <m:sup>
+                            <m:r>
+                              <a:rPr lang="en-US" b="0" i="1" dirty="0" smtClean="0">
+                                <a:solidFill>
+                                  <a:srgbClr val="C00000"/>
+                                </a:solidFill>
+                                <a:latin typeface="Cambria Math" panose="02040503050406030204" pitchFamily="18" charset="0"/>
+                              </a:rPr>
+                              <m:t>2</m:t>
+                            </m:r>
+                          </m:sup>
+                        </m:sSup>
+                      </m:e>
+                    </m:d>
+                  </m:oMath>
+                </a14:m>
+                <a:endParaRPr lang="en-US" dirty="0"/>
+              </a:p>
+            </p:txBody>
+          </p:sp>
+        </mc:Choice>
+        <mc:Fallback xmlns="">
+          <p:sp>
+            <p:nvSpPr>
+              <p:cNvPr id="3" name="Content Placeholder 2">
+                <a:extLst>
+                  <a:ext uri="{FF2B5EF4-FFF2-40B4-BE49-F238E27FC236}">
+                    <a16:creationId xmlns:a16="http://schemas.microsoft.com/office/drawing/2014/main" id="{76F2126B-4AA6-302B-7E5A-170FFAAB8BD1}"/>
+                  </a:ext>
+                </a:extLst>
+              </p:cNvPr>
+              <p:cNvSpPr>
+                <a:spLocks noGrp="1" noRot="1" noChangeAspect="1" noMove="1" noResize="1" noEditPoints="1" noAdjustHandles="1" noChangeArrowheads="1" noChangeShapeType="1" noTextEdit="1"/>
+              </p:cNvSpPr>
+              <p:nvPr>
+                <p:ph idx="1"/>
+              </p:nvPr>
+            </p:nvSpPr>
+            <p:spPr>
+              <a:blipFill>
+                <a:blip r:embed="rId2"/>
+                <a:stretch>
+                  <a:fillRect l="-1043" t="-2241"/>
+                </a:stretch>
+              </a:blipFill>
+            </p:spPr>
+            <p:txBody>
+              <a:bodyPr/>
+              <a:lstStyle/>
+              <a:p>
+                <a:r>
+                  <a:rPr lang="en-US">
+                    <a:noFill/>
+                  </a:rPr>
+                  <a:t> </a:t>
+                </a:r>
+              </a:p>
+            </p:txBody>
+          </p:sp>
+        </mc:Fallback>
+      </mc:AlternateContent>
+    </p:spTree>
+    <p:extLst>
+      <p:ext uri="{BB962C8B-B14F-4D97-AF65-F5344CB8AC3E}">
+        <p14:creationId xmlns:p14="http://schemas.microsoft.com/office/powerpoint/2010/main" val="4099368253"/>
+      </p:ext>
+    </p:extLst>
+  </p:cSld>
+  <p:clrMapOvr>
+    <a:masterClrMapping/>
+  </p:clrMapOvr>
+</p:sld>
+</file>
+
+<file path=ppt/slides/slide31.xml><?xml version="1.0" encoding="utf-8"?>
 <p:sld xmlns:a="http://schemas.openxmlformats.org/drawingml/2006/main" xmlns:r="http://schemas.openxmlformats.org/officeDocument/2006/relationships" xmlns:p="http://schemas.openxmlformats.org/presentationml/2006/main">
   <p:cSld>
     <p:spTree>
@@ -16540,8 +17531,8 @@
           </a:p>
         </p:txBody>
       </p:sp>
-      <mc:AlternateContent xmlns:mc="http://schemas.openxmlformats.org/markup-compatibility/2006">
-        <mc:Choice xmlns:a14="http://schemas.microsoft.com/office/drawing/2010/main" Requires="a14">
+      <mc:AlternateContent xmlns:mc="http://schemas.openxmlformats.org/markup-compatibility/2006" xmlns:a14="http://schemas.microsoft.com/office/drawing/2010/main">
+        <mc:Choice Requires="a14">
           <p:sp>
             <p:nvSpPr>
               <p:cNvPr id="3" name="Content Placeholder 2">
@@ -16734,7 +17725,7 @@
             </p:txBody>
           </p:sp>
         </mc:Choice>
-        <mc:Fallback>
+        <mc:Fallback xmlns="">
           <p:sp>
             <p:nvSpPr>
               <p:cNvPr id="3" name="Content Placeholder 2">
@@ -16778,8 +17769,8 @@
           </p:sp>
         </mc:Fallback>
       </mc:AlternateContent>
-      <mc:AlternateContent xmlns:mc="http://schemas.openxmlformats.org/markup-compatibility/2006">
-        <mc:Choice xmlns:a14="http://schemas.microsoft.com/office/drawing/2010/main" Requires="a14">
+      <mc:AlternateContent xmlns:mc="http://schemas.openxmlformats.org/markup-compatibility/2006" xmlns:a14="http://schemas.microsoft.com/office/drawing/2010/main">
+        <mc:Choice Requires="a14">
           <p:sp>
             <p:nvSpPr>
               <p:cNvPr id="5" name="TextBox 4">
@@ -16808,6 +17799,7 @@
               </a:bodyPr>
               <a:lstStyle/>
               <a:p>
+                <a:pPr/>
                 <a14:m>
                   <m:oMathPara xmlns:m="http://schemas.openxmlformats.org/officeDocument/2006/math">
                     <m:oMathParaPr>
@@ -17212,7 +18204,7 @@
             </p:txBody>
           </p:sp>
         </mc:Choice>
-        <mc:Fallback>
+        <mc:Fallback xmlns="">
           <p:sp>
             <p:nvSpPr>
               <p:cNvPr id="5" name="TextBox 4">
@@ -17257,8 +18249,8 @@
           </p:sp>
         </mc:Fallback>
       </mc:AlternateContent>
-      <mc:AlternateContent xmlns:mc="http://schemas.openxmlformats.org/markup-compatibility/2006">
-        <mc:Choice xmlns:a14="http://schemas.microsoft.com/office/drawing/2010/main" Requires="a14">
+      <mc:AlternateContent xmlns:mc="http://schemas.openxmlformats.org/markup-compatibility/2006" xmlns:a14="http://schemas.microsoft.com/office/drawing/2010/main">
+        <mc:Choice Requires="a14">
           <p:sp>
             <p:nvSpPr>
               <p:cNvPr id="6" name="TextBox 5">
@@ -17448,7 +18440,7 @@
             </p:txBody>
           </p:sp>
         </mc:Choice>
-        <mc:Fallback>
+        <mc:Fallback xmlns="">
           <p:sp>
             <p:nvSpPr>
               <p:cNvPr id="6" name="TextBox 5">
@@ -17506,7 +18498,7 @@
 </p:sld>
 </file>
 
-<file path=ppt/slides/slide29.xml><?xml version="1.0" encoding="utf-8"?>
+<file path=ppt/slides/slide32.xml><?xml version="1.0" encoding="utf-8"?>
 <p:sld xmlns:a="http://schemas.openxmlformats.org/drawingml/2006/main" xmlns:r="http://schemas.openxmlformats.org/officeDocument/2006/relationships" xmlns:p="http://schemas.openxmlformats.org/presentationml/2006/main">
   <p:cSld>
     <p:spTree>
@@ -17556,8 +18548,8 @@
           </a:p>
         </p:txBody>
       </p:sp>
-      <mc:AlternateContent xmlns:mc="http://schemas.openxmlformats.org/markup-compatibility/2006">
-        <mc:Choice xmlns:a14="http://schemas.microsoft.com/office/drawing/2010/main" Requires="a14">
+      <mc:AlternateContent xmlns:mc="http://schemas.openxmlformats.org/markup-compatibility/2006" xmlns:a14="http://schemas.microsoft.com/office/drawing/2010/main">
+        <mc:Choice Requires="a14">
           <p:sp>
             <p:nvSpPr>
               <p:cNvPr id="3" name="Content Placeholder 2">
@@ -17752,16 +18744,7 @@
                         </a:solidFill>
                         <a:latin typeface="Cambria Math" panose="02040503050406030204" pitchFamily="18" charset="0"/>
                       </a:rPr>
-                      <m:t>≤0.</m:t>
-                    </m:r>
-                    <m:r>
-                      <a:rPr lang="en-US" b="0" i="1" dirty="0" smtClean="0">
-                        <a:solidFill>
-                          <a:srgbClr val="C00000"/>
-                        </a:solidFill>
-                        <a:latin typeface="Cambria Math" panose="02040503050406030204" pitchFamily="18" charset="0"/>
-                      </a:rPr>
-                      <m:t>186</m:t>
+                      <m:t>≤0.186</m:t>
                     </m:r>
                   </m:oMath>
                 </a14:m>
@@ -18019,7 +19002,7 @@
             </p:txBody>
           </p:sp>
         </mc:Choice>
-        <mc:Fallback>
+        <mc:Fallback xmlns="">
           <p:sp>
             <p:nvSpPr>
               <p:cNvPr id="3" name="Content Placeholder 2">
@@ -18076,644 +19059,7 @@
 </p:sld>
 </file>
 
-<file path=ppt/slides/slide3.xml><?xml version="1.0" encoding="utf-8"?>
-<p:sld xmlns:a="http://schemas.openxmlformats.org/drawingml/2006/main" xmlns:r="http://schemas.openxmlformats.org/officeDocument/2006/relationships" xmlns:p="http://schemas.openxmlformats.org/presentationml/2006/main">
-  <p:cSld>
-    <p:spTree>
-      <p:nvGrpSpPr>
-        <p:cNvPr id="1" name=""/>
-        <p:cNvGrpSpPr/>
-        <p:nvPr/>
-      </p:nvGrpSpPr>
-      <p:grpSpPr>
-        <a:xfrm>
-          <a:off x="0" y="0"/>
-          <a:ext cx="0" cy="0"/>
-          <a:chOff x="0" y="0"/>
-          <a:chExt cx="0" cy="0"/>
-        </a:xfrm>
-      </p:grpSpPr>
-      <p:sp>
-        <p:nvSpPr>
-          <p:cNvPr id="2" name="Title 1">
-            <a:extLst>
-              <a:ext uri="{FF2B5EF4-FFF2-40B4-BE49-F238E27FC236}">
-                <a16:creationId xmlns:a16="http://schemas.microsoft.com/office/drawing/2014/main" id="{FCA5AC62-A5FD-2A5B-018F-859A378AA1D4}"/>
-              </a:ext>
-            </a:extLst>
-          </p:cNvPr>
-          <p:cNvSpPr>
-            <a:spLocks noGrp="1"/>
-          </p:cNvSpPr>
-          <p:nvPr>
-            <p:ph type="title"/>
-          </p:nvPr>
-        </p:nvSpPr>
-        <p:spPr/>
-        <p:txBody>
-          <a:bodyPr/>
-          <a:lstStyle/>
-          <a:p>
-            <a:r>
-              <a:rPr lang="en-US" dirty="0">
-                <a:solidFill>
-                  <a:srgbClr val="C00000"/>
-                </a:solidFill>
-              </a:rPr>
-              <a:t>Trivia Question #4 (Coupon Collector)</a:t>
-            </a:r>
-          </a:p>
-        </p:txBody>
-      </p:sp>
-      <mc:AlternateContent xmlns:mc="http://schemas.openxmlformats.org/markup-compatibility/2006" xmlns:a14="http://schemas.microsoft.com/office/drawing/2010/main">
-        <mc:Choice Requires="a14">
-          <p:sp>
-            <p:nvSpPr>
-              <p:cNvPr id="3" name="Content Placeholder 2">
-                <a:extLst>
-                  <a:ext uri="{FF2B5EF4-FFF2-40B4-BE49-F238E27FC236}">
-                    <a16:creationId xmlns:a16="http://schemas.microsoft.com/office/drawing/2014/main" id="{76F2126B-4AA6-302B-7E5A-170FFAAB8BD1}"/>
-                  </a:ext>
-                </a:extLst>
-              </p:cNvPr>
-              <p:cNvSpPr>
-                <a:spLocks noGrp="1"/>
-              </p:cNvSpPr>
-              <p:nvPr>
-                <p:ph idx="1"/>
-              </p:nvPr>
-            </p:nvSpPr>
-            <p:spPr/>
-            <p:txBody>
-              <a:bodyPr/>
-              <a:lstStyle/>
-              <a:p>
-                <a:pPr>
-                  <a:buClr>
-                    <a:schemeClr val="tx1"/>
-                  </a:buClr>
-                </a:pPr>
-                <a:r>
-                  <a:rPr lang="en-US" dirty="0"/>
-                  <a:t>Suppose we have a fair </a:t>
-                </a:r>
-                <a14:m>
-                  <m:oMath xmlns:m="http://schemas.openxmlformats.org/officeDocument/2006/math">
-                    <m:r>
-                      <a:rPr lang="en-US" b="0" i="1" dirty="0" smtClean="0">
-                        <a:solidFill>
-                          <a:srgbClr val="C00000"/>
-                        </a:solidFill>
-                        <a:latin typeface="Cambria Math" panose="02040503050406030204" pitchFamily="18" charset="0"/>
-                      </a:rPr>
-                      <m:t>𝑛</m:t>
-                    </m:r>
-                  </m:oMath>
-                </a14:m>
-                <a:r>
-                  <a:rPr lang="en-US" dirty="0"/>
-                  <a:t>-sided die. “On average”, how many times should we roll the die before we all possible outcomes among the rolls? Example: </a:t>
-                </a:r>
-                <a14:m>
-                  <m:oMath xmlns:m="http://schemas.openxmlformats.org/officeDocument/2006/math">
-                    <m:r>
-                      <a:rPr lang="en-US" b="0" i="1" dirty="0" smtClean="0">
-                        <a:solidFill>
-                          <a:srgbClr val="C00000"/>
-                        </a:solidFill>
-                        <a:latin typeface="Cambria Math" panose="02040503050406030204" pitchFamily="18" charset="0"/>
-                      </a:rPr>
-                      <m:t>1</m:t>
-                    </m:r>
-                  </m:oMath>
-                </a14:m>
-                <a:r>
-                  <a:rPr lang="en-US" dirty="0"/>
-                  <a:t>, </a:t>
-                </a:r>
-                <a14:m>
-                  <m:oMath xmlns:m="http://schemas.openxmlformats.org/officeDocument/2006/math">
-                    <m:r>
-                      <a:rPr lang="en-US" b="0" i="1" dirty="0" smtClean="0">
-                        <a:solidFill>
-                          <a:srgbClr val="C00000"/>
-                        </a:solidFill>
-                        <a:latin typeface="Cambria Math" panose="02040503050406030204" pitchFamily="18" charset="0"/>
-                      </a:rPr>
-                      <m:t>5</m:t>
-                    </m:r>
-                  </m:oMath>
-                </a14:m>
-                <a:r>
-                  <a:rPr lang="en-US" dirty="0"/>
-                  <a:t>, </a:t>
-                </a:r>
-                <a14:m>
-                  <m:oMath xmlns:m="http://schemas.openxmlformats.org/officeDocument/2006/math">
-                    <m:r>
-                      <a:rPr lang="en-US" b="0" i="1" dirty="0" smtClean="0">
-                        <a:solidFill>
-                          <a:srgbClr val="C00000"/>
-                        </a:solidFill>
-                        <a:latin typeface="Cambria Math" panose="02040503050406030204" pitchFamily="18" charset="0"/>
-                      </a:rPr>
-                      <m:t>2</m:t>
-                    </m:r>
-                  </m:oMath>
-                </a14:m>
-                <a:r>
-                  <a:rPr lang="en-US" dirty="0"/>
-                  <a:t>, </a:t>
-                </a:r>
-                <a14:m>
-                  <m:oMath xmlns:m="http://schemas.openxmlformats.org/officeDocument/2006/math">
-                    <m:r>
-                      <a:rPr lang="en-US" b="0" i="1" dirty="0" smtClean="0">
-                        <a:solidFill>
-                          <a:srgbClr val="C00000"/>
-                        </a:solidFill>
-                        <a:latin typeface="Cambria Math" panose="02040503050406030204" pitchFamily="18" charset="0"/>
-                      </a:rPr>
-                      <m:t>4</m:t>
-                    </m:r>
-                  </m:oMath>
-                </a14:m>
-                <a:r>
-                  <a:rPr lang="en-US" dirty="0"/>
-                  <a:t>,</a:t>
-                </a:r>
-                <a:r>
-                  <a:rPr lang="en-US" dirty="0">
-                    <a:solidFill>
-                      <a:srgbClr val="C00000"/>
-                    </a:solidFill>
-                  </a:rPr>
-                  <a:t> </a:t>
-                </a:r>
-                <a14:m>
-                  <m:oMath xmlns:m="http://schemas.openxmlformats.org/officeDocument/2006/math">
-                    <m:r>
-                      <a:rPr lang="en-US" b="0" i="1" smtClean="0">
-                        <a:solidFill>
-                          <a:srgbClr val="C00000"/>
-                        </a:solidFill>
-                        <a:latin typeface="Cambria Math" panose="02040503050406030204" pitchFamily="18" charset="0"/>
-                      </a:rPr>
-                      <m:t>1</m:t>
-                    </m:r>
-                  </m:oMath>
-                </a14:m>
-                <a:r>
-                  <a:rPr lang="en-US" dirty="0"/>
-                  <a:t>, </a:t>
-                </a:r>
-                <a14:m>
-                  <m:oMath xmlns:m="http://schemas.openxmlformats.org/officeDocument/2006/math">
-                    <m:r>
-                      <a:rPr lang="en-US" b="0" i="1" dirty="0" smtClean="0">
-                        <a:solidFill>
-                          <a:srgbClr val="C00000"/>
-                        </a:solidFill>
-                        <a:latin typeface="Cambria Math" panose="02040503050406030204" pitchFamily="18" charset="0"/>
-                      </a:rPr>
-                      <m:t>3</m:t>
-                    </m:r>
-                  </m:oMath>
-                </a14:m>
-                <a:r>
-                  <a:rPr lang="en-US" dirty="0"/>
-                  <a:t>, </a:t>
-                </a:r>
-                <a14:m>
-                  <m:oMath xmlns:m="http://schemas.openxmlformats.org/officeDocument/2006/math">
-                    <m:r>
-                      <a:rPr lang="en-US" b="0" i="1" dirty="0" smtClean="0">
-                        <a:solidFill>
-                          <a:srgbClr val="C00000"/>
-                        </a:solidFill>
-                        <a:latin typeface="Cambria Math" panose="02040503050406030204" pitchFamily="18" charset="0"/>
-                      </a:rPr>
-                      <m:t>1</m:t>
-                    </m:r>
-                  </m:oMath>
-                </a14:m>
-                <a:r>
-                  <a:rPr lang="en-US" dirty="0"/>
-                  <a:t>, </a:t>
-                </a:r>
-                <a14:m>
-                  <m:oMath xmlns:m="http://schemas.openxmlformats.org/officeDocument/2006/math">
-                    <m:r>
-                      <a:rPr lang="en-US" b="0" i="1" dirty="0" smtClean="0">
-                        <a:solidFill>
-                          <a:srgbClr val="0070C0"/>
-                        </a:solidFill>
-                        <a:latin typeface="Cambria Math" panose="02040503050406030204" pitchFamily="18" charset="0"/>
-                      </a:rPr>
-                      <m:t>6</m:t>
-                    </m:r>
-                  </m:oMath>
-                </a14:m>
-                <a:r>
-                  <a:rPr lang="en-US" dirty="0">
-                    <a:solidFill>
-                      <a:srgbClr val="C00000"/>
-                    </a:solidFill>
-                  </a:rPr>
-                  <a:t> </a:t>
-                </a:r>
-                <a:r>
-                  <a:rPr lang="en-US" dirty="0"/>
-                  <a:t>for</a:t>
-                </a:r>
-                <a:r>
-                  <a:rPr lang="en-US" dirty="0">
-                    <a:solidFill>
-                      <a:srgbClr val="C00000"/>
-                    </a:solidFill>
-                  </a:rPr>
-                  <a:t> </a:t>
-                </a:r>
-                <a14:m>
-                  <m:oMath xmlns:m="http://schemas.openxmlformats.org/officeDocument/2006/math">
-                    <m:r>
-                      <a:rPr lang="en-US" i="1" dirty="0">
-                        <a:solidFill>
-                          <a:srgbClr val="C00000"/>
-                        </a:solidFill>
-                        <a:latin typeface="Cambria Math" panose="02040503050406030204" pitchFamily="18" charset="0"/>
-                      </a:rPr>
-                      <m:t>𝑛</m:t>
-                    </m:r>
-                    <m:r>
-                      <a:rPr lang="en-US" b="0" i="0" dirty="0" smtClean="0">
-                        <a:solidFill>
-                          <a:srgbClr val="C00000"/>
-                        </a:solidFill>
-                        <a:latin typeface="Cambria Math" panose="02040503050406030204" pitchFamily="18" charset="0"/>
-                      </a:rPr>
-                      <m:t>=6</m:t>
-                    </m:r>
-                  </m:oMath>
-                </a14:m>
-                <a:endParaRPr lang="en-US" dirty="0">
-                  <a:solidFill>
-                    <a:srgbClr val="C00000"/>
-                  </a:solidFill>
-                </a:endParaRPr>
-              </a:p>
-              <a:p>
-                <a:pPr>
-                  <a:buClr>
-                    <a:schemeClr val="tx1"/>
-                  </a:buClr>
-                </a:pPr>
-                <a:endParaRPr lang="en-US" dirty="0"/>
-              </a:p>
-              <a:p>
-                <a:pPr>
-                  <a:buClr>
-                    <a:schemeClr val="tx1"/>
-                  </a:buClr>
-                </a:pPr>
-                <a14:m>
-                  <m:oMath xmlns:m="http://schemas.openxmlformats.org/officeDocument/2006/math">
-                    <m:r>
-                      <m:rPr>
-                        <m:sty m:val="p"/>
-                      </m:rPr>
-                      <a:rPr lang="en-US" dirty="0">
-                        <a:solidFill>
-                          <a:srgbClr val="C00000"/>
-                        </a:solidFill>
-                        <a:latin typeface="Cambria Math" panose="02040503050406030204" pitchFamily="18" charset="0"/>
-                      </a:rPr>
-                      <m:t>Θ</m:t>
-                    </m:r>
-                    <m:d>
-                      <m:dPr>
-                        <m:ctrlPr>
-                          <a:rPr lang="en-US" b="0" i="1" dirty="0" smtClean="0">
-                            <a:solidFill>
-                              <a:srgbClr val="C00000"/>
-                            </a:solidFill>
-                            <a:latin typeface="Cambria Math" panose="02040503050406030204" pitchFamily="18" charset="0"/>
-                          </a:rPr>
-                        </m:ctrlPr>
-                      </m:dPr>
-                      <m:e>
-                        <m:r>
-                          <a:rPr lang="en-US" b="0" i="1" dirty="0" smtClean="0">
-                            <a:solidFill>
-                              <a:srgbClr val="C00000"/>
-                            </a:solidFill>
-                            <a:latin typeface="Cambria Math" panose="02040503050406030204" pitchFamily="18" charset="0"/>
-                          </a:rPr>
-                          <m:t>𝑛</m:t>
-                        </m:r>
-                      </m:e>
-                    </m:d>
-                  </m:oMath>
-                </a14:m>
-                <a:endParaRPr lang="en-US" b="0" dirty="0">
-                  <a:solidFill>
-                    <a:srgbClr val="C00000"/>
-                  </a:solidFill>
-                </a:endParaRPr>
-              </a:p>
-              <a:p>
-                <a:pPr>
-                  <a:buClr>
-                    <a:schemeClr val="tx1"/>
-                  </a:buClr>
-                </a:pPr>
-                <a14:m>
-                  <m:oMath xmlns:m="http://schemas.openxmlformats.org/officeDocument/2006/math">
-                    <m:r>
-                      <m:rPr>
-                        <m:sty m:val="p"/>
-                      </m:rPr>
-                      <a:rPr lang="en-US" dirty="0">
-                        <a:solidFill>
-                          <a:srgbClr val="C00000"/>
-                        </a:solidFill>
-                        <a:latin typeface="Cambria Math" panose="02040503050406030204" pitchFamily="18" charset="0"/>
-                      </a:rPr>
-                      <m:t>Θ</m:t>
-                    </m:r>
-                    <m:d>
-                      <m:dPr>
-                        <m:ctrlPr>
-                          <a:rPr lang="en-US" b="0" i="1" dirty="0" smtClean="0">
-                            <a:solidFill>
-                              <a:srgbClr val="C00000"/>
-                            </a:solidFill>
-                            <a:latin typeface="Cambria Math" panose="02040503050406030204" pitchFamily="18" charset="0"/>
-                          </a:rPr>
-                        </m:ctrlPr>
-                      </m:dPr>
-                      <m:e>
-                        <m:r>
-                          <a:rPr lang="en-US" b="0" i="1" dirty="0" smtClean="0">
-                            <a:solidFill>
-                              <a:srgbClr val="C00000"/>
-                            </a:solidFill>
-                            <a:latin typeface="Cambria Math" panose="02040503050406030204" pitchFamily="18" charset="0"/>
-                          </a:rPr>
-                          <m:t>𝑛</m:t>
-                        </m:r>
-                        <m:func>
-                          <m:funcPr>
-                            <m:ctrlPr>
-                              <a:rPr lang="en-US" b="0" i="1" dirty="0" smtClean="0">
-                                <a:solidFill>
-                                  <a:srgbClr val="C00000"/>
-                                </a:solidFill>
-                                <a:latin typeface="Cambria Math" panose="02040503050406030204" pitchFamily="18" charset="0"/>
-                              </a:rPr>
-                            </m:ctrlPr>
-                          </m:funcPr>
-                          <m:fName>
-                            <m:r>
-                              <m:rPr>
-                                <m:sty m:val="p"/>
-                              </m:rPr>
-                              <a:rPr lang="en-US" b="0" i="0" dirty="0" smtClean="0">
-                                <a:solidFill>
-                                  <a:srgbClr val="C00000"/>
-                                </a:solidFill>
-                                <a:latin typeface="Cambria Math" panose="02040503050406030204" pitchFamily="18" charset="0"/>
-                              </a:rPr>
-                              <m:t>log</m:t>
-                            </m:r>
-                          </m:fName>
-                          <m:e>
-                            <m:r>
-                              <a:rPr lang="en-US" b="0" i="1" dirty="0" smtClean="0">
-                                <a:solidFill>
-                                  <a:srgbClr val="C00000"/>
-                                </a:solidFill>
-                                <a:latin typeface="Cambria Math" panose="02040503050406030204" pitchFamily="18" charset="0"/>
-                              </a:rPr>
-                              <m:t>𝑛</m:t>
-                            </m:r>
-                          </m:e>
-                        </m:func>
-                      </m:e>
-                    </m:d>
-                  </m:oMath>
-                </a14:m>
-                <a:endParaRPr lang="en-US" b="0" dirty="0">
-                  <a:solidFill>
-                    <a:srgbClr val="C00000"/>
-                  </a:solidFill>
-                </a:endParaRPr>
-              </a:p>
-              <a:p>
-                <a:pPr>
-                  <a:buClr>
-                    <a:schemeClr val="tx1"/>
-                  </a:buClr>
-                </a:pPr>
-                <a14:m>
-                  <m:oMath xmlns:m="http://schemas.openxmlformats.org/officeDocument/2006/math">
-                    <m:r>
-                      <m:rPr>
-                        <m:sty m:val="p"/>
-                      </m:rPr>
-                      <a:rPr lang="en-US" dirty="0">
-                        <a:solidFill>
-                          <a:srgbClr val="C00000"/>
-                        </a:solidFill>
-                        <a:latin typeface="Cambria Math" panose="02040503050406030204" pitchFamily="18" charset="0"/>
-                      </a:rPr>
-                      <m:t>Θ</m:t>
-                    </m:r>
-                    <m:d>
-                      <m:dPr>
-                        <m:ctrlPr>
-                          <a:rPr lang="en-US" b="0" i="1" dirty="0" smtClean="0">
-                            <a:solidFill>
-                              <a:srgbClr val="C00000"/>
-                            </a:solidFill>
-                            <a:latin typeface="Cambria Math" panose="02040503050406030204" pitchFamily="18" charset="0"/>
-                          </a:rPr>
-                        </m:ctrlPr>
-                      </m:dPr>
-                      <m:e>
-                        <m:r>
-                          <a:rPr lang="en-US" b="0" i="1" dirty="0" smtClean="0">
-                            <a:solidFill>
-                              <a:srgbClr val="C00000"/>
-                            </a:solidFill>
-                            <a:latin typeface="Cambria Math" panose="02040503050406030204" pitchFamily="18" charset="0"/>
-                          </a:rPr>
-                          <m:t>𝑛</m:t>
-                        </m:r>
-                        <m:rad>
-                          <m:radPr>
-                            <m:degHide m:val="on"/>
-                            <m:ctrlPr>
-                              <a:rPr lang="en-US" b="0" i="1" dirty="0" smtClean="0">
-                                <a:solidFill>
-                                  <a:srgbClr val="C00000"/>
-                                </a:solidFill>
-                                <a:latin typeface="Cambria Math" panose="02040503050406030204" pitchFamily="18" charset="0"/>
-                              </a:rPr>
-                            </m:ctrlPr>
-                          </m:radPr>
-                          <m:deg/>
-                          <m:e>
-                            <m:r>
-                              <a:rPr lang="en-US" b="0" i="1" dirty="0" smtClean="0">
-                                <a:solidFill>
-                                  <a:srgbClr val="C00000"/>
-                                </a:solidFill>
-                                <a:latin typeface="Cambria Math" panose="02040503050406030204" pitchFamily="18" charset="0"/>
-                              </a:rPr>
-                              <m:t>𝑛</m:t>
-                            </m:r>
-                          </m:e>
-                        </m:rad>
-                      </m:e>
-                    </m:d>
-                  </m:oMath>
-                </a14:m>
-                <a:endParaRPr lang="en-US" b="0" dirty="0">
-                  <a:solidFill>
-                    <a:srgbClr val="C00000"/>
-                  </a:solidFill>
-                </a:endParaRPr>
-              </a:p>
-              <a:p>
-                <a:pPr>
-                  <a:buClr>
-                    <a:schemeClr val="tx1"/>
-                  </a:buClr>
-                </a:pPr>
-                <a14:m>
-                  <m:oMath xmlns:m="http://schemas.openxmlformats.org/officeDocument/2006/math">
-                    <m:r>
-                      <m:rPr>
-                        <m:sty m:val="p"/>
-                      </m:rPr>
-                      <a:rPr lang="en-US" dirty="0">
-                        <a:solidFill>
-                          <a:srgbClr val="C00000"/>
-                        </a:solidFill>
-                        <a:latin typeface="Cambria Math" panose="02040503050406030204" pitchFamily="18" charset="0"/>
-                      </a:rPr>
-                      <m:t>Θ</m:t>
-                    </m:r>
-                    <m:d>
-                      <m:dPr>
-                        <m:ctrlPr>
-                          <a:rPr lang="en-US" b="0" i="1" dirty="0" smtClean="0">
-                            <a:solidFill>
-                              <a:srgbClr val="C00000"/>
-                            </a:solidFill>
-                            <a:latin typeface="Cambria Math" panose="02040503050406030204" pitchFamily="18" charset="0"/>
-                          </a:rPr>
-                        </m:ctrlPr>
-                      </m:dPr>
-                      <m:e>
-                        <m:sSup>
-                          <m:sSupPr>
-                            <m:ctrlPr>
-                              <a:rPr lang="en-US" b="0" i="1" dirty="0" smtClean="0">
-                                <a:solidFill>
-                                  <a:srgbClr val="C00000"/>
-                                </a:solidFill>
-                                <a:latin typeface="Cambria Math" panose="02040503050406030204" pitchFamily="18" charset="0"/>
-                              </a:rPr>
-                            </m:ctrlPr>
-                          </m:sSupPr>
-                          <m:e>
-                            <m:r>
-                              <a:rPr lang="en-US" b="0" i="1" dirty="0" smtClean="0">
-                                <a:solidFill>
-                                  <a:srgbClr val="C00000"/>
-                                </a:solidFill>
-                                <a:latin typeface="Cambria Math" panose="02040503050406030204" pitchFamily="18" charset="0"/>
-                              </a:rPr>
-                              <m:t>𝑛</m:t>
-                            </m:r>
-                          </m:e>
-                          <m:sup>
-                            <m:r>
-                              <a:rPr lang="en-US" b="0" i="1" dirty="0" smtClean="0">
-                                <a:solidFill>
-                                  <a:srgbClr val="C00000"/>
-                                </a:solidFill>
-                                <a:latin typeface="Cambria Math" panose="02040503050406030204" pitchFamily="18" charset="0"/>
-                              </a:rPr>
-                              <m:t>2</m:t>
-                            </m:r>
-                          </m:sup>
-                        </m:sSup>
-                      </m:e>
-                    </m:d>
-                  </m:oMath>
-                </a14:m>
-                <a:endParaRPr lang="en-US" dirty="0"/>
-              </a:p>
-            </p:txBody>
-          </p:sp>
-        </mc:Choice>
-        <mc:Fallback xmlns="">
-          <p:sp>
-            <p:nvSpPr>
-              <p:cNvPr id="3" name="Content Placeholder 2">
-                <a:extLst>
-                  <a:ext uri="{FF2B5EF4-FFF2-40B4-BE49-F238E27FC236}">
-                    <a16:creationId xmlns:a16="http://schemas.microsoft.com/office/drawing/2014/main" id="{76F2126B-4AA6-302B-7E5A-170FFAAB8BD1}"/>
-                  </a:ext>
-                </a:extLst>
-              </p:cNvPr>
-              <p:cNvSpPr>
-                <a:spLocks noGrp="1" noRot="1" noChangeAspect="1" noMove="1" noResize="1" noEditPoints="1" noAdjustHandles="1" noChangeArrowheads="1" noChangeShapeType="1" noTextEdit="1"/>
-              </p:cNvSpPr>
-              <p:nvPr>
-                <p:ph idx="1"/>
-              </p:nvPr>
-            </p:nvSpPr>
-            <p:spPr>
-              <a:blipFill>
-                <a:blip r:embed="rId2"/>
-                <a:stretch>
-                  <a:fillRect l="-1043" t="-2241"/>
-                </a:stretch>
-              </a:blipFill>
-            </p:spPr>
-            <p:txBody>
-              <a:bodyPr/>
-              <a:lstStyle/>
-              <a:p>
-                <a:r>
-                  <a:rPr lang="en-US">
-                    <a:noFill/>
-                  </a:rPr>
-                  <a:t> </a:t>
-                </a:r>
-              </a:p>
-            </p:txBody>
-          </p:sp>
-        </mc:Fallback>
-      </mc:AlternateContent>
-    </p:spTree>
-    <p:extLst>
-      <p:ext uri="{BB962C8B-B14F-4D97-AF65-F5344CB8AC3E}">
-        <p14:creationId xmlns:p14="http://schemas.microsoft.com/office/powerpoint/2010/main" val="3034161375"/>
-      </p:ext>
-    </p:extLst>
-  </p:cSld>
-  <p:clrMapOvr>
-    <a:masterClrMapping/>
-  </p:clrMapOvr>
-</p:sld>
-</file>
-
-<file path=ppt/slides/slide30.xml><?xml version="1.0" encoding="utf-8"?>
+<file path=ppt/slides/slide33.xml><?xml version="1.0" encoding="utf-8"?>
 <p:sld xmlns:a="http://schemas.openxmlformats.org/drawingml/2006/main" xmlns:r="http://schemas.openxmlformats.org/officeDocument/2006/relationships" xmlns:p="http://schemas.openxmlformats.org/presentationml/2006/main">
   <p:cSld>
     <p:spTree>
@@ -18763,8 +19109,8 @@
           </a:p>
         </p:txBody>
       </p:sp>
-      <mc:AlternateContent xmlns:mc="http://schemas.openxmlformats.org/markup-compatibility/2006">
-        <mc:Choice xmlns:a14="http://schemas.microsoft.com/office/drawing/2010/main" Requires="a14">
+      <mc:AlternateContent xmlns:mc="http://schemas.openxmlformats.org/markup-compatibility/2006" xmlns:a14="http://schemas.microsoft.com/office/drawing/2010/main">
+        <mc:Choice Requires="a14">
           <p:sp>
             <p:nvSpPr>
               <p:cNvPr id="3" name="Content Placeholder 2">
@@ -18887,7 +19233,7 @@
             </p:txBody>
           </p:sp>
         </mc:Choice>
-        <mc:Fallback>
+        <mc:Fallback xmlns="">
           <p:sp>
             <p:nvSpPr>
               <p:cNvPr id="3" name="Content Placeholder 2">
@@ -18944,7 +19290,7 @@
 </p:sld>
 </file>
 
-<file path=ppt/slides/slide31.xml><?xml version="1.0" encoding="utf-8"?>
+<file path=ppt/slides/slide34.xml><?xml version="1.0" encoding="utf-8"?>
 <p:sld xmlns:a="http://schemas.openxmlformats.org/drawingml/2006/main" xmlns:r="http://schemas.openxmlformats.org/officeDocument/2006/relationships" xmlns:p="http://schemas.openxmlformats.org/presentationml/2006/main">
   <p:cSld>
     <p:spTree>
@@ -18994,8 +19340,8 @@
           </a:p>
         </p:txBody>
       </p:sp>
-      <mc:AlternateContent xmlns:mc="http://schemas.openxmlformats.org/markup-compatibility/2006">
-        <mc:Choice xmlns:a14="http://schemas.microsoft.com/office/drawing/2010/main" Requires="a14">
+      <mc:AlternateContent xmlns:mc="http://schemas.openxmlformats.org/markup-compatibility/2006" xmlns:a14="http://schemas.microsoft.com/office/drawing/2010/main">
+        <mc:Choice Requires="a14">
           <p:sp>
             <p:nvSpPr>
               <p:cNvPr id="3" name="Content Placeholder 2">
@@ -19381,7 +19727,7 @@
             </p:txBody>
           </p:sp>
         </mc:Choice>
-        <mc:Fallback>
+        <mc:Fallback xmlns="">
           <p:sp>
             <p:nvSpPr>
               <p:cNvPr id="3" name="Content Placeholder 2">
@@ -19425,8 +19771,8 @@
           </p:sp>
         </mc:Fallback>
       </mc:AlternateContent>
-      <mc:AlternateContent xmlns:mc="http://schemas.openxmlformats.org/markup-compatibility/2006">
-        <mc:Choice xmlns:a14="http://schemas.microsoft.com/office/drawing/2010/main" Requires="a14">
+      <mc:AlternateContent xmlns:mc="http://schemas.openxmlformats.org/markup-compatibility/2006" xmlns:a14="http://schemas.microsoft.com/office/drawing/2010/main">
+        <mc:Choice Requires="a14">
           <p:sp>
             <p:nvSpPr>
               <p:cNvPr id="5" name="TextBox 4">
@@ -19756,7 +20102,7 @@
             </p:txBody>
           </p:sp>
         </mc:Choice>
-        <mc:Fallback>
+        <mc:Fallback xmlns="">
           <p:sp>
             <p:nvSpPr>
               <p:cNvPr id="5" name="TextBox 4">
@@ -19814,7 +20160,7 @@
 </p:sld>
 </file>
 
-<file path=ppt/slides/slide32.xml><?xml version="1.0" encoding="utf-8"?>
+<file path=ppt/slides/slide35.xml><?xml version="1.0" encoding="utf-8"?>
 <p:sld xmlns:a="http://schemas.openxmlformats.org/drawingml/2006/main" xmlns:r="http://schemas.openxmlformats.org/officeDocument/2006/relationships" xmlns:p="http://schemas.openxmlformats.org/presentationml/2006/main">
   <p:cSld>
     <p:spTree>
@@ -19864,8 +20210,8 @@
           </a:p>
         </p:txBody>
       </p:sp>
-      <mc:AlternateContent xmlns:mc="http://schemas.openxmlformats.org/markup-compatibility/2006">
-        <mc:Choice xmlns:a14="http://schemas.microsoft.com/office/drawing/2010/main" Requires="a14">
+      <mc:AlternateContent xmlns:mc="http://schemas.openxmlformats.org/markup-compatibility/2006" xmlns:a14="http://schemas.microsoft.com/office/drawing/2010/main">
+        <mc:Choice Requires="a14">
           <p:sp>
             <p:nvSpPr>
               <p:cNvPr id="3" name="Content Placeholder 2">
@@ -20372,7 +20718,7 @@
             </p:txBody>
           </p:sp>
         </mc:Choice>
-        <mc:Fallback>
+        <mc:Fallback xmlns="">
           <p:sp>
             <p:nvSpPr>
               <p:cNvPr id="3" name="Content Placeholder 2">
@@ -20416,8 +20762,8 @@
           </p:sp>
         </mc:Fallback>
       </mc:AlternateContent>
-      <mc:AlternateContent xmlns:mc="http://schemas.openxmlformats.org/markup-compatibility/2006">
-        <mc:Choice xmlns:a14="http://schemas.microsoft.com/office/drawing/2010/main" Requires="a14">
+      <mc:AlternateContent xmlns:mc="http://schemas.openxmlformats.org/markup-compatibility/2006" xmlns:a14="http://schemas.microsoft.com/office/drawing/2010/main">
+        <mc:Choice Requires="a14">
           <p:sp>
             <p:nvSpPr>
               <p:cNvPr id="4" name="TextBox 3">
@@ -20671,7 +21017,7 @@
             </p:txBody>
           </p:sp>
         </mc:Choice>
-        <mc:Fallback>
+        <mc:Fallback xmlns="">
           <p:sp>
             <p:nvSpPr>
               <p:cNvPr id="4" name="TextBox 3">
@@ -20716,8 +21062,8 @@
           </p:sp>
         </mc:Fallback>
       </mc:AlternateContent>
-      <mc:AlternateContent xmlns:mc="http://schemas.openxmlformats.org/markup-compatibility/2006">
-        <mc:Choice xmlns:a14="http://schemas.microsoft.com/office/drawing/2010/main" Requires="a14">
+      <mc:AlternateContent xmlns:mc="http://schemas.openxmlformats.org/markup-compatibility/2006" xmlns:a14="http://schemas.microsoft.com/office/drawing/2010/main">
+        <mc:Choice Requires="a14">
           <p:sp>
             <p:nvSpPr>
               <p:cNvPr id="6" name="TextBox 5">
@@ -21047,7 +21393,7 @@
             </p:txBody>
           </p:sp>
         </mc:Choice>
-        <mc:Fallback>
+        <mc:Fallback xmlns="">
           <p:sp>
             <p:nvSpPr>
               <p:cNvPr id="6" name="TextBox 5">
@@ -21105,7 +21451,7 @@
 </p:sld>
 </file>
 
-<file path=ppt/slides/slide33.xml><?xml version="1.0" encoding="utf-8"?>
+<file path=ppt/slides/slide36.xml><?xml version="1.0" encoding="utf-8"?>
 <p:sld xmlns:a="http://schemas.openxmlformats.org/drawingml/2006/main" xmlns:r="http://schemas.openxmlformats.org/officeDocument/2006/relationships" xmlns:p="http://schemas.openxmlformats.org/presentationml/2006/main">
   <p:cSld>
     <p:spTree>
@@ -21155,8 +21501,8 @@
           </a:p>
         </p:txBody>
       </p:sp>
-      <mc:AlternateContent xmlns:mc="http://schemas.openxmlformats.org/markup-compatibility/2006">
-        <mc:Choice xmlns:a14="http://schemas.microsoft.com/office/drawing/2010/main" Requires="a14">
+      <mc:AlternateContent xmlns:mc="http://schemas.openxmlformats.org/markup-compatibility/2006" xmlns:a14="http://schemas.microsoft.com/office/drawing/2010/main">
+        <mc:Choice Requires="a14">
           <p:sp>
             <p:nvSpPr>
               <p:cNvPr id="3" name="Content Placeholder 2">
@@ -21346,7 +21692,7 @@
             </p:txBody>
           </p:sp>
         </mc:Choice>
-        <mc:Fallback>
+        <mc:Fallback xmlns="">
           <p:sp>
             <p:nvSpPr>
               <p:cNvPr id="3" name="Content Placeholder 2">
@@ -21390,8 +21736,8 @@
           </p:sp>
         </mc:Fallback>
       </mc:AlternateContent>
-      <mc:AlternateContent xmlns:mc="http://schemas.openxmlformats.org/markup-compatibility/2006">
-        <mc:Choice xmlns:a14="http://schemas.microsoft.com/office/drawing/2010/main" Requires="a14">
+      <mc:AlternateContent xmlns:mc="http://schemas.openxmlformats.org/markup-compatibility/2006" xmlns:a14="http://schemas.microsoft.com/office/drawing/2010/main">
+        <mc:Choice Requires="a14">
           <p:sp>
             <p:nvSpPr>
               <p:cNvPr id="6" name="TextBox 5">
@@ -21645,7 +21991,7 @@
             </p:txBody>
           </p:sp>
         </mc:Choice>
-        <mc:Fallback>
+        <mc:Fallback xmlns="">
           <p:sp>
             <p:nvSpPr>
               <p:cNvPr id="6" name="TextBox 5">
@@ -21690,8 +22036,8 @@
           </p:sp>
         </mc:Fallback>
       </mc:AlternateContent>
-      <mc:AlternateContent xmlns:mc="http://schemas.openxmlformats.org/markup-compatibility/2006">
-        <mc:Choice xmlns:a14="http://schemas.microsoft.com/office/drawing/2010/main" Requires="a14">
+      <mc:AlternateContent xmlns:mc="http://schemas.openxmlformats.org/markup-compatibility/2006" xmlns:a14="http://schemas.microsoft.com/office/drawing/2010/main">
+        <mc:Choice Requires="a14">
           <p:sp>
             <p:nvSpPr>
               <p:cNvPr id="7" name="TextBox 6">
@@ -21901,7 +22247,7 @@
             </p:txBody>
           </p:sp>
         </mc:Choice>
-        <mc:Fallback>
+        <mc:Fallback xmlns="">
           <p:sp>
             <p:nvSpPr>
               <p:cNvPr id="7" name="TextBox 6">
@@ -21959,7 +22305,7 @@
 </p:sld>
 </file>
 
-<file path=ppt/slides/slide34.xml><?xml version="1.0" encoding="utf-8"?>
+<file path=ppt/slides/slide37.xml><?xml version="1.0" encoding="utf-8"?>
 <p:sld xmlns:a="http://schemas.openxmlformats.org/drawingml/2006/main" xmlns:r="http://schemas.openxmlformats.org/officeDocument/2006/relationships" xmlns:p="http://schemas.openxmlformats.org/presentationml/2006/main">
   <p:cSld>
     <p:spTree>
@@ -22009,8 +22355,8 @@
           </a:p>
         </p:txBody>
       </p:sp>
-      <mc:AlternateContent xmlns:mc="http://schemas.openxmlformats.org/markup-compatibility/2006">
-        <mc:Choice xmlns:a14="http://schemas.microsoft.com/office/drawing/2010/main" Requires="a14">
+      <mc:AlternateContent xmlns:mc="http://schemas.openxmlformats.org/markup-compatibility/2006" xmlns:a14="http://schemas.microsoft.com/office/drawing/2010/main">
+        <mc:Choice Requires="a14">
           <p:sp>
             <p:nvSpPr>
               <p:cNvPr id="3" name="Content Placeholder 2">
@@ -22432,16 +22778,7 @@
                         </a:solidFill>
                         <a:latin typeface="Cambria Math" panose="02040503050406030204" pitchFamily="18" charset="0"/>
                       </a:rPr>
-                      <m:t>≤0.1</m:t>
-                    </m:r>
-                    <m:r>
-                      <a:rPr lang="en-US" b="0" i="1" dirty="0" smtClean="0">
-                        <a:solidFill>
-                          <a:srgbClr val="C00000"/>
-                        </a:solidFill>
-                        <a:latin typeface="Cambria Math" panose="02040503050406030204" pitchFamily="18" charset="0"/>
-                      </a:rPr>
-                      <m:t>5</m:t>
+                      <m:t>≤0.15</m:t>
                     </m:r>
                   </m:oMath>
                 </a14:m>
@@ -22521,7 +22858,7 @@
             </p:txBody>
           </p:sp>
         </mc:Choice>
-        <mc:Fallback>
+        <mc:Fallback xmlns="">
           <p:sp>
             <p:nvSpPr>
               <p:cNvPr id="3" name="Content Placeholder 2">
@@ -22578,7 +22915,7 @@
 </p:sld>
 </file>
 
-<file path=ppt/slides/slide35.xml><?xml version="1.0" encoding="utf-8"?>
+<file path=ppt/slides/slide38.xml><?xml version="1.0" encoding="utf-8"?>
 <p:sld xmlns:a="http://schemas.openxmlformats.org/drawingml/2006/main" xmlns:r="http://schemas.openxmlformats.org/officeDocument/2006/relationships" xmlns:p="http://schemas.openxmlformats.org/presentationml/2006/main">
   <p:cSld>
     <p:spTree>
@@ -22628,8 +22965,8 @@
           </a:p>
         </p:txBody>
       </p:sp>
-      <mc:AlternateContent xmlns:mc="http://schemas.openxmlformats.org/markup-compatibility/2006">
-        <mc:Choice xmlns:a14="http://schemas.microsoft.com/office/drawing/2010/main" Requires="a14">
+      <mc:AlternateContent xmlns:mc="http://schemas.openxmlformats.org/markup-compatibility/2006" xmlns:a14="http://schemas.microsoft.com/office/drawing/2010/main">
+        <mc:Choice Requires="a14">
           <p:sp>
             <p:nvSpPr>
               <p:cNvPr id="3" name="Content Placeholder 2">
@@ -22992,7 +23329,7 @@
             </p:txBody>
           </p:sp>
         </mc:Choice>
-        <mc:Fallback>
+        <mc:Fallback xmlns="">
           <p:sp>
             <p:nvSpPr>
               <p:cNvPr id="3" name="Content Placeholder 2">
@@ -23036,8 +23373,8 @@
           </p:sp>
         </mc:Fallback>
       </mc:AlternateContent>
-      <mc:AlternateContent xmlns:mc="http://schemas.openxmlformats.org/markup-compatibility/2006">
-        <mc:Choice xmlns:a14="http://schemas.microsoft.com/office/drawing/2010/main" Requires="a14">
+      <mc:AlternateContent xmlns:mc="http://schemas.openxmlformats.org/markup-compatibility/2006" xmlns:a14="http://schemas.microsoft.com/office/drawing/2010/main">
+        <mc:Choice Requires="a14">
           <p:sp>
             <p:nvSpPr>
               <p:cNvPr id="6" name="TextBox 5">
@@ -23316,7 +23653,7 @@
             </p:txBody>
           </p:sp>
         </mc:Choice>
-        <mc:Fallback>
+        <mc:Fallback xmlns="">
           <p:sp>
             <p:nvSpPr>
               <p:cNvPr id="6" name="TextBox 5">
@@ -23374,7 +23711,7 @@
 </p:sld>
 </file>
 
-<file path=ppt/slides/slide36.xml><?xml version="1.0" encoding="utf-8"?>
+<file path=ppt/slides/slide39.xml><?xml version="1.0" encoding="utf-8"?>
 <p:sld xmlns:a="http://schemas.openxmlformats.org/drawingml/2006/main" xmlns:r="http://schemas.openxmlformats.org/officeDocument/2006/relationships" xmlns:p="http://schemas.openxmlformats.org/presentationml/2006/main">
   <p:cSld>
     <p:spTree>
@@ -23424,8 +23761,8 @@
           </a:p>
         </p:txBody>
       </p:sp>
-      <mc:AlternateContent xmlns:mc="http://schemas.openxmlformats.org/markup-compatibility/2006">
-        <mc:Choice xmlns:a14="http://schemas.microsoft.com/office/drawing/2010/main" Requires="a14">
+      <mc:AlternateContent xmlns:mc="http://schemas.openxmlformats.org/markup-compatibility/2006" xmlns:a14="http://schemas.microsoft.com/office/drawing/2010/main">
+        <mc:Choice Requires="a14">
           <p:sp>
             <p:nvSpPr>
               <p:cNvPr id="3" name="Content Placeholder 2">
@@ -23805,7 +24142,7 @@
             </p:txBody>
           </p:sp>
         </mc:Choice>
-        <mc:Fallback>
+        <mc:Fallback xmlns="">
           <p:sp>
             <p:nvSpPr>
               <p:cNvPr id="3" name="Content Placeholder 2">
@@ -23849,8 +24186,8 @@
           </p:sp>
         </mc:Fallback>
       </mc:AlternateContent>
-      <mc:AlternateContent xmlns:mc="http://schemas.openxmlformats.org/markup-compatibility/2006">
-        <mc:Choice xmlns:a14="http://schemas.microsoft.com/office/drawing/2010/main" Requires="a14">
+      <mc:AlternateContent xmlns:mc="http://schemas.openxmlformats.org/markup-compatibility/2006" xmlns:a14="http://schemas.microsoft.com/office/drawing/2010/main">
+        <mc:Choice Requires="a14">
           <p:sp>
             <p:nvSpPr>
               <p:cNvPr id="4" name="TextBox 3">
@@ -24117,7 +24454,7 @@
             </p:txBody>
           </p:sp>
         </mc:Choice>
-        <mc:Fallback>
+        <mc:Fallback xmlns="">
           <p:sp>
             <p:nvSpPr>
               <p:cNvPr id="4" name="TextBox 3">
@@ -24162,8 +24499,8 @@
           </p:sp>
         </mc:Fallback>
       </mc:AlternateContent>
-      <mc:AlternateContent xmlns:mc="http://schemas.openxmlformats.org/markup-compatibility/2006">
-        <mc:Choice xmlns:a14="http://schemas.microsoft.com/office/drawing/2010/main" Requires="a14">
+      <mc:AlternateContent xmlns:mc="http://schemas.openxmlformats.org/markup-compatibility/2006" xmlns:a14="http://schemas.microsoft.com/office/drawing/2010/main">
+        <mc:Choice Requires="a14">
           <p:sp>
             <p:nvSpPr>
               <p:cNvPr id="5" name="TextBox 4">
@@ -24428,7 +24765,7 @@
             </p:txBody>
           </p:sp>
         </mc:Choice>
-        <mc:Fallback>
+        <mc:Fallback xmlns="">
           <p:sp>
             <p:nvSpPr>
               <p:cNvPr id="5" name="TextBox 4">
@@ -24473,8 +24810,8 @@
           </p:sp>
         </mc:Fallback>
       </mc:AlternateContent>
-      <mc:AlternateContent xmlns:mc="http://schemas.openxmlformats.org/markup-compatibility/2006">
-        <mc:Choice xmlns:a14="http://schemas.microsoft.com/office/drawing/2010/main" Requires="a14">
+      <mc:AlternateContent xmlns:mc="http://schemas.openxmlformats.org/markup-compatibility/2006" xmlns:a14="http://schemas.microsoft.com/office/drawing/2010/main">
+        <mc:Choice Requires="a14">
           <p:sp>
             <p:nvSpPr>
               <p:cNvPr id="7" name="TextBox 6">
@@ -24751,7 +25088,7 @@
             </p:txBody>
           </p:sp>
         </mc:Choice>
-        <mc:Fallback>
+        <mc:Fallback xmlns="">
           <p:sp>
             <p:nvSpPr>
               <p:cNvPr id="7" name="TextBox 6">
@@ -24800,1242 +25137,6 @@
     <p:extLst>
       <p:ext uri="{BB962C8B-B14F-4D97-AF65-F5344CB8AC3E}">
         <p14:creationId xmlns:p14="http://schemas.microsoft.com/office/powerpoint/2010/main" val="744692877"/>
-      </p:ext>
-    </p:extLst>
-  </p:cSld>
-  <p:clrMapOvr>
-    <a:masterClrMapping/>
-  </p:clrMapOvr>
-</p:sld>
-</file>
-
-<file path=ppt/slides/slide37.xml><?xml version="1.0" encoding="utf-8"?>
-<p:sld xmlns:a="http://schemas.openxmlformats.org/drawingml/2006/main" xmlns:r="http://schemas.openxmlformats.org/officeDocument/2006/relationships" xmlns:p="http://schemas.openxmlformats.org/presentationml/2006/main">
-  <p:cSld>
-    <p:spTree>
-      <p:nvGrpSpPr>
-        <p:cNvPr id="1" name=""/>
-        <p:cNvGrpSpPr/>
-        <p:nvPr/>
-      </p:nvGrpSpPr>
-      <p:grpSpPr>
-        <a:xfrm>
-          <a:off x="0" y="0"/>
-          <a:ext cx="0" cy="0"/>
-          <a:chOff x="0" y="0"/>
-          <a:chExt cx="0" cy="0"/>
-        </a:xfrm>
-      </p:grpSpPr>
-      <p:sp>
-        <p:nvSpPr>
-          <p:cNvPr id="2" name="Title 1">
-            <a:extLst>
-              <a:ext uri="{FF2B5EF4-FFF2-40B4-BE49-F238E27FC236}">
-                <a16:creationId xmlns:a16="http://schemas.microsoft.com/office/drawing/2014/main" id="{A49DDC00-2744-B7F9-8394-609BE1AEC413}"/>
-              </a:ext>
-            </a:extLst>
-          </p:cNvPr>
-          <p:cNvSpPr>
-            <a:spLocks noGrp="1"/>
-          </p:cNvSpPr>
-          <p:nvPr>
-            <p:ph type="title"/>
-          </p:nvPr>
-        </p:nvSpPr>
-        <p:spPr/>
-        <p:txBody>
-          <a:bodyPr/>
-          <a:lstStyle/>
-          <a:p>
-            <a:r>
-              <a:rPr lang="en-US" dirty="0">
-                <a:solidFill>
-                  <a:srgbClr val="C00000"/>
-                </a:solidFill>
-              </a:rPr>
-              <a:t>Use Case</a:t>
-            </a:r>
-            <a:endParaRPr lang="en-US" dirty="0"/>
-          </a:p>
-        </p:txBody>
-      </p:sp>
-      <mc:AlternateContent xmlns:mc="http://schemas.openxmlformats.org/markup-compatibility/2006">
-        <mc:Choice xmlns:a14="http://schemas.microsoft.com/office/drawing/2010/main" Requires="a14">
-          <p:sp>
-            <p:nvSpPr>
-              <p:cNvPr id="3" name="Content Placeholder 2">
-                <a:extLst>
-                  <a:ext uri="{FF2B5EF4-FFF2-40B4-BE49-F238E27FC236}">
-                    <a16:creationId xmlns:a16="http://schemas.microsoft.com/office/drawing/2014/main" id="{6666941B-6AAA-DFD0-8896-ACB1B4FE2AC6}"/>
-                  </a:ext>
-                </a:extLst>
-              </p:cNvPr>
-              <p:cNvSpPr>
-                <a:spLocks noGrp="1"/>
-              </p:cNvSpPr>
-              <p:nvPr>
-                <p:ph idx="1"/>
-              </p:nvPr>
-            </p:nvSpPr>
-            <p:spPr>
-              <a:xfrm>
-                <a:off x="838200" y="1825625"/>
-                <a:ext cx="10515600" cy="4667250"/>
-              </a:xfrm>
-            </p:spPr>
-            <p:txBody>
-              <a:bodyPr>
-                <a:normAutofit/>
-              </a:bodyPr>
-              <a:lstStyle/>
-              <a:p>
-                <a:r>
-                  <a:rPr lang="en-US" dirty="0"/>
-                  <a:t>Suppose we design a randomized algorithm </a:t>
-                </a:r>
-                <a14:m>
-                  <m:oMath xmlns:m="http://schemas.openxmlformats.org/officeDocument/2006/math">
-                    <m:r>
-                      <a:rPr lang="en-US" sz="2800" b="0" i="1" dirty="0" smtClean="0">
-                        <a:solidFill>
-                          <a:srgbClr val="C00000"/>
-                        </a:solidFill>
-                        <a:latin typeface="Cambria Math" panose="02040503050406030204" pitchFamily="18" charset="0"/>
-                      </a:rPr>
-                      <m:t>𝐴</m:t>
-                    </m:r>
-                  </m:oMath>
-                </a14:m>
-                <a:r>
-                  <a:rPr lang="en-US" dirty="0"/>
-                  <a:t> that outputs a real number </a:t>
-                </a:r>
-                <a14:m>
-                  <m:oMath xmlns:m="http://schemas.openxmlformats.org/officeDocument/2006/math">
-                    <m:r>
-                      <a:rPr lang="en-US" b="0" i="1" dirty="0" smtClean="0">
-                        <a:solidFill>
-                          <a:srgbClr val="C00000"/>
-                        </a:solidFill>
-                        <a:latin typeface="Cambria Math" panose="02040503050406030204" pitchFamily="18" charset="0"/>
-                      </a:rPr>
-                      <m:t>𝑍</m:t>
-                    </m:r>
-                  </m:oMath>
-                </a14:m>
-                <a:r>
-                  <a:rPr lang="en-US" dirty="0"/>
-                  <a:t> that is “correct” with probability </a:t>
-                </a:r>
-                <a14:m>
-                  <m:oMath xmlns:m="http://schemas.openxmlformats.org/officeDocument/2006/math">
-                    <m:f>
-                      <m:fPr>
-                        <m:ctrlPr>
-                          <a:rPr lang="en-US" i="1" dirty="0">
-                            <a:solidFill>
-                              <a:srgbClr val="C00000"/>
-                            </a:solidFill>
-                            <a:latin typeface="Cambria Math" panose="02040503050406030204" pitchFamily="18" charset="0"/>
-                          </a:rPr>
-                        </m:ctrlPr>
-                      </m:fPr>
-                      <m:num>
-                        <m:r>
-                          <a:rPr lang="en-US" i="1" dirty="0">
-                            <a:solidFill>
-                              <a:srgbClr val="C00000"/>
-                            </a:solidFill>
-                            <a:latin typeface="Cambria Math" panose="02040503050406030204" pitchFamily="18" charset="0"/>
-                          </a:rPr>
-                          <m:t>2</m:t>
-                        </m:r>
-                      </m:num>
-                      <m:den>
-                        <m:r>
-                          <a:rPr lang="en-US" i="1" dirty="0">
-                            <a:solidFill>
-                              <a:srgbClr val="C00000"/>
-                            </a:solidFill>
-                            <a:latin typeface="Cambria Math" panose="02040503050406030204" pitchFamily="18" charset="0"/>
-                          </a:rPr>
-                          <m:t>3</m:t>
-                        </m:r>
-                      </m:den>
-                    </m:f>
-                  </m:oMath>
-                </a14:m>
-                <a:r>
-                  <a:rPr lang="en-US" dirty="0"/>
-                  <a:t>, e.g., </a:t>
-                </a:r>
-                <a14:m>
-                  <m:oMath xmlns:m="http://schemas.openxmlformats.org/officeDocument/2006/math">
-                    <m:r>
-                      <a:rPr lang="en-US" b="0" i="1" dirty="0" smtClean="0">
-                        <a:solidFill>
-                          <a:srgbClr val="C00000"/>
-                        </a:solidFill>
-                        <a:latin typeface="Cambria Math" panose="02040503050406030204" pitchFamily="18" charset="0"/>
-                      </a:rPr>
-                      <m:t>𝑍</m:t>
-                    </m:r>
-                    <m:r>
-                      <a:rPr lang="en-US" b="0" i="1" dirty="0" smtClean="0">
-                        <a:solidFill>
-                          <a:srgbClr val="C00000"/>
-                        </a:solidFill>
-                        <a:latin typeface="Cambria Math" panose="02040503050406030204" pitchFamily="18" charset="0"/>
-                      </a:rPr>
-                      <m:t>∈{0,1}</m:t>
-                    </m:r>
-                  </m:oMath>
-                </a14:m>
-                <a:endParaRPr lang="en-US" dirty="0"/>
-              </a:p>
-              <a:p>
-                <a:pPr marL="0" indent="0">
-                  <a:buNone/>
-                </a:pPr>
-                <a:endParaRPr lang="en-US" dirty="0"/>
-              </a:p>
-              <a:p>
-                <a:pPr marL="0" indent="0">
-                  <a:buNone/>
-                </a:pPr>
-                <a:endParaRPr lang="en-US" dirty="0"/>
-              </a:p>
-              <a:p>
-                <a:r>
-                  <a:rPr lang="en-US" dirty="0"/>
-                  <a:t>Suppose we want to be correct with probability </a:t>
-                </a:r>
-                <a14:m>
-                  <m:oMath xmlns:m="http://schemas.openxmlformats.org/officeDocument/2006/math">
-                    <m:r>
-                      <a:rPr lang="en-US" dirty="0">
-                        <a:solidFill>
-                          <a:srgbClr val="C00000"/>
-                        </a:solidFill>
-                        <a:latin typeface="Cambria Math" panose="02040503050406030204" pitchFamily="18" charset="0"/>
-                      </a:rPr>
-                      <m:t>0.999</m:t>
-                    </m:r>
-                  </m:oMath>
-                </a14:m>
-                <a:r>
-                  <a:rPr lang="en-US" dirty="0"/>
-                  <a:t> or </a:t>
-                </a:r>
-                <a14:m>
-                  <m:oMath xmlns:m="http://schemas.openxmlformats.org/officeDocument/2006/math">
-                    <m:r>
-                      <a:rPr lang="en-US" b="0" i="1" dirty="0" smtClean="0">
-                        <a:solidFill>
-                          <a:srgbClr val="C00000"/>
-                        </a:solidFill>
-                        <a:latin typeface="Cambria Math" panose="02040503050406030204" pitchFamily="18" charset="0"/>
-                      </a:rPr>
-                      <m:t>1−</m:t>
-                    </m:r>
-                    <m:f>
-                      <m:fPr>
-                        <m:ctrlPr>
-                          <a:rPr lang="en-US" b="0" i="1" dirty="0" smtClean="0">
-                            <a:solidFill>
-                              <a:srgbClr val="C00000"/>
-                            </a:solidFill>
-                            <a:latin typeface="Cambria Math" panose="02040503050406030204" pitchFamily="18" charset="0"/>
-                          </a:rPr>
-                        </m:ctrlPr>
-                      </m:fPr>
-                      <m:num>
-                        <m:r>
-                          <a:rPr lang="en-US" b="0" i="1" dirty="0" smtClean="0">
-                            <a:solidFill>
-                              <a:srgbClr val="C00000"/>
-                            </a:solidFill>
-                            <a:latin typeface="Cambria Math" panose="02040503050406030204" pitchFamily="18" charset="0"/>
-                          </a:rPr>
-                          <m:t>1</m:t>
-                        </m:r>
-                      </m:num>
-                      <m:den>
-                        <m:sSup>
-                          <m:sSupPr>
-                            <m:ctrlPr>
-                              <a:rPr lang="en-US" b="0" i="1" dirty="0" smtClean="0">
-                                <a:solidFill>
-                                  <a:srgbClr val="C00000"/>
-                                </a:solidFill>
-                                <a:latin typeface="Cambria Math" panose="02040503050406030204" pitchFamily="18" charset="0"/>
-                              </a:rPr>
-                            </m:ctrlPr>
-                          </m:sSupPr>
-                          <m:e>
-                            <m:r>
-                              <a:rPr lang="en-US" b="0" i="1" dirty="0" smtClean="0">
-                                <a:solidFill>
-                                  <a:srgbClr val="C00000"/>
-                                </a:solidFill>
-                                <a:latin typeface="Cambria Math" panose="02040503050406030204" pitchFamily="18" charset="0"/>
-                              </a:rPr>
-                              <m:t>𝑛</m:t>
-                            </m:r>
-                          </m:e>
-                          <m:sup>
-                            <m:r>
-                              <a:rPr lang="en-US" b="0" i="1" dirty="0" smtClean="0">
-                                <a:solidFill>
-                                  <a:srgbClr val="C00000"/>
-                                </a:solidFill>
-                                <a:latin typeface="Cambria Math" panose="02040503050406030204" pitchFamily="18" charset="0"/>
-                              </a:rPr>
-                              <m:t>2</m:t>
-                            </m:r>
-                          </m:sup>
-                        </m:sSup>
-                      </m:den>
-                    </m:f>
-                  </m:oMath>
-                </a14:m>
-                <a:r>
-                  <a:rPr lang="en-US" dirty="0"/>
-                  <a:t> or </a:t>
-                </a:r>
-                <a14:m>
-                  <m:oMath xmlns:m="http://schemas.openxmlformats.org/officeDocument/2006/math">
-                    <m:r>
-                      <a:rPr lang="en-US" b="0" i="0" dirty="0" smtClean="0">
-                        <a:solidFill>
-                          <a:srgbClr val="C00000"/>
-                        </a:solidFill>
-                        <a:latin typeface="Cambria Math" panose="02040503050406030204" pitchFamily="18" charset="0"/>
-                      </a:rPr>
-                      <m:t>1−</m:t>
-                    </m:r>
-                    <m:r>
-                      <a:rPr lang="en-US" b="0" i="1" dirty="0" smtClean="0">
-                        <a:solidFill>
-                          <a:srgbClr val="C00000"/>
-                        </a:solidFill>
-                        <a:latin typeface="Cambria Math" panose="02040503050406030204" pitchFamily="18" charset="0"/>
-                      </a:rPr>
-                      <m:t>𝛿</m:t>
-                    </m:r>
-                  </m:oMath>
-                </a14:m>
-                <a:endParaRPr lang="en-US" dirty="0"/>
-              </a:p>
-              <a:p>
-                <a:endParaRPr lang="en-US" dirty="0"/>
-              </a:p>
-              <a:p>
-                <a:endParaRPr lang="en-US" dirty="0"/>
-              </a:p>
-              <a:p>
-                <a:r>
-                  <a:rPr lang="en-US" dirty="0"/>
-                  <a:t>What can we do?</a:t>
-                </a:r>
-              </a:p>
-            </p:txBody>
-          </p:sp>
-        </mc:Choice>
-        <mc:Fallback>
-          <p:sp>
-            <p:nvSpPr>
-              <p:cNvPr id="3" name="Content Placeholder 2">
-                <a:extLst>
-                  <a:ext uri="{FF2B5EF4-FFF2-40B4-BE49-F238E27FC236}">
-                    <a16:creationId xmlns:a16="http://schemas.microsoft.com/office/drawing/2014/main" id="{6666941B-6AAA-DFD0-8896-ACB1B4FE2AC6}"/>
-                  </a:ext>
-                </a:extLst>
-              </p:cNvPr>
-              <p:cNvSpPr>
-                <a:spLocks noGrp="1" noRot="1" noChangeAspect="1" noMove="1" noResize="1" noEditPoints="1" noAdjustHandles="1" noChangeArrowheads="1" noChangeShapeType="1" noTextEdit="1"/>
-              </p:cNvSpPr>
-              <p:nvPr>
-                <p:ph idx="1"/>
-              </p:nvPr>
-            </p:nvSpPr>
-            <p:spPr>
-              <a:xfrm>
-                <a:off x="838200" y="1825625"/>
-                <a:ext cx="10515600" cy="4667250"/>
-              </a:xfrm>
-              <a:blipFill>
-                <a:blip r:embed="rId2"/>
-                <a:stretch>
-                  <a:fillRect l="-1043" t="-2089" b="-2872"/>
-                </a:stretch>
-              </a:blipFill>
-            </p:spPr>
-            <p:txBody>
-              <a:bodyPr/>
-              <a:lstStyle/>
-              <a:p>
-                <a:r>
-                  <a:rPr lang="en-US">
-                    <a:noFill/>
-                  </a:rPr>
-                  <a:t> </a:t>
-                </a:r>
-              </a:p>
-            </p:txBody>
-          </p:sp>
-        </mc:Fallback>
-      </mc:AlternateContent>
-    </p:spTree>
-    <p:extLst>
-      <p:ext uri="{BB962C8B-B14F-4D97-AF65-F5344CB8AC3E}">
-        <p14:creationId xmlns:p14="http://schemas.microsoft.com/office/powerpoint/2010/main" val="1904914413"/>
-      </p:ext>
-    </p:extLst>
-  </p:cSld>
-  <p:clrMapOvr>
-    <a:masterClrMapping/>
-  </p:clrMapOvr>
-</p:sld>
-</file>
-
-<file path=ppt/slides/slide38.xml><?xml version="1.0" encoding="utf-8"?>
-<p:sld xmlns:a="http://schemas.openxmlformats.org/drawingml/2006/main" xmlns:r="http://schemas.openxmlformats.org/officeDocument/2006/relationships" xmlns:p="http://schemas.openxmlformats.org/presentationml/2006/main">
-  <p:cSld>
-    <p:spTree>
-      <p:nvGrpSpPr>
-        <p:cNvPr id="1" name=""/>
-        <p:cNvGrpSpPr/>
-        <p:nvPr/>
-      </p:nvGrpSpPr>
-      <p:grpSpPr>
-        <a:xfrm>
-          <a:off x="0" y="0"/>
-          <a:ext cx="0" cy="0"/>
-          <a:chOff x="0" y="0"/>
-          <a:chExt cx="0" cy="0"/>
-        </a:xfrm>
-      </p:grpSpPr>
-      <p:sp>
-        <p:nvSpPr>
-          <p:cNvPr id="2" name="Title 1">
-            <a:extLst>
-              <a:ext uri="{FF2B5EF4-FFF2-40B4-BE49-F238E27FC236}">
-                <a16:creationId xmlns:a16="http://schemas.microsoft.com/office/drawing/2014/main" id="{A49DDC00-2744-B7F9-8394-609BE1AEC413}"/>
-              </a:ext>
-            </a:extLst>
-          </p:cNvPr>
-          <p:cNvSpPr>
-            <a:spLocks noGrp="1"/>
-          </p:cNvSpPr>
-          <p:nvPr>
-            <p:ph type="title"/>
-          </p:nvPr>
-        </p:nvSpPr>
-        <p:spPr/>
-        <p:txBody>
-          <a:bodyPr/>
-          <a:lstStyle/>
-          <a:p>
-            <a:r>
-              <a:rPr lang="en-US" dirty="0">
-                <a:solidFill>
-                  <a:srgbClr val="C00000"/>
-                </a:solidFill>
-              </a:rPr>
-              <a:t>Success Boosting</a:t>
-            </a:r>
-            <a:endParaRPr lang="en-US" dirty="0"/>
-          </a:p>
-        </p:txBody>
-      </p:sp>
-      <mc:AlternateContent xmlns:mc="http://schemas.openxmlformats.org/markup-compatibility/2006">
-        <mc:Choice xmlns:a14="http://schemas.microsoft.com/office/drawing/2010/main" Requires="a14">
-          <p:sp>
-            <p:nvSpPr>
-              <p:cNvPr id="3" name="Content Placeholder 2">
-                <a:extLst>
-                  <a:ext uri="{FF2B5EF4-FFF2-40B4-BE49-F238E27FC236}">
-                    <a16:creationId xmlns:a16="http://schemas.microsoft.com/office/drawing/2014/main" id="{6666941B-6AAA-DFD0-8896-ACB1B4FE2AC6}"/>
-                  </a:ext>
-                </a:extLst>
-              </p:cNvPr>
-              <p:cNvSpPr>
-                <a:spLocks noGrp="1"/>
-              </p:cNvSpPr>
-              <p:nvPr>
-                <p:ph idx="1"/>
-              </p:nvPr>
-            </p:nvSpPr>
-            <p:spPr>
-              <a:xfrm>
-                <a:off x="838200" y="1825625"/>
-                <a:ext cx="10515600" cy="4667250"/>
-              </a:xfrm>
-            </p:spPr>
-            <p:txBody>
-              <a:bodyPr>
-                <a:normAutofit/>
-              </a:bodyPr>
-              <a:lstStyle/>
-              <a:p>
-                <a:pPr>
-                  <a:buClr>
-                    <a:schemeClr val="tx1"/>
-                  </a:buClr>
-                </a:pPr>
-                <a:r>
-                  <a:rPr lang="en-US" dirty="0">
-                    <a:solidFill>
-                      <a:srgbClr val="00B050"/>
-                    </a:solidFill>
-                  </a:rPr>
-                  <a:t>Chernoff bounds</a:t>
-                </a:r>
-                <a:r>
-                  <a:rPr lang="en-US" dirty="0"/>
-                  <a:t>: Run the algorithm </a:t>
-                </a:r>
-                <a14:m>
-                  <m:oMath xmlns:m="http://schemas.openxmlformats.org/officeDocument/2006/math">
-                    <m:r>
-                      <a:rPr lang="en-US" b="0" i="1" dirty="0" smtClean="0">
-                        <a:solidFill>
-                          <a:srgbClr val="C00000"/>
-                        </a:solidFill>
-                        <a:latin typeface="Cambria Math" panose="02040503050406030204" pitchFamily="18" charset="0"/>
-                      </a:rPr>
-                      <m:t>𝐴</m:t>
-                    </m:r>
-                  </m:oMath>
-                </a14:m>
-                <a:r>
-                  <a:rPr lang="en-US" dirty="0"/>
-                  <a:t> a total of </a:t>
-                </a:r>
-                <a14:m>
-                  <m:oMath xmlns:m="http://schemas.openxmlformats.org/officeDocument/2006/math">
-                    <m:r>
-                      <a:rPr lang="en-US" b="0" i="1" dirty="0" smtClean="0">
-                        <a:solidFill>
-                          <a:srgbClr val="C00000"/>
-                        </a:solidFill>
-                        <a:latin typeface="Cambria Math" panose="02040503050406030204" pitchFamily="18" charset="0"/>
-                      </a:rPr>
-                      <m:t>𝑂</m:t>
-                    </m:r>
-                    <m:d>
-                      <m:dPr>
-                        <m:ctrlPr>
-                          <a:rPr lang="en-US" b="0" i="1" dirty="0" smtClean="0">
-                            <a:solidFill>
-                              <a:srgbClr val="C00000"/>
-                            </a:solidFill>
-                            <a:latin typeface="Cambria Math" panose="02040503050406030204" pitchFamily="18" charset="0"/>
-                          </a:rPr>
-                        </m:ctrlPr>
-                      </m:dPr>
-                      <m:e>
-                        <m:func>
-                          <m:funcPr>
-                            <m:ctrlPr>
-                              <a:rPr lang="en-US" b="0" i="1" dirty="0" smtClean="0">
-                                <a:solidFill>
-                                  <a:srgbClr val="C00000"/>
-                                </a:solidFill>
-                                <a:latin typeface="Cambria Math" panose="02040503050406030204" pitchFamily="18" charset="0"/>
-                              </a:rPr>
-                            </m:ctrlPr>
-                          </m:funcPr>
-                          <m:fName>
-                            <m:r>
-                              <m:rPr>
-                                <m:sty m:val="p"/>
-                              </m:rPr>
-                              <a:rPr lang="en-US" b="0" i="0" dirty="0" smtClean="0">
-                                <a:solidFill>
-                                  <a:srgbClr val="C00000"/>
-                                </a:solidFill>
-                                <a:latin typeface="Cambria Math" panose="02040503050406030204" pitchFamily="18" charset="0"/>
-                              </a:rPr>
-                              <m:t>log</m:t>
-                            </m:r>
-                          </m:fName>
-                          <m:e>
-                            <m:f>
-                              <m:fPr>
-                                <m:ctrlPr>
-                                  <a:rPr lang="en-US" b="0" i="1" dirty="0" smtClean="0">
-                                    <a:solidFill>
-                                      <a:srgbClr val="C00000"/>
-                                    </a:solidFill>
-                                    <a:latin typeface="Cambria Math" panose="02040503050406030204" pitchFamily="18" charset="0"/>
-                                  </a:rPr>
-                                </m:ctrlPr>
-                              </m:fPr>
-                              <m:num>
-                                <m:r>
-                                  <a:rPr lang="en-US" b="0" i="1" dirty="0" smtClean="0">
-                                    <a:solidFill>
-                                      <a:srgbClr val="C00000"/>
-                                    </a:solidFill>
-                                    <a:latin typeface="Cambria Math" panose="02040503050406030204" pitchFamily="18" charset="0"/>
-                                  </a:rPr>
-                                  <m:t>1</m:t>
-                                </m:r>
-                              </m:num>
-                              <m:den>
-                                <m:r>
-                                  <a:rPr lang="en-US" b="0" i="1" dirty="0" smtClean="0">
-                                    <a:solidFill>
-                                      <a:srgbClr val="C00000"/>
-                                    </a:solidFill>
-                                    <a:latin typeface="Cambria Math" panose="02040503050406030204" pitchFamily="18" charset="0"/>
-                                  </a:rPr>
-                                  <m:t>𝛿</m:t>
-                                </m:r>
-                              </m:den>
-                            </m:f>
-                          </m:e>
-                        </m:func>
-                      </m:e>
-                    </m:d>
-                  </m:oMath>
-                </a14:m>
-                <a:r>
-                  <a:rPr lang="en-US" dirty="0"/>
-                  <a:t> times and take the median. It will be correct with probability </a:t>
-                </a:r>
-                <a14:m>
-                  <m:oMath xmlns:m="http://schemas.openxmlformats.org/officeDocument/2006/math">
-                    <m:r>
-                      <a:rPr lang="en-US" dirty="0">
-                        <a:solidFill>
-                          <a:srgbClr val="C00000"/>
-                        </a:solidFill>
-                        <a:latin typeface="Cambria Math" panose="02040503050406030204" pitchFamily="18" charset="0"/>
-                      </a:rPr>
-                      <m:t>1−</m:t>
-                    </m:r>
-                    <m:r>
-                      <a:rPr lang="en-US" i="1" dirty="0">
-                        <a:solidFill>
-                          <a:srgbClr val="C00000"/>
-                        </a:solidFill>
-                        <a:latin typeface="Cambria Math" panose="02040503050406030204" pitchFamily="18" charset="0"/>
-                      </a:rPr>
-                      <m:t>𝛿</m:t>
-                    </m:r>
-                  </m:oMath>
-                </a14:m>
-                <a:endParaRPr lang="en-US" dirty="0"/>
-              </a:p>
-              <a:p>
-                <a:pPr marL="0" indent="0">
-                  <a:buClr>
-                    <a:schemeClr val="tx1"/>
-                  </a:buClr>
-                  <a:buNone/>
-                </a:pPr>
-                <a:endParaRPr lang="en-US" dirty="0"/>
-              </a:p>
-              <a:p>
-                <a:pPr>
-                  <a:buClr>
-                    <a:schemeClr val="tx1"/>
-                  </a:buClr>
-                </a:pPr>
-                <a:endParaRPr lang="en-US" dirty="0"/>
-              </a:p>
-              <a:p>
-                <a:pPr marL="0" indent="0">
-                  <a:buClr>
-                    <a:schemeClr val="tx1"/>
-                  </a:buClr>
-                  <a:buNone/>
-                </a:pPr>
-                <a:endParaRPr lang="en-US" dirty="0"/>
-              </a:p>
-              <a:p>
-                <a:pPr>
-                  <a:buClr>
-                    <a:schemeClr val="tx1"/>
-                  </a:buClr>
-                </a:pPr>
-                <a:endParaRPr lang="en-US" dirty="0"/>
-              </a:p>
-              <a:p>
-                <a:pPr>
-                  <a:buClr>
-                    <a:schemeClr val="tx1"/>
-                  </a:buClr>
-                </a:pPr>
-                <a:endParaRPr lang="en-US" dirty="0"/>
-              </a:p>
-              <a:p>
-                <a:pPr>
-                  <a:buClr>
-                    <a:schemeClr val="tx1"/>
-                  </a:buClr>
-                </a:pPr>
-                <a:endParaRPr lang="en-US" dirty="0"/>
-              </a:p>
-              <a:p>
-                <a:pPr>
-                  <a:buClr>
-                    <a:schemeClr val="tx1"/>
-                  </a:buClr>
-                </a:pPr>
-                <a:endParaRPr lang="en-US" dirty="0"/>
-              </a:p>
-            </p:txBody>
-          </p:sp>
-        </mc:Choice>
-        <mc:Fallback>
-          <p:sp>
-            <p:nvSpPr>
-              <p:cNvPr id="3" name="Content Placeholder 2">
-                <a:extLst>
-                  <a:ext uri="{FF2B5EF4-FFF2-40B4-BE49-F238E27FC236}">
-                    <a16:creationId xmlns:a16="http://schemas.microsoft.com/office/drawing/2014/main" id="{6666941B-6AAA-DFD0-8896-ACB1B4FE2AC6}"/>
-                  </a:ext>
-                </a:extLst>
-              </p:cNvPr>
-              <p:cNvSpPr>
-                <a:spLocks noGrp="1" noRot="1" noChangeAspect="1" noMove="1" noResize="1" noEditPoints="1" noAdjustHandles="1" noChangeArrowheads="1" noChangeShapeType="1" noTextEdit="1"/>
-              </p:cNvSpPr>
-              <p:nvPr>
-                <p:ph idx="1"/>
-              </p:nvPr>
-            </p:nvSpPr>
-            <p:spPr>
-              <a:xfrm>
-                <a:off x="838200" y="1825625"/>
-                <a:ext cx="10515600" cy="4667250"/>
-              </a:xfrm>
-              <a:blipFill>
-                <a:blip r:embed="rId2"/>
-                <a:stretch>
-                  <a:fillRect l="-1043"/>
-                </a:stretch>
-              </a:blipFill>
-            </p:spPr>
-            <p:txBody>
-              <a:bodyPr/>
-              <a:lstStyle/>
-              <a:p>
-                <a:r>
-                  <a:rPr lang="en-US">
-                    <a:noFill/>
-                  </a:rPr>
-                  <a:t> </a:t>
-                </a:r>
-              </a:p>
-            </p:txBody>
-          </p:sp>
-        </mc:Fallback>
-      </mc:AlternateContent>
-    </p:spTree>
-    <p:extLst>
-      <p:ext uri="{BB962C8B-B14F-4D97-AF65-F5344CB8AC3E}">
-        <p14:creationId xmlns:p14="http://schemas.microsoft.com/office/powerpoint/2010/main" val="345025428"/>
-      </p:ext>
-    </p:extLst>
-  </p:cSld>
-  <p:clrMapOvr>
-    <a:masterClrMapping/>
-  </p:clrMapOvr>
-</p:sld>
-</file>
-
-<file path=ppt/slides/slide39.xml><?xml version="1.0" encoding="utf-8"?>
-<p:sld xmlns:a="http://schemas.openxmlformats.org/drawingml/2006/main" xmlns:r="http://schemas.openxmlformats.org/officeDocument/2006/relationships" xmlns:p="http://schemas.openxmlformats.org/presentationml/2006/main">
-  <p:cSld>
-    <p:spTree>
-      <p:nvGrpSpPr>
-        <p:cNvPr id="1" name=""/>
-        <p:cNvGrpSpPr/>
-        <p:nvPr/>
-      </p:nvGrpSpPr>
-      <p:grpSpPr>
-        <a:xfrm>
-          <a:off x="0" y="0"/>
-          <a:ext cx="0" cy="0"/>
-          <a:chOff x="0" y="0"/>
-          <a:chExt cx="0" cy="0"/>
-        </a:xfrm>
-      </p:grpSpPr>
-      <p:sp>
-        <p:nvSpPr>
-          <p:cNvPr id="2" name="Title 1">
-            <a:extLst>
-              <a:ext uri="{FF2B5EF4-FFF2-40B4-BE49-F238E27FC236}">
-                <a16:creationId xmlns:a16="http://schemas.microsoft.com/office/drawing/2014/main" id="{A49DDC00-2744-B7F9-8394-609BE1AEC413}"/>
-              </a:ext>
-            </a:extLst>
-          </p:cNvPr>
-          <p:cNvSpPr>
-            <a:spLocks noGrp="1"/>
-          </p:cNvSpPr>
-          <p:nvPr>
-            <p:ph type="title"/>
-          </p:nvPr>
-        </p:nvSpPr>
-        <p:spPr/>
-        <p:txBody>
-          <a:bodyPr/>
-          <a:lstStyle/>
-          <a:p>
-            <a:r>
-              <a:rPr lang="en-US" dirty="0">
-                <a:solidFill>
-                  <a:srgbClr val="C00000"/>
-                </a:solidFill>
-              </a:rPr>
-              <a:t>Median-of-Means Framework</a:t>
-            </a:r>
-            <a:endParaRPr lang="en-US" dirty="0"/>
-          </a:p>
-        </p:txBody>
-      </p:sp>
-      <mc:AlternateContent xmlns:mc="http://schemas.openxmlformats.org/markup-compatibility/2006">
-        <mc:Choice xmlns:a14="http://schemas.microsoft.com/office/drawing/2010/main" Requires="a14">
-          <p:sp>
-            <p:nvSpPr>
-              <p:cNvPr id="3" name="Content Placeholder 2">
-                <a:extLst>
-                  <a:ext uri="{FF2B5EF4-FFF2-40B4-BE49-F238E27FC236}">
-                    <a16:creationId xmlns:a16="http://schemas.microsoft.com/office/drawing/2014/main" id="{6666941B-6AAA-DFD0-8896-ACB1B4FE2AC6}"/>
-                  </a:ext>
-                </a:extLst>
-              </p:cNvPr>
-              <p:cNvSpPr>
-                <a:spLocks noGrp="1"/>
-              </p:cNvSpPr>
-              <p:nvPr>
-                <p:ph idx="1"/>
-              </p:nvPr>
-            </p:nvSpPr>
-            <p:spPr>
-              <a:xfrm>
-                <a:off x="838200" y="1825625"/>
-                <a:ext cx="10515600" cy="4667250"/>
-              </a:xfrm>
-            </p:spPr>
-            <p:txBody>
-              <a:bodyPr>
-                <a:normAutofit/>
-              </a:bodyPr>
-              <a:lstStyle/>
-              <a:p>
-                <a:r>
-                  <a:rPr lang="en-US" dirty="0"/>
-                  <a:t>Suppose we design a randomized algorithm </a:t>
-                </a:r>
-                <a14:m>
-                  <m:oMath xmlns:m="http://schemas.openxmlformats.org/officeDocument/2006/math">
-                    <m:r>
-                      <a:rPr lang="en-US" sz="2800" b="0" i="1" dirty="0" smtClean="0">
-                        <a:solidFill>
-                          <a:srgbClr val="C00000"/>
-                        </a:solidFill>
-                        <a:latin typeface="Cambria Math" panose="02040503050406030204" pitchFamily="18" charset="0"/>
-                      </a:rPr>
-                      <m:t>𝐴</m:t>
-                    </m:r>
-                  </m:oMath>
-                </a14:m>
-                <a:r>
-                  <a:rPr lang="en-US" dirty="0"/>
-                  <a:t> to estimate a hidden statistic </a:t>
-                </a:r>
-                <a14:m>
-                  <m:oMath xmlns:m="http://schemas.openxmlformats.org/officeDocument/2006/math">
-                    <m:r>
-                      <a:rPr lang="en-US" b="0" i="1" dirty="0" smtClean="0">
-                        <a:solidFill>
-                          <a:srgbClr val="C00000"/>
-                        </a:solidFill>
-                        <a:latin typeface="Cambria Math" panose="02040503050406030204" pitchFamily="18" charset="0"/>
-                      </a:rPr>
-                      <m:t>𝑍</m:t>
-                    </m:r>
-                  </m:oMath>
-                </a14:m>
-                <a:r>
-                  <a:rPr lang="en-US" dirty="0"/>
-                  <a:t> of a dataset and we know </a:t>
-                </a:r>
-                <a14:m>
-                  <m:oMath xmlns:m="http://schemas.openxmlformats.org/officeDocument/2006/math">
-                    <m:r>
-                      <a:rPr lang="en-US" b="0" i="1" dirty="0" smtClean="0">
-                        <a:solidFill>
-                          <a:srgbClr val="C00000"/>
-                        </a:solidFill>
-                        <a:latin typeface="Cambria Math" panose="02040503050406030204" pitchFamily="18" charset="0"/>
-                      </a:rPr>
-                      <m:t>0&lt;</m:t>
-                    </m:r>
-                    <m:r>
-                      <a:rPr lang="en-US" b="0" i="1" dirty="0" smtClean="0">
-                        <a:solidFill>
-                          <a:srgbClr val="C00000"/>
-                        </a:solidFill>
-                        <a:latin typeface="Cambria Math" panose="02040503050406030204" pitchFamily="18" charset="0"/>
-                      </a:rPr>
-                      <m:t>𝑍</m:t>
-                    </m:r>
-                    <m:r>
-                      <a:rPr lang="en-US" b="0" i="1" dirty="0" smtClean="0">
-                        <a:solidFill>
-                          <a:srgbClr val="C00000"/>
-                        </a:solidFill>
-                        <a:latin typeface="Cambria Math" panose="02040503050406030204" pitchFamily="18" charset="0"/>
-                      </a:rPr>
-                      <m:t>≤1000</m:t>
-                    </m:r>
-                  </m:oMath>
-                </a14:m>
-                <a:r>
-                  <a:rPr lang="en-US" dirty="0"/>
-                  <a:t>. </a:t>
-                </a:r>
-              </a:p>
-              <a:p>
-                <a:r>
-                  <a:rPr lang="en-US" dirty="0"/>
-                  <a:t>Suppose each time we use the algorithm </a:t>
-                </a:r>
-                <a14:m>
-                  <m:oMath xmlns:m="http://schemas.openxmlformats.org/officeDocument/2006/math">
-                    <m:r>
-                      <a:rPr lang="en-US" sz="2800" b="0" i="1" dirty="0" smtClean="0">
-                        <a:solidFill>
-                          <a:srgbClr val="C00000"/>
-                        </a:solidFill>
-                        <a:latin typeface="Cambria Math" panose="02040503050406030204" pitchFamily="18" charset="0"/>
-                      </a:rPr>
-                      <m:t>𝐴</m:t>
-                    </m:r>
-                  </m:oMath>
-                </a14:m>
-                <a:r>
-                  <a:rPr lang="en-US" dirty="0"/>
-                  <a:t>, it outputs a number </a:t>
-                </a:r>
-                <a14:m>
-                  <m:oMath xmlns:m="http://schemas.openxmlformats.org/officeDocument/2006/math">
-                    <m:r>
-                      <a:rPr lang="en-US" b="0" i="1" dirty="0" smtClean="0">
-                        <a:solidFill>
-                          <a:srgbClr val="C00000"/>
-                        </a:solidFill>
-                        <a:latin typeface="Cambria Math" panose="02040503050406030204" pitchFamily="18" charset="0"/>
-                      </a:rPr>
-                      <m:t>𝑋</m:t>
-                    </m:r>
-                  </m:oMath>
-                </a14:m>
-                <a:r>
-                  <a:rPr lang="en-US" dirty="0"/>
-                  <a:t> such that </a:t>
-                </a:r>
-                <a14:m>
-                  <m:oMath xmlns:m="http://schemas.openxmlformats.org/officeDocument/2006/math">
-                    <m:r>
-                      <m:rPr>
-                        <m:sty m:val="p"/>
-                      </m:rPr>
-                      <a:rPr lang="en-US" b="0" i="0" dirty="0" smtClean="0">
-                        <a:solidFill>
-                          <a:srgbClr val="C00000"/>
-                        </a:solidFill>
-                        <a:latin typeface="Cambria Math" panose="02040503050406030204" pitchFamily="18" charset="0"/>
-                      </a:rPr>
-                      <m:t>E</m:t>
-                    </m:r>
-                    <m:d>
-                      <m:dPr>
-                        <m:begChr m:val="["/>
-                        <m:endChr m:val="]"/>
-                        <m:ctrlPr>
-                          <a:rPr lang="en-US" b="0" i="1" dirty="0" smtClean="0">
-                            <a:solidFill>
-                              <a:srgbClr val="C00000"/>
-                            </a:solidFill>
-                            <a:latin typeface="Cambria Math" panose="02040503050406030204" pitchFamily="18" charset="0"/>
-                          </a:rPr>
-                        </m:ctrlPr>
-                      </m:dPr>
-                      <m:e>
-                        <m:r>
-                          <a:rPr lang="en-US" b="0" i="1" dirty="0" smtClean="0">
-                            <a:solidFill>
-                              <a:srgbClr val="C00000"/>
-                            </a:solidFill>
-                            <a:latin typeface="Cambria Math" panose="02040503050406030204" pitchFamily="18" charset="0"/>
-                          </a:rPr>
-                          <m:t>𝑋</m:t>
-                        </m:r>
-                      </m:e>
-                    </m:d>
-                    <m:r>
-                      <a:rPr lang="en-US" b="0" i="1" dirty="0" smtClean="0">
-                        <a:solidFill>
-                          <a:srgbClr val="C00000"/>
-                        </a:solidFill>
-                        <a:latin typeface="Cambria Math" panose="02040503050406030204" pitchFamily="18" charset="0"/>
-                      </a:rPr>
-                      <m:t>=</m:t>
-                    </m:r>
-                    <m:r>
-                      <a:rPr lang="en-US" b="0" i="1" dirty="0" smtClean="0">
-                        <a:solidFill>
-                          <a:srgbClr val="C00000"/>
-                        </a:solidFill>
-                        <a:latin typeface="Cambria Math" panose="02040503050406030204" pitchFamily="18" charset="0"/>
-                      </a:rPr>
-                      <m:t>𝑍</m:t>
-                    </m:r>
-                  </m:oMath>
-                </a14:m>
-                <a:r>
-                  <a:rPr lang="en-US" dirty="0"/>
-                  <a:t> and </a:t>
-                </a:r>
-                <a14:m>
-                  <m:oMath xmlns:m="http://schemas.openxmlformats.org/officeDocument/2006/math">
-                    <m:r>
-                      <m:rPr>
-                        <m:sty m:val="p"/>
-                      </m:rPr>
-                      <a:rPr lang="en-US" b="0" i="0" dirty="0" smtClean="0">
-                        <a:solidFill>
-                          <a:srgbClr val="C00000"/>
-                        </a:solidFill>
-                        <a:latin typeface="Cambria Math" panose="02040503050406030204" pitchFamily="18" charset="0"/>
-                      </a:rPr>
-                      <m:t>Var</m:t>
-                    </m:r>
-                    <m:d>
-                      <m:dPr>
-                        <m:begChr m:val="["/>
-                        <m:endChr m:val="]"/>
-                        <m:ctrlPr>
-                          <a:rPr lang="en-US" b="0" i="1" dirty="0" smtClean="0">
-                            <a:solidFill>
-                              <a:srgbClr val="C00000"/>
-                            </a:solidFill>
-                            <a:latin typeface="Cambria Math" panose="02040503050406030204" pitchFamily="18" charset="0"/>
-                          </a:rPr>
-                        </m:ctrlPr>
-                      </m:dPr>
-                      <m:e>
-                        <m:r>
-                          <a:rPr lang="en-US" b="0" i="1" dirty="0" smtClean="0">
-                            <a:solidFill>
-                              <a:srgbClr val="C00000"/>
-                            </a:solidFill>
-                            <a:latin typeface="Cambria Math" panose="02040503050406030204" pitchFamily="18" charset="0"/>
-                          </a:rPr>
-                          <m:t>𝑋</m:t>
-                        </m:r>
-                      </m:e>
-                    </m:d>
-                    <m:r>
-                      <a:rPr lang="en-US" b="0" i="1" dirty="0" smtClean="0">
-                        <a:solidFill>
-                          <a:srgbClr val="C00000"/>
-                        </a:solidFill>
-                        <a:latin typeface="Cambria Math" panose="02040503050406030204" pitchFamily="18" charset="0"/>
-                      </a:rPr>
-                      <m:t>=100</m:t>
-                    </m:r>
-                    <m:sSup>
-                      <m:sSupPr>
-                        <m:ctrlPr>
-                          <a:rPr lang="en-US" b="0" i="1" dirty="0" smtClean="0">
-                            <a:solidFill>
-                              <a:srgbClr val="C00000"/>
-                            </a:solidFill>
-                            <a:latin typeface="Cambria Math" panose="02040503050406030204" pitchFamily="18" charset="0"/>
-                          </a:rPr>
-                        </m:ctrlPr>
-                      </m:sSupPr>
-                      <m:e>
-                        <m:r>
-                          <a:rPr lang="en-US" b="0" i="1" dirty="0" smtClean="0">
-                            <a:solidFill>
-                              <a:srgbClr val="C00000"/>
-                            </a:solidFill>
-                            <a:latin typeface="Cambria Math" panose="02040503050406030204" pitchFamily="18" charset="0"/>
-                          </a:rPr>
-                          <m:t>𝑍</m:t>
-                        </m:r>
-                      </m:e>
-                      <m:sup>
-                        <m:r>
-                          <a:rPr lang="en-US" b="0" i="1" dirty="0" smtClean="0">
-                            <a:solidFill>
-                              <a:srgbClr val="C00000"/>
-                            </a:solidFill>
-                            <a:latin typeface="Cambria Math" panose="02040503050406030204" pitchFamily="18" charset="0"/>
-                          </a:rPr>
-                          <m:t>2</m:t>
-                        </m:r>
-                      </m:sup>
-                    </m:sSup>
-                  </m:oMath>
-                </a14:m>
-                <a:endParaRPr lang="en-US" dirty="0"/>
-              </a:p>
-              <a:p>
-                <a:r>
-                  <a:rPr lang="en-US" dirty="0"/>
-                  <a:t>Suppose we want to estimate </a:t>
-                </a:r>
-                <a14:m>
-                  <m:oMath xmlns:m="http://schemas.openxmlformats.org/officeDocument/2006/math">
-                    <m:r>
-                      <a:rPr lang="en-US" b="0" i="1" dirty="0" smtClean="0">
-                        <a:solidFill>
-                          <a:srgbClr val="C00000"/>
-                        </a:solidFill>
-                        <a:latin typeface="Cambria Math" panose="02040503050406030204" pitchFamily="18" charset="0"/>
-                      </a:rPr>
-                      <m:t>𝑍</m:t>
-                    </m:r>
-                  </m:oMath>
-                </a14:m>
-                <a:r>
-                  <a:rPr lang="en-US" dirty="0"/>
-                  <a:t> to accuracy </a:t>
-                </a:r>
-                <a14:m>
-                  <m:oMath xmlns:m="http://schemas.openxmlformats.org/officeDocument/2006/math">
-                    <m:r>
-                      <a:rPr lang="en-US" b="0" i="1" dirty="0" smtClean="0">
-                        <a:solidFill>
-                          <a:srgbClr val="C00000"/>
-                        </a:solidFill>
-                        <a:latin typeface="Cambria Math" panose="02040503050406030204" pitchFamily="18" charset="0"/>
-                      </a:rPr>
-                      <m:t>𝜀</m:t>
-                    </m:r>
-                  </m:oMath>
-                </a14:m>
-                <a:r>
-                  <a:rPr lang="en-US" dirty="0"/>
-                  <a:t>, with probability </a:t>
-                </a:r>
-                <a14:m>
-                  <m:oMath xmlns:m="http://schemas.openxmlformats.org/officeDocument/2006/math">
-                    <m:r>
-                      <a:rPr lang="en-US" dirty="0">
-                        <a:solidFill>
-                          <a:srgbClr val="C00000"/>
-                        </a:solidFill>
-                        <a:latin typeface="Cambria Math" panose="02040503050406030204" pitchFamily="18" charset="0"/>
-                      </a:rPr>
-                      <m:t>1−</m:t>
-                    </m:r>
-                    <m:r>
-                      <a:rPr lang="en-US" i="1" dirty="0">
-                        <a:solidFill>
-                          <a:srgbClr val="C00000"/>
-                        </a:solidFill>
-                        <a:latin typeface="Cambria Math" panose="02040503050406030204" pitchFamily="18" charset="0"/>
-                      </a:rPr>
-                      <m:t>𝛿</m:t>
-                    </m:r>
-                  </m:oMath>
-                </a14:m>
-                <a:endParaRPr lang="en-US" dirty="0"/>
-              </a:p>
-              <a:p>
-                <a:pPr>
-                  <a:buClr>
-                    <a:schemeClr val="tx1"/>
-                  </a:buClr>
-                </a:pPr>
-                <a:endParaRPr lang="en-US" dirty="0"/>
-              </a:p>
-              <a:p>
-                <a:pPr>
-                  <a:buClr>
-                    <a:schemeClr val="tx1"/>
-                  </a:buClr>
-                </a:pPr>
-                <a:endParaRPr lang="en-US" dirty="0"/>
-              </a:p>
-              <a:p>
-                <a:pPr>
-                  <a:buClr>
-                    <a:schemeClr val="tx1"/>
-                  </a:buClr>
-                </a:pPr>
-                <a:endParaRPr lang="en-US" dirty="0"/>
-              </a:p>
-              <a:p>
-                <a:pPr>
-                  <a:buClr>
-                    <a:schemeClr val="tx1"/>
-                  </a:buClr>
-                </a:pPr>
-                <a:endParaRPr lang="en-US" dirty="0"/>
-              </a:p>
-            </p:txBody>
-          </p:sp>
-        </mc:Choice>
-        <mc:Fallback>
-          <p:sp>
-            <p:nvSpPr>
-              <p:cNvPr id="3" name="Content Placeholder 2">
-                <a:extLst>
-                  <a:ext uri="{FF2B5EF4-FFF2-40B4-BE49-F238E27FC236}">
-                    <a16:creationId xmlns:a16="http://schemas.microsoft.com/office/drawing/2014/main" id="{6666941B-6AAA-DFD0-8896-ACB1B4FE2AC6}"/>
-                  </a:ext>
-                </a:extLst>
-              </p:cNvPr>
-              <p:cNvSpPr>
-                <a:spLocks noGrp="1" noRot="1" noChangeAspect="1" noMove="1" noResize="1" noEditPoints="1" noAdjustHandles="1" noChangeArrowheads="1" noChangeShapeType="1" noTextEdit="1"/>
-              </p:cNvSpPr>
-              <p:nvPr>
-                <p:ph idx="1"/>
-              </p:nvPr>
-            </p:nvSpPr>
-            <p:spPr>
-              <a:xfrm>
-                <a:off x="838200" y="1825625"/>
-                <a:ext cx="10515600" cy="4667250"/>
-              </a:xfrm>
-              <a:blipFill>
-                <a:blip r:embed="rId2"/>
-                <a:stretch>
-                  <a:fillRect l="-1043" t="-2089"/>
-                </a:stretch>
-              </a:blipFill>
-            </p:spPr>
-            <p:txBody>
-              <a:bodyPr/>
-              <a:lstStyle/>
-              <a:p>
-                <a:r>
-                  <a:rPr lang="en-US">
-                    <a:noFill/>
-                  </a:rPr>
-                  <a:t> </a:t>
-                </a:r>
-              </a:p>
-            </p:txBody>
-          </p:sp>
-        </mc:Fallback>
-      </mc:AlternateContent>
-    </p:spTree>
-    <p:extLst>
-      <p:ext uri="{BB962C8B-B14F-4D97-AF65-F5344CB8AC3E}">
-        <p14:creationId xmlns:p14="http://schemas.microsoft.com/office/powerpoint/2010/main" val="1731458526"/>
       </p:ext>
     </p:extLst>
   </p:cSld>
@@ -26089,7 +25190,7 @@
                   <a:srgbClr val="C00000"/>
                 </a:solidFill>
               </a:rPr>
-              <a:t>Expected Value</a:t>
+              <a:t>Last Time: Expected Value</a:t>
             </a:r>
             <a:endParaRPr lang="en-US" dirty="0"/>
           </a:p>
@@ -26393,8 +25494,8 @@
           </p:sp>
         </mc:Fallback>
       </mc:AlternateContent>
-      <mc:AlternateContent xmlns:mc="http://schemas.openxmlformats.org/markup-compatibility/2006">
-        <mc:Choice xmlns:a14="http://schemas.microsoft.com/office/drawing/2010/main" Requires="a14">
+      <mc:AlternateContent xmlns:mc="http://schemas.openxmlformats.org/markup-compatibility/2006" xmlns:a14="http://schemas.microsoft.com/office/drawing/2010/main">
+        <mc:Choice Requires="a14">
           <p:sp>
             <p:nvSpPr>
               <p:cNvPr id="5" name="TextBox 4">
@@ -26609,7 +25710,7 @@
             </p:txBody>
           </p:sp>
         </mc:Choice>
-        <mc:Fallback>
+        <mc:Fallback xmlns="">
           <p:sp>
             <p:nvSpPr>
               <p:cNvPr id="5" name="TextBox 4">
@@ -26711,14 +25812,1250 @@
                   <a:srgbClr val="C00000"/>
                 </a:solidFill>
               </a:rPr>
+              <a:t>Use Case</a:t>
+            </a:r>
+            <a:endParaRPr lang="en-US" dirty="0"/>
+          </a:p>
+        </p:txBody>
+      </p:sp>
+      <mc:AlternateContent xmlns:mc="http://schemas.openxmlformats.org/markup-compatibility/2006" xmlns:a14="http://schemas.microsoft.com/office/drawing/2010/main">
+        <mc:Choice Requires="a14">
+          <p:sp>
+            <p:nvSpPr>
+              <p:cNvPr id="3" name="Content Placeholder 2">
+                <a:extLst>
+                  <a:ext uri="{FF2B5EF4-FFF2-40B4-BE49-F238E27FC236}">
+                    <a16:creationId xmlns:a16="http://schemas.microsoft.com/office/drawing/2014/main" id="{6666941B-6AAA-DFD0-8896-ACB1B4FE2AC6}"/>
+                  </a:ext>
+                </a:extLst>
+              </p:cNvPr>
+              <p:cNvSpPr>
+                <a:spLocks noGrp="1"/>
+              </p:cNvSpPr>
+              <p:nvPr>
+                <p:ph idx="1"/>
+              </p:nvPr>
+            </p:nvSpPr>
+            <p:spPr>
+              <a:xfrm>
+                <a:off x="838200" y="1825625"/>
+                <a:ext cx="10515600" cy="4667250"/>
+              </a:xfrm>
+            </p:spPr>
+            <p:txBody>
+              <a:bodyPr>
+                <a:normAutofit/>
+              </a:bodyPr>
+              <a:lstStyle/>
+              <a:p>
+                <a:r>
+                  <a:rPr lang="en-US" dirty="0"/>
+                  <a:t>Suppose we design a randomized algorithm </a:t>
+                </a:r>
+                <a14:m>
+                  <m:oMath xmlns:m="http://schemas.openxmlformats.org/officeDocument/2006/math">
+                    <m:r>
+                      <a:rPr lang="en-US" sz="2800" b="0" i="1" dirty="0" smtClean="0">
+                        <a:solidFill>
+                          <a:srgbClr val="C00000"/>
+                        </a:solidFill>
+                        <a:latin typeface="Cambria Math" panose="02040503050406030204" pitchFamily="18" charset="0"/>
+                      </a:rPr>
+                      <m:t>𝐴</m:t>
+                    </m:r>
+                  </m:oMath>
+                </a14:m>
+                <a:r>
+                  <a:rPr lang="en-US" dirty="0"/>
+                  <a:t> that outputs a real number </a:t>
+                </a:r>
+                <a14:m>
+                  <m:oMath xmlns:m="http://schemas.openxmlformats.org/officeDocument/2006/math">
+                    <m:r>
+                      <a:rPr lang="en-US" b="0" i="1" dirty="0" smtClean="0">
+                        <a:solidFill>
+                          <a:srgbClr val="C00000"/>
+                        </a:solidFill>
+                        <a:latin typeface="Cambria Math" panose="02040503050406030204" pitchFamily="18" charset="0"/>
+                      </a:rPr>
+                      <m:t>𝑍</m:t>
+                    </m:r>
+                  </m:oMath>
+                </a14:m>
+                <a:r>
+                  <a:rPr lang="en-US" dirty="0"/>
+                  <a:t> that is “correct” with probability </a:t>
+                </a:r>
+                <a14:m>
+                  <m:oMath xmlns:m="http://schemas.openxmlformats.org/officeDocument/2006/math">
+                    <m:f>
+                      <m:fPr>
+                        <m:ctrlPr>
+                          <a:rPr lang="en-US" i="1" dirty="0">
+                            <a:solidFill>
+                              <a:srgbClr val="C00000"/>
+                            </a:solidFill>
+                            <a:latin typeface="Cambria Math" panose="02040503050406030204" pitchFamily="18" charset="0"/>
+                          </a:rPr>
+                        </m:ctrlPr>
+                      </m:fPr>
+                      <m:num>
+                        <m:r>
+                          <a:rPr lang="en-US" i="1" dirty="0">
+                            <a:solidFill>
+                              <a:srgbClr val="C00000"/>
+                            </a:solidFill>
+                            <a:latin typeface="Cambria Math" panose="02040503050406030204" pitchFamily="18" charset="0"/>
+                          </a:rPr>
+                          <m:t>2</m:t>
+                        </m:r>
+                      </m:num>
+                      <m:den>
+                        <m:r>
+                          <a:rPr lang="en-US" i="1" dirty="0">
+                            <a:solidFill>
+                              <a:srgbClr val="C00000"/>
+                            </a:solidFill>
+                            <a:latin typeface="Cambria Math" panose="02040503050406030204" pitchFamily="18" charset="0"/>
+                          </a:rPr>
+                          <m:t>3</m:t>
+                        </m:r>
+                      </m:den>
+                    </m:f>
+                  </m:oMath>
+                </a14:m>
+                <a:r>
+                  <a:rPr lang="en-US" dirty="0"/>
+                  <a:t>, e.g., </a:t>
+                </a:r>
+                <a14:m>
+                  <m:oMath xmlns:m="http://schemas.openxmlformats.org/officeDocument/2006/math">
+                    <m:r>
+                      <a:rPr lang="en-US" b="0" i="1" dirty="0" smtClean="0">
+                        <a:solidFill>
+                          <a:srgbClr val="C00000"/>
+                        </a:solidFill>
+                        <a:latin typeface="Cambria Math" panose="02040503050406030204" pitchFamily="18" charset="0"/>
+                      </a:rPr>
+                      <m:t>𝑍</m:t>
+                    </m:r>
+                    <m:r>
+                      <a:rPr lang="en-US" b="0" i="1" dirty="0" smtClean="0">
+                        <a:solidFill>
+                          <a:srgbClr val="C00000"/>
+                        </a:solidFill>
+                        <a:latin typeface="Cambria Math" panose="02040503050406030204" pitchFamily="18" charset="0"/>
+                      </a:rPr>
+                      <m:t>∈{0,1}</m:t>
+                    </m:r>
+                  </m:oMath>
+                </a14:m>
+                <a:endParaRPr lang="en-US" dirty="0"/>
+              </a:p>
+              <a:p>
+                <a:pPr marL="0" indent="0">
+                  <a:buNone/>
+                </a:pPr>
+                <a:endParaRPr lang="en-US" dirty="0"/>
+              </a:p>
+              <a:p>
+                <a:pPr marL="0" indent="0">
+                  <a:buNone/>
+                </a:pPr>
+                <a:endParaRPr lang="en-US" dirty="0"/>
+              </a:p>
+              <a:p>
+                <a:r>
+                  <a:rPr lang="en-US" dirty="0"/>
+                  <a:t>Suppose we want to be correct with probability </a:t>
+                </a:r>
+                <a14:m>
+                  <m:oMath xmlns:m="http://schemas.openxmlformats.org/officeDocument/2006/math">
+                    <m:r>
+                      <a:rPr lang="en-US" dirty="0">
+                        <a:solidFill>
+                          <a:srgbClr val="C00000"/>
+                        </a:solidFill>
+                        <a:latin typeface="Cambria Math" panose="02040503050406030204" pitchFamily="18" charset="0"/>
+                      </a:rPr>
+                      <m:t>0.999</m:t>
+                    </m:r>
+                  </m:oMath>
+                </a14:m>
+                <a:r>
+                  <a:rPr lang="en-US" dirty="0"/>
+                  <a:t> or </a:t>
+                </a:r>
+                <a14:m>
+                  <m:oMath xmlns:m="http://schemas.openxmlformats.org/officeDocument/2006/math">
+                    <m:r>
+                      <a:rPr lang="en-US" b="0" i="1" dirty="0" smtClean="0">
+                        <a:solidFill>
+                          <a:srgbClr val="C00000"/>
+                        </a:solidFill>
+                        <a:latin typeface="Cambria Math" panose="02040503050406030204" pitchFamily="18" charset="0"/>
+                      </a:rPr>
+                      <m:t>1−</m:t>
+                    </m:r>
+                    <m:f>
+                      <m:fPr>
+                        <m:ctrlPr>
+                          <a:rPr lang="en-US" b="0" i="1" dirty="0" smtClean="0">
+                            <a:solidFill>
+                              <a:srgbClr val="C00000"/>
+                            </a:solidFill>
+                            <a:latin typeface="Cambria Math" panose="02040503050406030204" pitchFamily="18" charset="0"/>
+                          </a:rPr>
+                        </m:ctrlPr>
+                      </m:fPr>
+                      <m:num>
+                        <m:r>
+                          <a:rPr lang="en-US" b="0" i="1" dirty="0" smtClean="0">
+                            <a:solidFill>
+                              <a:srgbClr val="C00000"/>
+                            </a:solidFill>
+                            <a:latin typeface="Cambria Math" panose="02040503050406030204" pitchFamily="18" charset="0"/>
+                          </a:rPr>
+                          <m:t>1</m:t>
+                        </m:r>
+                      </m:num>
+                      <m:den>
+                        <m:sSup>
+                          <m:sSupPr>
+                            <m:ctrlPr>
+                              <a:rPr lang="en-US" b="0" i="1" dirty="0" smtClean="0">
+                                <a:solidFill>
+                                  <a:srgbClr val="C00000"/>
+                                </a:solidFill>
+                                <a:latin typeface="Cambria Math" panose="02040503050406030204" pitchFamily="18" charset="0"/>
+                              </a:rPr>
+                            </m:ctrlPr>
+                          </m:sSupPr>
+                          <m:e>
+                            <m:r>
+                              <a:rPr lang="en-US" b="0" i="1" dirty="0" smtClean="0">
+                                <a:solidFill>
+                                  <a:srgbClr val="C00000"/>
+                                </a:solidFill>
+                                <a:latin typeface="Cambria Math" panose="02040503050406030204" pitchFamily="18" charset="0"/>
+                              </a:rPr>
+                              <m:t>𝑛</m:t>
+                            </m:r>
+                          </m:e>
+                          <m:sup>
+                            <m:r>
+                              <a:rPr lang="en-US" b="0" i="1" dirty="0" smtClean="0">
+                                <a:solidFill>
+                                  <a:srgbClr val="C00000"/>
+                                </a:solidFill>
+                                <a:latin typeface="Cambria Math" panose="02040503050406030204" pitchFamily="18" charset="0"/>
+                              </a:rPr>
+                              <m:t>2</m:t>
+                            </m:r>
+                          </m:sup>
+                        </m:sSup>
+                      </m:den>
+                    </m:f>
+                  </m:oMath>
+                </a14:m>
+                <a:r>
+                  <a:rPr lang="en-US" dirty="0"/>
+                  <a:t> or </a:t>
+                </a:r>
+                <a14:m>
+                  <m:oMath xmlns:m="http://schemas.openxmlformats.org/officeDocument/2006/math">
+                    <m:r>
+                      <a:rPr lang="en-US" b="0" i="0" dirty="0" smtClean="0">
+                        <a:solidFill>
+                          <a:srgbClr val="C00000"/>
+                        </a:solidFill>
+                        <a:latin typeface="Cambria Math" panose="02040503050406030204" pitchFamily="18" charset="0"/>
+                      </a:rPr>
+                      <m:t>1−</m:t>
+                    </m:r>
+                    <m:r>
+                      <a:rPr lang="en-US" b="0" i="1" dirty="0" smtClean="0">
+                        <a:solidFill>
+                          <a:srgbClr val="C00000"/>
+                        </a:solidFill>
+                        <a:latin typeface="Cambria Math" panose="02040503050406030204" pitchFamily="18" charset="0"/>
+                      </a:rPr>
+                      <m:t>𝛿</m:t>
+                    </m:r>
+                  </m:oMath>
+                </a14:m>
+                <a:endParaRPr lang="en-US" dirty="0"/>
+              </a:p>
+              <a:p>
+                <a:endParaRPr lang="en-US" dirty="0"/>
+              </a:p>
+              <a:p>
+                <a:endParaRPr lang="en-US" dirty="0"/>
+              </a:p>
+              <a:p>
+                <a:r>
+                  <a:rPr lang="en-US" dirty="0"/>
+                  <a:t>What can we do?</a:t>
+                </a:r>
+              </a:p>
+            </p:txBody>
+          </p:sp>
+        </mc:Choice>
+        <mc:Fallback xmlns="">
+          <p:sp>
+            <p:nvSpPr>
+              <p:cNvPr id="3" name="Content Placeholder 2">
+                <a:extLst>
+                  <a:ext uri="{FF2B5EF4-FFF2-40B4-BE49-F238E27FC236}">
+                    <a16:creationId xmlns:a16="http://schemas.microsoft.com/office/drawing/2014/main" id="{6666941B-6AAA-DFD0-8896-ACB1B4FE2AC6}"/>
+                  </a:ext>
+                </a:extLst>
+              </p:cNvPr>
+              <p:cNvSpPr>
+                <a:spLocks noGrp="1" noRot="1" noChangeAspect="1" noMove="1" noResize="1" noEditPoints="1" noAdjustHandles="1" noChangeArrowheads="1" noChangeShapeType="1" noTextEdit="1"/>
+              </p:cNvSpPr>
+              <p:nvPr>
+                <p:ph idx="1"/>
+              </p:nvPr>
+            </p:nvSpPr>
+            <p:spPr>
+              <a:xfrm>
+                <a:off x="838200" y="1825625"/>
+                <a:ext cx="10515600" cy="4667250"/>
+              </a:xfrm>
+              <a:blipFill>
+                <a:blip r:embed="rId2"/>
+                <a:stretch>
+                  <a:fillRect l="-1043" t="-2089" b="-2872"/>
+                </a:stretch>
+              </a:blipFill>
+            </p:spPr>
+            <p:txBody>
+              <a:bodyPr/>
+              <a:lstStyle/>
+              <a:p>
+                <a:r>
+                  <a:rPr lang="en-US">
+                    <a:noFill/>
+                  </a:rPr>
+                  <a:t> </a:t>
+                </a:r>
+              </a:p>
+            </p:txBody>
+          </p:sp>
+        </mc:Fallback>
+      </mc:AlternateContent>
+    </p:spTree>
+    <p:extLst>
+      <p:ext uri="{BB962C8B-B14F-4D97-AF65-F5344CB8AC3E}">
+        <p14:creationId xmlns:p14="http://schemas.microsoft.com/office/powerpoint/2010/main" val="1904914413"/>
+      </p:ext>
+    </p:extLst>
+  </p:cSld>
+  <p:clrMapOvr>
+    <a:masterClrMapping/>
+  </p:clrMapOvr>
+</p:sld>
+</file>
+
+<file path=ppt/slides/slide41.xml><?xml version="1.0" encoding="utf-8"?>
+<p:sld xmlns:a="http://schemas.openxmlformats.org/drawingml/2006/main" xmlns:r="http://schemas.openxmlformats.org/officeDocument/2006/relationships" xmlns:p="http://schemas.openxmlformats.org/presentationml/2006/main">
+  <p:cSld>
+    <p:spTree>
+      <p:nvGrpSpPr>
+        <p:cNvPr id="1" name=""/>
+        <p:cNvGrpSpPr/>
+        <p:nvPr/>
+      </p:nvGrpSpPr>
+      <p:grpSpPr>
+        <a:xfrm>
+          <a:off x="0" y="0"/>
+          <a:ext cx="0" cy="0"/>
+          <a:chOff x="0" y="0"/>
+          <a:chExt cx="0" cy="0"/>
+        </a:xfrm>
+      </p:grpSpPr>
+      <p:sp>
+        <p:nvSpPr>
+          <p:cNvPr id="2" name="Title 1">
+            <a:extLst>
+              <a:ext uri="{FF2B5EF4-FFF2-40B4-BE49-F238E27FC236}">
+                <a16:creationId xmlns:a16="http://schemas.microsoft.com/office/drawing/2014/main" id="{A49DDC00-2744-B7F9-8394-609BE1AEC413}"/>
+              </a:ext>
+            </a:extLst>
+          </p:cNvPr>
+          <p:cNvSpPr>
+            <a:spLocks noGrp="1"/>
+          </p:cNvSpPr>
+          <p:nvPr>
+            <p:ph type="title"/>
+          </p:nvPr>
+        </p:nvSpPr>
+        <p:spPr/>
+        <p:txBody>
+          <a:bodyPr/>
+          <a:lstStyle/>
+          <a:p>
+            <a:r>
+              <a:rPr lang="en-US" dirty="0">
+                <a:solidFill>
+                  <a:srgbClr val="C00000"/>
+                </a:solidFill>
+              </a:rPr>
+              <a:t>Success Boosting</a:t>
+            </a:r>
+            <a:endParaRPr lang="en-US" dirty="0"/>
+          </a:p>
+        </p:txBody>
+      </p:sp>
+      <mc:AlternateContent xmlns:mc="http://schemas.openxmlformats.org/markup-compatibility/2006" xmlns:a14="http://schemas.microsoft.com/office/drawing/2010/main">
+        <mc:Choice Requires="a14">
+          <p:sp>
+            <p:nvSpPr>
+              <p:cNvPr id="3" name="Content Placeholder 2">
+                <a:extLst>
+                  <a:ext uri="{FF2B5EF4-FFF2-40B4-BE49-F238E27FC236}">
+                    <a16:creationId xmlns:a16="http://schemas.microsoft.com/office/drawing/2014/main" id="{6666941B-6AAA-DFD0-8896-ACB1B4FE2AC6}"/>
+                  </a:ext>
+                </a:extLst>
+              </p:cNvPr>
+              <p:cNvSpPr>
+                <a:spLocks noGrp="1"/>
+              </p:cNvSpPr>
+              <p:nvPr>
+                <p:ph idx="1"/>
+              </p:nvPr>
+            </p:nvSpPr>
+            <p:spPr>
+              <a:xfrm>
+                <a:off x="838200" y="1825625"/>
+                <a:ext cx="10515600" cy="4667250"/>
+              </a:xfrm>
+            </p:spPr>
+            <p:txBody>
+              <a:bodyPr>
+                <a:normAutofit/>
+              </a:bodyPr>
+              <a:lstStyle/>
+              <a:p>
+                <a:pPr>
+                  <a:buClr>
+                    <a:schemeClr val="tx1"/>
+                  </a:buClr>
+                </a:pPr>
+                <a:r>
+                  <a:rPr lang="en-US" dirty="0">
+                    <a:solidFill>
+                      <a:srgbClr val="00B050"/>
+                    </a:solidFill>
+                  </a:rPr>
+                  <a:t>Chernoff bounds</a:t>
+                </a:r>
+                <a:r>
+                  <a:rPr lang="en-US" dirty="0"/>
+                  <a:t>: Run the algorithm </a:t>
+                </a:r>
+                <a14:m>
+                  <m:oMath xmlns:m="http://schemas.openxmlformats.org/officeDocument/2006/math">
+                    <m:r>
+                      <a:rPr lang="en-US" b="0" i="1" dirty="0" smtClean="0">
+                        <a:solidFill>
+                          <a:srgbClr val="C00000"/>
+                        </a:solidFill>
+                        <a:latin typeface="Cambria Math" panose="02040503050406030204" pitchFamily="18" charset="0"/>
+                      </a:rPr>
+                      <m:t>𝐴</m:t>
+                    </m:r>
+                  </m:oMath>
+                </a14:m>
+                <a:r>
+                  <a:rPr lang="en-US" dirty="0"/>
+                  <a:t> a total of </a:t>
+                </a:r>
+                <a14:m>
+                  <m:oMath xmlns:m="http://schemas.openxmlformats.org/officeDocument/2006/math">
+                    <m:r>
+                      <a:rPr lang="en-US" b="0" i="1" dirty="0" smtClean="0">
+                        <a:solidFill>
+                          <a:srgbClr val="C00000"/>
+                        </a:solidFill>
+                        <a:latin typeface="Cambria Math" panose="02040503050406030204" pitchFamily="18" charset="0"/>
+                      </a:rPr>
+                      <m:t>𝑂</m:t>
+                    </m:r>
+                    <m:d>
+                      <m:dPr>
+                        <m:ctrlPr>
+                          <a:rPr lang="en-US" b="0" i="1" dirty="0" smtClean="0">
+                            <a:solidFill>
+                              <a:srgbClr val="C00000"/>
+                            </a:solidFill>
+                            <a:latin typeface="Cambria Math" panose="02040503050406030204" pitchFamily="18" charset="0"/>
+                          </a:rPr>
+                        </m:ctrlPr>
+                      </m:dPr>
+                      <m:e>
+                        <m:func>
+                          <m:funcPr>
+                            <m:ctrlPr>
+                              <a:rPr lang="en-US" b="0" i="1" dirty="0" smtClean="0">
+                                <a:solidFill>
+                                  <a:srgbClr val="C00000"/>
+                                </a:solidFill>
+                                <a:latin typeface="Cambria Math" panose="02040503050406030204" pitchFamily="18" charset="0"/>
+                              </a:rPr>
+                            </m:ctrlPr>
+                          </m:funcPr>
+                          <m:fName>
+                            <m:r>
+                              <m:rPr>
+                                <m:sty m:val="p"/>
+                              </m:rPr>
+                              <a:rPr lang="en-US" b="0" i="0" dirty="0" smtClean="0">
+                                <a:solidFill>
+                                  <a:srgbClr val="C00000"/>
+                                </a:solidFill>
+                                <a:latin typeface="Cambria Math" panose="02040503050406030204" pitchFamily="18" charset="0"/>
+                              </a:rPr>
+                              <m:t>log</m:t>
+                            </m:r>
+                          </m:fName>
+                          <m:e>
+                            <m:f>
+                              <m:fPr>
+                                <m:ctrlPr>
+                                  <a:rPr lang="en-US" b="0" i="1" dirty="0" smtClean="0">
+                                    <a:solidFill>
+                                      <a:srgbClr val="C00000"/>
+                                    </a:solidFill>
+                                    <a:latin typeface="Cambria Math" panose="02040503050406030204" pitchFamily="18" charset="0"/>
+                                  </a:rPr>
+                                </m:ctrlPr>
+                              </m:fPr>
+                              <m:num>
+                                <m:r>
+                                  <a:rPr lang="en-US" b="0" i="1" dirty="0" smtClean="0">
+                                    <a:solidFill>
+                                      <a:srgbClr val="C00000"/>
+                                    </a:solidFill>
+                                    <a:latin typeface="Cambria Math" panose="02040503050406030204" pitchFamily="18" charset="0"/>
+                                  </a:rPr>
+                                  <m:t>1</m:t>
+                                </m:r>
+                              </m:num>
+                              <m:den>
+                                <m:r>
+                                  <a:rPr lang="en-US" b="0" i="1" dirty="0" smtClean="0">
+                                    <a:solidFill>
+                                      <a:srgbClr val="C00000"/>
+                                    </a:solidFill>
+                                    <a:latin typeface="Cambria Math" panose="02040503050406030204" pitchFamily="18" charset="0"/>
+                                  </a:rPr>
+                                  <m:t>𝛿</m:t>
+                                </m:r>
+                              </m:den>
+                            </m:f>
+                          </m:e>
+                        </m:func>
+                      </m:e>
+                    </m:d>
+                  </m:oMath>
+                </a14:m>
+                <a:r>
+                  <a:rPr lang="en-US" dirty="0"/>
+                  <a:t> times and take the median. It will be correct with probability </a:t>
+                </a:r>
+                <a14:m>
+                  <m:oMath xmlns:m="http://schemas.openxmlformats.org/officeDocument/2006/math">
+                    <m:r>
+                      <a:rPr lang="en-US" dirty="0">
+                        <a:solidFill>
+                          <a:srgbClr val="C00000"/>
+                        </a:solidFill>
+                        <a:latin typeface="Cambria Math" panose="02040503050406030204" pitchFamily="18" charset="0"/>
+                      </a:rPr>
+                      <m:t>1−</m:t>
+                    </m:r>
+                    <m:r>
+                      <a:rPr lang="en-US" i="1" dirty="0">
+                        <a:solidFill>
+                          <a:srgbClr val="C00000"/>
+                        </a:solidFill>
+                        <a:latin typeface="Cambria Math" panose="02040503050406030204" pitchFamily="18" charset="0"/>
+                      </a:rPr>
+                      <m:t>𝛿</m:t>
+                    </m:r>
+                  </m:oMath>
+                </a14:m>
+                <a:endParaRPr lang="en-US" dirty="0"/>
+              </a:p>
+              <a:p>
+                <a:pPr marL="0" indent="0">
+                  <a:buClr>
+                    <a:schemeClr val="tx1"/>
+                  </a:buClr>
+                  <a:buNone/>
+                </a:pPr>
+                <a:endParaRPr lang="en-US" dirty="0"/>
+              </a:p>
+              <a:p>
+                <a:pPr>
+                  <a:buClr>
+                    <a:schemeClr val="tx1"/>
+                  </a:buClr>
+                </a:pPr>
+                <a:endParaRPr lang="en-US" dirty="0"/>
+              </a:p>
+              <a:p>
+                <a:pPr marL="0" indent="0">
+                  <a:buClr>
+                    <a:schemeClr val="tx1"/>
+                  </a:buClr>
+                  <a:buNone/>
+                </a:pPr>
+                <a:endParaRPr lang="en-US" dirty="0"/>
+              </a:p>
+              <a:p>
+                <a:pPr>
+                  <a:buClr>
+                    <a:schemeClr val="tx1"/>
+                  </a:buClr>
+                </a:pPr>
+                <a:endParaRPr lang="en-US" dirty="0"/>
+              </a:p>
+              <a:p>
+                <a:pPr>
+                  <a:buClr>
+                    <a:schemeClr val="tx1"/>
+                  </a:buClr>
+                </a:pPr>
+                <a:endParaRPr lang="en-US" dirty="0"/>
+              </a:p>
+              <a:p>
+                <a:pPr>
+                  <a:buClr>
+                    <a:schemeClr val="tx1"/>
+                  </a:buClr>
+                </a:pPr>
+                <a:endParaRPr lang="en-US" dirty="0"/>
+              </a:p>
+              <a:p>
+                <a:pPr>
+                  <a:buClr>
+                    <a:schemeClr val="tx1"/>
+                  </a:buClr>
+                </a:pPr>
+                <a:endParaRPr lang="en-US" dirty="0"/>
+              </a:p>
+            </p:txBody>
+          </p:sp>
+        </mc:Choice>
+        <mc:Fallback xmlns="">
+          <p:sp>
+            <p:nvSpPr>
+              <p:cNvPr id="3" name="Content Placeholder 2">
+                <a:extLst>
+                  <a:ext uri="{FF2B5EF4-FFF2-40B4-BE49-F238E27FC236}">
+                    <a16:creationId xmlns:a16="http://schemas.microsoft.com/office/drawing/2014/main" id="{6666941B-6AAA-DFD0-8896-ACB1B4FE2AC6}"/>
+                  </a:ext>
+                </a:extLst>
+              </p:cNvPr>
+              <p:cNvSpPr>
+                <a:spLocks noGrp="1" noRot="1" noChangeAspect="1" noMove="1" noResize="1" noEditPoints="1" noAdjustHandles="1" noChangeArrowheads="1" noChangeShapeType="1" noTextEdit="1"/>
+              </p:cNvSpPr>
+              <p:nvPr>
+                <p:ph idx="1"/>
+              </p:nvPr>
+            </p:nvSpPr>
+            <p:spPr>
+              <a:xfrm>
+                <a:off x="838200" y="1825625"/>
+                <a:ext cx="10515600" cy="4667250"/>
+              </a:xfrm>
+              <a:blipFill>
+                <a:blip r:embed="rId2"/>
+                <a:stretch>
+                  <a:fillRect l="-1043"/>
+                </a:stretch>
+              </a:blipFill>
+            </p:spPr>
+            <p:txBody>
+              <a:bodyPr/>
+              <a:lstStyle/>
+              <a:p>
+                <a:r>
+                  <a:rPr lang="en-US">
+                    <a:noFill/>
+                  </a:rPr>
+                  <a:t> </a:t>
+                </a:r>
+              </a:p>
+            </p:txBody>
+          </p:sp>
+        </mc:Fallback>
+      </mc:AlternateContent>
+    </p:spTree>
+    <p:extLst>
+      <p:ext uri="{BB962C8B-B14F-4D97-AF65-F5344CB8AC3E}">
+        <p14:creationId xmlns:p14="http://schemas.microsoft.com/office/powerpoint/2010/main" val="345025428"/>
+      </p:ext>
+    </p:extLst>
+  </p:cSld>
+  <p:clrMapOvr>
+    <a:masterClrMapping/>
+  </p:clrMapOvr>
+</p:sld>
+</file>
+
+<file path=ppt/slides/slide42.xml><?xml version="1.0" encoding="utf-8"?>
+<p:sld xmlns:a="http://schemas.openxmlformats.org/drawingml/2006/main" xmlns:r="http://schemas.openxmlformats.org/officeDocument/2006/relationships" xmlns:p="http://schemas.openxmlformats.org/presentationml/2006/main">
+  <p:cSld>
+    <p:spTree>
+      <p:nvGrpSpPr>
+        <p:cNvPr id="1" name=""/>
+        <p:cNvGrpSpPr/>
+        <p:nvPr/>
+      </p:nvGrpSpPr>
+      <p:grpSpPr>
+        <a:xfrm>
+          <a:off x="0" y="0"/>
+          <a:ext cx="0" cy="0"/>
+          <a:chOff x="0" y="0"/>
+          <a:chExt cx="0" cy="0"/>
+        </a:xfrm>
+      </p:grpSpPr>
+      <p:sp>
+        <p:nvSpPr>
+          <p:cNvPr id="2" name="Title 1">
+            <a:extLst>
+              <a:ext uri="{FF2B5EF4-FFF2-40B4-BE49-F238E27FC236}">
+                <a16:creationId xmlns:a16="http://schemas.microsoft.com/office/drawing/2014/main" id="{A49DDC00-2744-B7F9-8394-609BE1AEC413}"/>
+              </a:ext>
+            </a:extLst>
+          </p:cNvPr>
+          <p:cNvSpPr>
+            <a:spLocks noGrp="1"/>
+          </p:cNvSpPr>
+          <p:nvPr>
+            <p:ph type="title"/>
+          </p:nvPr>
+        </p:nvSpPr>
+        <p:spPr/>
+        <p:txBody>
+          <a:bodyPr/>
+          <a:lstStyle/>
+          <a:p>
+            <a:r>
+              <a:rPr lang="en-US" dirty="0">
+                <a:solidFill>
+                  <a:srgbClr val="C00000"/>
+                </a:solidFill>
+              </a:rPr>
               <a:t>Median-of-Means Framework</a:t>
             </a:r>
             <a:endParaRPr lang="en-US" dirty="0"/>
           </a:p>
         </p:txBody>
       </p:sp>
-      <mc:AlternateContent xmlns:mc="http://schemas.openxmlformats.org/markup-compatibility/2006">
-        <mc:Choice xmlns:a14="http://schemas.microsoft.com/office/drawing/2010/main" Requires="a14">
+      <mc:AlternateContent xmlns:mc="http://schemas.openxmlformats.org/markup-compatibility/2006" xmlns:a14="http://schemas.microsoft.com/office/drawing/2010/main">
+        <mc:Choice Requires="a14">
+          <p:sp>
+            <p:nvSpPr>
+              <p:cNvPr id="3" name="Content Placeholder 2">
+                <a:extLst>
+                  <a:ext uri="{FF2B5EF4-FFF2-40B4-BE49-F238E27FC236}">
+                    <a16:creationId xmlns:a16="http://schemas.microsoft.com/office/drawing/2014/main" id="{6666941B-6AAA-DFD0-8896-ACB1B4FE2AC6}"/>
+                  </a:ext>
+                </a:extLst>
+              </p:cNvPr>
+              <p:cNvSpPr>
+                <a:spLocks noGrp="1"/>
+              </p:cNvSpPr>
+              <p:nvPr>
+                <p:ph idx="1"/>
+              </p:nvPr>
+            </p:nvSpPr>
+            <p:spPr>
+              <a:xfrm>
+                <a:off x="838200" y="1825625"/>
+                <a:ext cx="10515600" cy="4667250"/>
+              </a:xfrm>
+            </p:spPr>
+            <p:txBody>
+              <a:bodyPr>
+                <a:normAutofit/>
+              </a:bodyPr>
+              <a:lstStyle/>
+              <a:p>
+                <a:r>
+                  <a:rPr lang="en-US" dirty="0"/>
+                  <a:t>Suppose we design a randomized algorithm </a:t>
+                </a:r>
+                <a14:m>
+                  <m:oMath xmlns:m="http://schemas.openxmlformats.org/officeDocument/2006/math">
+                    <m:r>
+                      <a:rPr lang="en-US" sz="2800" b="0" i="1" dirty="0" smtClean="0">
+                        <a:solidFill>
+                          <a:srgbClr val="C00000"/>
+                        </a:solidFill>
+                        <a:latin typeface="Cambria Math" panose="02040503050406030204" pitchFamily="18" charset="0"/>
+                      </a:rPr>
+                      <m:t>𝐴</m:t>
+                    </m:r>
+                  </m:oMath>
+                </a14:m>
+                <a:r>
+                  <a:rPr lang="en-US" dirty="0"/>
+                  <a:t> to estimate a hidden statistic </a:t>
+                </a:r>
+                <a14:m>
+                  <m:oMath xmlns:m="http://schemas.openxmlformats.org/officeDocument/2006/math">
+                    <m:r>
+                      <a:rPr lang="en-US" b="0" i="1" dirty="0" smtClean="0">
+                        <a:solidFill>
+                          <a:srgbClr val="C00000"/>
+                        </a:solidFill>
+                        <a:latin typeface="Cambria Math" panose="02040503050406030204" pitchFamily="18" charset="0"/>
+                      </a:rPr>
+                      <m:t>𝑍</m:t>
+                    </m:r>
+                  </m:oMath>
+                </a14:m>
+                <a:r>
+                  <a:rPr lang="en-US" dirty="0"/>
+                  <a:t> of a dataset and we know </a:t>
+                </a:r>
+                <a14:m>
+                  <m:oMath xmlns:m="http://schemas.openxmlformats.org/officeDocument/2006/math">
+                    <m:r>
+                      <a:rPr lang="en-US" b="0" i="1" dirty="0" smtClean="0">
+                        <a:solidFill>
+                          <a:srgbClr val="C00000"/>
+                        </a:solidFill>
+                        <a:latin typeface="Cambria Math" panose="02040503050406030204" pitchFamily="18" charset="0"/>
+                      </a:rPr>
+                      <m:t>0&lt;</m:t>
+                    </m:r>
+                    <m:r>
+                      <a:rPr lang="en-US" b="0" i="1" dirty="0" smtClean="0">
+                        <a:solidFill>
+                          <a:srgbClr val="C00000"/>
+                        </a:solidFill>
+                        <a:latin typeface="Cambria Math" panose="02040503050406030204" pitchFamily="18" charset="0"/>
+                      </a:rPr>
+                      <m:t>𝑍</m:t>
+                    </m:r>
+                    <m:r>
+                      <a:rPr lang="en-US" b="0" i="1" dirty="0" smtClean="0">
+                        <a:solidFill>
+                          <a:srgbClr val="C00000"/>
+                        </a:solidFill>
+                        <a:latin typeface="Cambria Math" panose="02040503050406030204" pitchFamily="18" charset="0"/>
+                      </a:rPr>
+                      <m:t>≤1000</m:t>
+                    </m:r>
+                  </m:oMath>
+                </a14:m>
+                <a:r>
+                  <a:rPr lang="en-US" dirty="0"/>
+                  <a:t>. </a:t>
+                </a:r>
+              </a:p>
+              <a:p>
+                <a:r>
+                  <a:rPr lang="en-US" dirty="0"/>
+                  <a:t>Suppose each time we use the algorithm </a:t>
+                </a:r>
+                <a14:m>
+                  <m:oMath xmlns:m="http://schemas.openxmlformats.org/officeDocument/2006/math">
+                    <m:r>
+                      <a:rPr lang="en-US" sz="2800" b="0" i="1" dirty="0" smtClean="0">
+                        <a:solidFill>
+                          <a:srgbClr val="C00000"/>
+                        </a:solidFill>
+                        <a:latin typeface="Cambria Math" panose="02040503050406030204" pitchFamily="18" charset="0"/>
+                      </a:rPr>
+                      <m:t>𝐴</m:t>
+                    </m:r>
+                  </m:oMath>
+                </a14:m>
+                <a:r>
+                  <a:rPr lang="en-US" dirty="0"/>
+                  <a:t>, it outputs a number </a:t>
+                </a:r>
+                <a14:m>
+                  <m:oMath xmlns:m="http://schemas.openxmlformats.org/officeDocument/2006/math">
+                    <m:r>
+                      <a:rPr lang="en-US" b="0" i="1" dirty="0" smtClean="0">
+                        <a:solidFill>
+                          <a:srgbClr val="C00000"/>
+                        </a:solidFill>
+                        <a:latin typeface="Cambria Math" panose="02040503050406030204" pitchFamily="18" charset="0"/>
+                      </a:rPr>
+                      <m:t>𝑋</m:t>
+                    </m:r>
+                  </m:oMath>
+                </a14:m>
+                <a:r>
+                  <a:rPr lang="en-US" dirty="0"/>
+                  <a:t> such that </a:t>
+                </a:r>
+                <a14:m>
+                  <m:oMath xmlns:m="http://schemas.openxmlformats.org/officeDocument/2006/math">
+                    <m:r>
+                      <m:rPr>
+                        <m:sty m:val="p"/>
+                      </m:rPr>
+                      <a:rPr lang="en-US" b="0" i="0" dirty="0" smtClean="0">
+                        <a:solidFill>
+                          <a:srgbClr val="C00000"/>
+                        </a:solidFill>
+                        <a:latin typeface="Cambria Math" panose="02040503050406030204" pitchFamily="18" charset="0"/>
+                      </a:rPr>
+                      <m:t>E</m:t>
+                    </m:r>
+                    <m:d>
+                      <m:dPr>
+                        <m:begChr m:val="["/>
+                        <m:endChr m:val="]"/>
+                        <m:ctrlPr>
+                          <a:rPr lang="en-US" b="0" i="1" dirty="0" smtClean="0">
+                            <a:solidFill>
+                              <a:srgbClr val="C00000"/>
+                            </a:solidFill>
+                            <a:latin typeface="Cambria Math" panose="02040503050406030204" pitchFamily="18" charset="0"/>
+                          </a:rPr>
+                        </m:ctrlPr>
+                      </m:dPr>
+                      <m:e>
+                        <m:r>
+                          <a:rPr lang="en-US" b="0" i="1" dirty="0" smtClean="0">
+                            <a:solidFill>
+                              <a:srgbClr val="C00000"/>
+                            </a:solidFill>
+                            <a:latin typeface="Cambria Math" panose="02040503050406030204" pitchFamily="18" charset="0"/>
+                          </a:rPr>
+                          <m:t>𝑋</m:t>
+                        </m:r>
+                      </m:e>
+                    </m:d>
+                    <m:r>
+                      <a:rPr lang="en-US" b="0" i="1" dirty="0" smtClean="0">
+                        <a:solidFill>
+                          <a:srgbClr val="C00000"/>
+                        </a:solidFill>
+                        <a:latin typeface="Cambria Math" panose="02040503050406030204" pitchFamily="18" charset="0"/>
+                      </a:rPr>
+                      <m:t>=</m:t>
+                    </m:r>
+                    <m:r>
+                      <a:rPr lang="en-US" b="0" i="1" dirty="0" smtClean="0">
+                        <a:solidFill>
+                          <a:srgbClr val="C00000"/>
+                        </a:solidFill>
+                        <a:latin typeface="Cambria Math" panose="02040503050406030204" pitchFamily="18" charset="0"/>
+                      </a:rPr>
+                      <m:t>𝑍</m:t>
+                    </m:r>
+                  </m:oMath>
+                </a14:m>
+                <a:r>
+                  <a:rPr lang="en-US" dirty="0"/>
+                  <a:t> and </a:t>
+                </a:r>
+                <a14:m>
+                  <m:oMath xmlns:m="http://schemas.openxmlformats.org/officeDocument/2006/math">
+                    <m:r>
+                      <m:rPr>
+                        <m:sty m:val="p"/>
+                      </m:rPr>
+                      <a:rPr lang="en-US" b="0" i="0" dirty="0" smtClean="0">
+                        <a:solidFill>
+                          <a:srgbClr val="C00000"/>
+                        </a:solidFill>
+                        <a:latin typeface="Cambria Math" panose="02040503050406030204" pitchFamily="18" charset="0"/>
+                      </a:rPr>
+                      <m:t>Var</m:t>
+                    </m:r>
+                    <m:d>
+                      <m:dPr>
+                        <m:begChr m:val="["/>
+                        <m:endChr m:val="]"/>
+                        <m:ctrlPr>
+                          <a:rPr lang="en-US" b="0" i="1" dirty="0" smtClean="0">
+                            <a:solidFill>
+                              <a:srgbClr val="C00000"/>
+                            </a:solidFill>
+                            <a:latin typeface="Cambria Math" panose="02040503050406030204" pitchFamily="18" charset="0"/>
+                          </a:rPr>
+                        </m:ctrlPr>
+                      </m:dPr>
+                      <m:e>
+                        <m:r>
+                          <a:rPr lang="en-US" b="0" i="1" dirty="0" smtClean="0">
+                            <a:solidFill>
+                              <a:srgbClr val="C00000"/>
+                            </a:solidFill>
+                            <a:latin typeface="Cambria Math" panose="02040503050406030204" pitchFamily="18" charset="0"/>
+                          </a:rPr>
+                          <m:t>𝑋</m:t>
+                        </m:r>
+                      </m:e>
+                    </m:d>
+                    <m:r>
+                      <a:rPr lang="en-US" b="0" i="1" dirty="0" smtClean="0">
+                        <a:solidFill>
+                          <a:srgbClr val="C00000"/>
+                        </a:solidFill>
+                        <a:latin typeface="Cambria Math" panose="02040503050406030204" pitchFamily="18" charset="0"/>
+                      </a:rPr>
+                      <m:t>=100</m:t>
+                    </m:r>
+                    <m:sSup>
+                      <m:sSupPr>
+                        <m:ctrlPr>
+                          <a:rPr lang="en-US" b="0" i="1" dirty="0" smtClean="0">
+                            <a:solidFill>
+                              <a:srgbClr val="C00000"/>
+                            </a:solidFill>
+                            <a:latin typeface="Cambria Math" panose="02040503050406030204" pitchFamily="18" charset="0"/>
+                          </a:rPr>
+                        </m:ctrlPr>
+                      </m:sSupPr>
+                      <m:e>
+                        <m:r>
+                          <a:rPr lang="en-US" b="0" i="1" dirty="0" smtClean="0">
+                            <a:solidFill>
+                              <a:srgbClr val="C00000"/>
+                            </a:solidFill>
+                            <a:latin typeface="Cambria Math" panose="02040503050406030204" pitchFamily="18" charset="0"/>
+                          </a:rPr>
+                          <m:t>𝑍</m:t>
+                        </m:r>
+                      </m:e>
+                      <m:sup>
+                        <m:r>
+                          <a:rPr lang="en-US" b="0" i="1" dirty="0" smtClean="0">
+                            <a:solidFill>
+                              <a:srgbClr val="C00000"/>
+                            </a:solidFill>
+                            <a:latin typeface="Cambria Math" panose="02040503050406030204" pitchFamily="18" charset="0"/>
+                          </a:rPr>
+                          <m:t>2</m:t>
+                        </m:r>
+                      </m:sup>
+                    </m:sSup>
+                  </m:oMath>
+                </a14:m>
+                <a:endParaRPr lang="en-US" dirty="0"/>
+              </a:p>
+              <a:p>
+                <a:r>
+                  <a:rPr lang="en-US" dirty="0"/>
+                  <a:t>Suppose we want to estimate </a:t>
+                </a:r>
+                <a14:m>
+                  <m:oMath xmlns:m="http://schemas.openxmlformats.org/officeDocument/2006/math">
+                    <m:r>
+                      <a:rPr lang="en-US" b="0" i="1" dirty="0" smtClean="0">
+                        <a:solidFill>
+                          <a:srgbClr val="C00000"/>
+                        </a:solidFill>
+                        <a:latin typeface="Cambria Math" panose="02040503050406030204" pitchFamily="18" charset="0"/>
+                      </a:rPr>
+                      <m:t>𝑍</m:t>
+                    </m:r>
+                  </m:oMath>
+                </a14:m>
+                <a:r>
+                  <a:rPr lang="en-US" dirty="0"/>
+                  <a:t> to accuracy </a:t>
+                </a:r>
+                <a14:m>
+                  <m:oMath xmlns:m="http://schemas.openxmlformats.org/officeDocument/2006/math">
+                    <m:r>
+                      <a:rPr lang="en-US" b="0" i="1" dirty="0" smtClean="0">
+                        <a:solidFill>
+                          <a:srgbClr val="C00000"/>
+                        </a:solidFill>
+                        <a:latin typeface="Cambria Math" panose="02040503050406030204" pitchFamily="18" charset="0"/>
+                      </a:rPr>
+                      <m:t>𝜀</m:t>
+                    </m:r>
+                  </m:oMath>
+                </a14:m>
+                <a:r>
+                  <a:rPr lang="en-US" dirty="0"/>
+                  <a:t>, with probability </a:t>
+                </a:r>
+                <a14:m>
+                  <m:oMath xmlns:m="http://schemas.openxmlformats.org/officeDocument/2006/math">
+                    <m:r>
+                      <a:rPr lang="en-US" dirty="0">
+                        <a:solidFill>
+                          <a:srgbClr val="C00000"/>
+                        </a:solidFill>
+                        <a:latin typeface="Cambria Math" panose="02040503050406030204" pitchFamily="18" charset="0"/>
+                      </a:rPr>
+                      <m:t>1−</m:t>
+                    </m:r>
+                    <m:r>
+                      <a:rPr lang="en-US" i="1" dirty="0">
+                        <a:solidFill>
+                          <a:srgbClr val="C00000"/>
+                        </a:solidFill>
+                        <a:latin typeface="Cambria Math" panose="02040503050406030204" pitchFamily="18" charset="0"/>
+                      </a:rPr>
+                      <m:t>𝛿</m:t>
+                    </m:r>
+                  </m:oMath>
+                </a14:m>
+                <a:endParaRPr lang="en-US" dirty="0"/>
+              </a:p>
+              <a:p>
+                <a:pPr>
+                  <a:buClr>
+                    <a:schemeClr val="tx1"/>
+                  </a:buClr>
+                </a:pPr>
+                <a:endParaRPr lang="en-US" dirty="0"/>
+              </a:p>
+              <a:p>
+                <a:pPr>
+                  <a:buClr>
+                    <a:schemeClr val="tx1"/>
+                  </a:buClr>
+                </a:pPr>
+                <a:endParaRPr lang="en-US" dirty="0"/>
+              </a:p>
+              <a:p>
+                <a:pPr>
+                  <a:buClr>
+                    <a:schemeClr val="tx1"/>
+                  </a:buClr>
+                </a:pPr>
+                <a:endParaRPr lang="en-US" dirty="0"/>
+              </a:p>
+              <a:p>
+                <a:pPr>
+                  <a:buClr>
+                    <a:schemeClr val="tx1"/>
+                  </a:buClr>
+                </a:pPr>
+                <a:endParaRPr lang="en-US" dirty="0"/>
+              </a:p>
+            </p:txBody>
+          </p:sp>
+        </mc:Choice>
+        <mc:Fallback xmlns="">
+          <p:sp>
+            <p:nvSpPr>
+              <p:cNvPr id="3" name="Content Placeholder 2">
+                <a:extLst>
+                  <a:ext uri="{FF2B5EF4-FFF2-40B4-BE49-F238E27FC236}">
+                    <a16:creationId xmlns:a16="http://schemas.microsoft.com/office/drawing/2014/main" id="{6666941B-6AAA-DFD0-8896-ACB1B4FE2AC6}"/>
+                  </a:ext>
+                </a:extLst>
+              </p:cNvPr>
+              <p:cNvSpPr>
+                <a:spLocks noGrp="1" noRot="1" noChangeAspect="1" noMove="1" noResize="1" noEditPoints="1" noAdjustHandles="1" noChangeArrowheads="1" noChangeShapeType="1" noTextEdit="1"/>
+              </p:cNvSpPr>
+              <p:nvPr>
+                <p:ph idx="1"/>
+              </p:nvPr>
+            </p:nvSpPr>
+            <p:spPr>
+              <a:xfrm>
+                <a:off x="838200" y="1825625"/>
+                <a:ext cx="10515600" cy="4667250"/>
+              </a:xfrm>
+              <a:blipFill>
+                <a:blip r:embed="rId2"/>
+                <a:stretch>
+                  <a:fillRect l="-1043" t="-2089"/>
+                </a:stretch>
+              </a:blipFill>
+            </p:spPr>
+            <p:txBody>
+              <a:bodyPr/>
+              <a:lstStyle/>
+              <a:p>
+                <a:r>
+                  <a:rPr lang="en-US">
+                    <a:noFill/>
+                  </a:rPr>
+                  <a:t> </a:t>
+                </a:r>
+              </a:p>
+            </p:txBody>
+          </p:sp>
+        </mc:Fallback>
+      </mc:AlternateContent>
+    </p:spTree>
+    <p:extLst>
+      <p:ext uri="{BB962C8B-B14F-4D97-AF65-F5344CB8AC3E}">
+        <p14:creationId xmlns:p14="http://schemas.microsoft.com/office/powerpoint/2010/main" val="1731458526"/>
+      </p:ext>
+    </p:extLst>
+  </p:cSld>
+  <p:clrMapOvr>
+    <a:masterClrMapping/>
+  </p:clrMapOvr>
+</p:sld>
+</file>
+
+<file path=ppt/slides/slide43.xml><?xml version="1.0" encoding="utf-8"?>
+<p:sld xmlns:a="http://schemas.openxmlformats.org/drawingml/2006/main" xmlns:r="http://schemas.openxmlformats.org/officeDocument/2006/relationships" xmlns:p="http://schemas.openxmlformats.org/presentationml/2006/main">
+  <p:cSld>
+    <p:spTree>
+      <p:nvGrpSpPr>
+        <p:cNvPr id="1" name=""/>
+        <p:cNvGrpSpPr/>
+        <p:nvPr/>
+      </p:nvGrpSpPr>
+      <p:grpSpPr>
+        <a:xfrm>
+          <a:off x="0" y="0"/>
+          <a:ext cx="0" cy="0"/>
+          <a:chOff x="0" y="0"/>
+          <a:chExt cx="0" cy="0"/>
+        </a:xfrm>
+      </p:grpSpPr>
+      <p:sp>
+        <p:nvSpPr>
+          <p:cNvPr id="2" name="Title 1">
+            <a:extLst>
+              <a:ext uri="{FF2B5EF4-FFF2-40B4-BE49-F238E27FC236}">
+                <a16:creationId xmlns:a16="http://schemas.microsoft.com/office/drawing/2014/main" id="{A49DDC00-2744-B7F9-8394-609BE1AEC413}"/>
+              </a:ext>
+            </a:extLst>
+          </p:cNvPr>
+          <p:cNvSpPr>
+            <a:spLocks noGrp="1"/>
+          </p:cNvSpPr>
+          <p:nvPr>
+            <p:ph type="title"/>
+          </p:nvPr>
+        </p:nvSpPr>
+        <p:spPr/>
+        <p:txBody>
+          <a:bodyPr/>
+          <a:lstStyle/>
+          <a:p>
+            <a:r>
+              <a:rPr lang="en-US" dirty="0">
+                <a:solidFill>
+                  <a:srgbClr val="C00000"/>
+                </a:solidFill>
+              </a:rPr>
+              <a:t>Median-of-Means Framework</a:t>
+            </a:r>
+            <a:endParaRPr lang="en-US" dirty="0"/>
+          </a:p>
+        </p:txBody>
+      </p:sp>
+      <mc:AlternateContent xmlns:mc="http://schemas.openxmlformats.org/markup-compatibility/2006" xmlns:a14="http://schemas.microsoft.com/office/drawing/2010/main">
+        <mc:Choice Requires="a14">
           <p:sp>
             <p:nvSpPr>
               <p:cNvPr id="3" name="Content Placeholder 2">
@@ -27414,7 +27751,7 @@
             </p:txBody>
           </p:sp>
         </mc:Choice>
-        <mc:Fallback>
+        <mc:Fallback xmlns="">
           <p:sp>
             <p:nvSpPr>
               <p:cNvPr id="3" name="Content Placeholder 2">
@@ -27471,7 +27808,7 @@
 </p:sld>
 </file>
 
-<file path=ppt/slides/slide41.xml><?xml version="1.0" encoding="utf-8"?>
+<file path=ppt/slides/slide44.xml><?xml version="1.0" encoding="utf-8"?>
 <p:sld xmlns:a="http://schemas.openxmlformats.org/drawingml/2006/main" xmlns:r="http://schemas.openxmlformats.org/officeDocument/2006/relationships" xmlns:p="http://schemas.openxmlformats.org/presentationml/2006/main">
   <p:cSld>
     <p:spTree>
@@ -27520,8 +27857,8 @@
           </a:p>
         </p:txBody>
       </p:sp>
-      <mc:AlternateContent xmlns:mc="http://schemas.openxmlformats.org/markup-compatibility/2006">
-        <mc:Choice xmlns:a14="http://schemas.microsoft.com/office/drawing/2010/main" Requires="a14">
+      <mc:AlternateContent xmlns:mc="http://schemas.openxmlformats.org/markup-compatibility/2006" xmlns:a14="http://schemas.microsoft.com/office/drawing/2010/main">
+        <mc:Choice Requires="a14">
           <p:sp>
             <p:nvSpPr>
               <p:cNvPr id="3" name="Content Placeholder 2">
@@ -28109,7 +28446,7 @@
             </p:txBody>
           </p:sp>
         </mc:Choice>
-        <mc:Fallback>
+        <mc:Fallback xmlns="">
           <p:sp>
             <p:nvSpPr>
               <p:cNvPr id="3" name="Content Placeholder 2">
@@ -28162,7 +28499,7 @@
 </p:sld>
 </file>
 
-<file path=ppt/slides/slide42.xml><?xml version="1.0" encoding="utf-8"?>
+<file path=ppt/slides/slide45.xml><?xml version="1.0" encoding="utf-8"?>
 <p:sld xmlns:a="http://schemas.openxmlformats.org/drawingml/2006/main" xmlns:r="http://schemas.openxmlformats.org/officeDocument/2006/relationships" xmlns:p="http://schemas.openxmlformats.org/presentationml/2006/main">
   <p:cSld>
     <p:spTree>
@@ -28211,8 +28548,8 @@
           </a:p>
         </p:txBody>
       </p:sp>
-      <mc:AlternateContent xmlns:mc="http://schemas.openxmlformats.org/markup-compatibility/2006">
-        <mc:Choice xmlns:a14="http://schemas.microsoft.com/office/drawing/2010/main" Requires="a14">
+      <mc:AlternateContent xmlns:mc="http://schemas.openxmlformats.org/markup-compatibility/2006" xmlns:a14="http://schemas.microsoft.com/office/drawing/2010/main">
+        <mc:Choice Requires="a14">
           <p:sp>
             <p:nvSpPr>
               <p:cNvPr id="3" name="Content Placeholder 2">
@@ -28638,7 +28975,7 @@
             </p:txBody>
           </p:sp>
         </mc:Choice>
-        <mc:Fallback>
+        <mc:Fallback xmlns="">
           <p:sp>
             <p:nvSpPr>
               <p:cNvPr id="3" name="Content Placeholder 2">
@@ -28678,8 +29015,8 @@
           </p:sp>
         </mc:Fallback>
       </mc:AlternateContent>
-      <mc:AlternateContent xmlns:mc="http://schemas.openxmlformats.org/markup-compatibility/2006">
-        <mc:Choice xmlns:a14="http://schemas.microsoft.com/office/drawing/2010/main" Requires="a14">
+      <mc:AlternateContent xmlns:mc="http://schemas.openxmlformats.org/markup-compatibility/2006" xmlns:a14="http://schemas.microsoft.com/office/drawing/2010/main">
+        <mc:Choice Requires="a14">
           <p:sp>
             <p:nvSpPr>
               <p:cNvPr id="4" name="TextBox 3">
@@ -28956,7 +29293,7 @@
             </p:txBody>
           </p:sp>
         </mc:Choice>
-        <mc:Fallback>
+        <mc:Fallback xmlns="">
           <p:sp>
             <p:nvSpPr>
               <p:cNvPr id="4" name="TextBox 3">
@@ -29014,7 +29351,7 @@
 </p:sld>
 </file>
 
-<file path=ppt/slides/slide43.xml><?xml version="1.0" encoding="utf-8"?>
+<file path=ppt/slides/slide46.xml><?xml version="1.0" encoding="utf-8"?>
 <p:sld xmlns:a="http://schemas.openxmlformats.org/drawingml/2006/main" xmlns:r="http://schemas.openxmlformats.org/officeDocument/2006/relationships" xmlns:p="http://schemas.openxmlformats.org/presentationml/2006/main">
   <p:cSld>
     <p:spTree>
@@ -29063,8 +29400,8 @@
           </a:p>
         </p:txBody>
       </p:sp>
-      <mc:AlternateContent xmlns:mc="http://schemas.openxmlformats.org/markup-compatibility/2006">
-        <mc:Choice xmlns:a14="http://schemas.microsoft.com/office/drawing/2010/main" Requires="a14">
+      <mc:AlternateContent xmlns:mc="http://schemas.openxmlformats.org/markup-compatibility/2006" xmlns:a14="http://schemas.microsoft.com/office/drawing/2010/main">
+        <mc:Choice Requires="a14">
           <p:sp>
             <p:nvSpPr>
               <p:cNvPr id="3" name="Content Placeholder 2">
@@ -29599,7 +29936,7 @@
             </p:txBody>
           </p:sp>
         </mc:Choice>
-        <mc:Fallback>
+        <mc:Fallback xmlns="">
           <p:sp>
             <p:nvSpPr>
               <p:cNvPr id="3" name="Content Placeholder 2">
@@ -29652,7 +29989,7 @@
 </p:sld>
 </file>
 
-<file path=ppt/slides/slide44.xml><?xml version="1.0" encoding="utf-8"?>
+<file path=ppt/slides/slide47.xml><?xml version="1.0" encoding="utf-8"?>
 <p:sld xmlns:a="http://schemas.openxmlformats.org/drawingml/2006/main" xmlns:r="http://schemas.openxmlformats.org/officeDocument/2006/relationships" xmlns:p="http://schemas.openxmlformats.org/presentationml/2006/main">
   <p:cSld>
     <p:spTree>
@@ -30245,8 +30582,8 @@
           </a:fontRef>
         </p:style>
       </p:cxnSp>
-      <mc:AlternateContent xmlns:mc="http://schemas.openxmlformats.org/markup-compatibility/2006">
-        <mc:Choice xmlns:a14="http://schemas.microsoft.com/office/drawing/2010/main" Requires="a14">
+      <mc:AlternateContent xmlns:mc="http://schemas.openxmlformats.org/markup-compatibility/2006" xmlns:a14="http://schemas.microsoft.com/office/drawing/2010/main">
+        <mc:Choice Requires="a14">
           <p:sp>
             <p:nvSpPr>
               <p:cNvPr id="10" name="TextBox 9">
@@ -30322,7 +30659,7 @@
             </p:txBody>
           </p:sp>
         </mc:Choice>
-        <mc:Fallback>
+        <mc:Fallback xmlns="">
           <p:sp>
             <p:nvSpPr>
               <p:cNvPr id="10" name="TextBox 9">
@@ -30367,8 +30704,8 @@
           </p:sp>
         </mc:Fallback>
       </mc:AlternateContent>
-      <mc:AlternateContent xmlns:mc="http://schemas.openxmlformats.org/markup-compatibility/2006">
-        <mc:Choice xmlns:a14="http://schemas.microsoft.com/office/drawing/2010/main" Requires="a14">
+      <mc:AlternateContent xmlns:mc="http://schemas.openxmlformats.org/markup-compatibility/2006" xmlns:a14="http://schemas.microsoft.com/office/drawing/2010/main">
+        <mc:Choice Requires="a14">
           <p:sp>
             <p:nvSpPr>
               <p:cNvPr id="13" name="Content Placeholder 2">
@@ -30663,7 +31000,7 @@
             </p:txBody>
           </p:sp>
         </mc:Choice>
-        <mc:Fallback>
+        <mc:Fallback xmlns="">
           <p:sp>
             <p:nvSpPr>
               <p:cNvPr id="13" name="Content Placeholder 2">
@@ -30721,7 +31058,7 @@
 </p:sld>
 </file>
 
-<file path=ppt/slides/slide45.xml><?xml version="1.0" encoding="utf-8"?>
+<file path=ppt/slides/slide48.xml><?xml version="1.0" encoding="utf-8"?>
 <p:sld xmlns:a="http://schemas.openxmlformats.org/drawingml/2006/main" xmlns:r="http://schemas.openxmlformats.org/officeDocument/2006/relationships" xmlns:p="http://schemas.openxmlformats.org/presentationml/2006/main">
   <p:cSld>
     <p:spTree>
@@ -30999,8 +31336,8 @@
           </p:sp>
         </mc:Fallback>
       </mc:AlternateContent>
-      <mc:AlternateContent xmlns:mc="http://schemas.openxmlformats.org/markup-compatibility/2006">
-        <mc:Choice xmlns:a14="http://schemas.microsoft.com/office/drawing/2010/main" Requires="a14">
+      <mc:AlternateContent xmlns:mc="http://schemas.openxmlformats.org/markup-compatibility/2006" xmlns:a14="http://schemas.microsoft.com/office/drawing/2010/main">
+        <mc:Choice Requires="a14">
           <p:sp>
             <p:nvSpPr>
               <p:cNvPr id="5" name="TextBox 4">
@@ -31104,7 +31441,7 @@
             </p:txBody>
           </p:sp>
         </mc:Choice>
-        <mc:Fallback>
+        <mc:Fallback xmlns="">
           <p:sp>
             <p:nvSpPr>
               <p:cNvPr id="5" name="TextBox 4">
@@ -31149,8 +31486,8 @@
           </p:sp>
         </mc:Fallback>
       </mc:AlternateContent>
-      <mc:AlternateContent xmlns:mc="http://schemas.openxmlformats.org/markup-compatibility/2006">
-        <mc:Choice xmlns:a14="http://schemas.microsoft.com/office/drawing/2010/main" Requires="a14">
+      <mc:AlternateContent xmlns:mc="http://schemas.openxmlformats.org/markup-compatibility/2006" xmlns:a14="http://schemas.microsoft.com/office/drawing/2010/main">
+        <mc:Choice Requires="a14">
           <p:sp>
             <p:nvSpPr>
               <p:cNvPr id="6" name="Rectangle 5">
@@ -31251,7 +31588,7 @@
             </p:txBody>
           </p:sp>
         </mc:Choice>
-        <mc:Fallback>
+        <mc:Fallback xmlns="">
           <p:sp>
             <p:nvSpPr>
               <p:cNvPr id="6" name="Rectangle 5">
@@ -31502,7 +31839,7 @@
 </p:sld>
 </file>
 
-<file path=ppt/slides/slide46.xml><?xml version="1.0" encoding="utf-8"?>
+<file path=ppt/slides/slide49.xml><?xml version="1.0" encoding="utf-8"?>
 <p:sld xmlns:a="http://schemas.openxmlformats.org/drawingml/2006/main" xmlns:r="http://schemas.openxmlformats.org/officeDocument/2006/relationships" xmlns:p="http://schemas.openxmlformats.org/presentationml/2006/main">
   <p:cSld>
     <p:spTree>
@@ -31552,8 +31889,8 @@
           </a:p>
         </p:txBody>
       </p:sp>
-      <mc:AlternateContent xmlns:mc="http://schemas.openxmlformats.org/markup-compatibility/2006">
-        <mc:Choice xmlns:a14="http://schemas.microsoft.com/office/drawing/2010/main" Requires="a14">
+      <mc:AlternateContent xmlns:mc="http://schemas.openxmlformats.org/markup-compatibility/2006" xmlns:a14="http://schemas.microsoft.com/office/drawing/2010/main">
+        <mc:Choice Requires="a14">
           <p:sp>
             <p:nvSpPr>
               <p:cNvPr id="3" name="Content Placeholder 2">
@@ -31700,7 +32037,7 @@
             </p:txBody>
           </p:sp>
         </mc:Choice>
-        <mc:Fallback>
+        <mc:Fallback xmlns="">
           <p:sp>
             <p:nvSpPr>
               <p:cNvPr id="3" name="Content Placeholder 2">
@@ -31744,8 +32081,8 @@
           </p:sp>
         </mc:Fallback>
       </mc:AlternateContent>
-      <mc:AlternateContent xmlns:mc="http://schemas.openxmlformats.org/markup-compatibility/2006">
-        <mc:Choice xmlns:a14="http://schemas.microsoft.com/office/drawing/2010/main" Requires="a14">
+      <mc:AlternateContent xmlns:mc="http://schemas.openxmlformats.org/markup-compatibility/2006" xmlns:a14="http://schemas.microsoft.com/office/drawing/2010/main">
+        <mc:Choice Requires="a14">
           <p:sp>
             <p:nvSpPr>
               <p:cNvPr id="13" name="Content Placeholder 2">
@@ -32023,7 +32360,7 @@
             </p:txBody>
           </p:sp>
         </mc:Choice>
-        <mc:Fallback>
+        <mc:Fallback xmlns="">
           <p:sp>
             <p:nvSpPr>
               <p:cNvPr id="13" name="Content Placeholder 2">
@@ -32068,8 +32405,8 @@
           </p:sp>
         </mc:Fallback>
       </mc:AlternateContent>
-      <mc:AlternateContent xmlns:mc="http://schemas.openxmlformats.org/markup-compatibility/2006">
-        <mc:Choice xmlns:a14="http://schemas.microsoft.com/office/drawing/2010/main" Requires="a14">
+      <mc:AlternateContent xmlns:mc="http://schemas.openxmlformats.org/markup-compatibility/2006" xmlns:a14="http://schemas.microsoft.com/office/drawing/2010/main">
+        <mc:Choice Requires="a14">
           <p:sp>
             <p:nvSpPr>
               <p:cNvPr id="14" name="Rectangle 13">
@@ -32170,7 +32507,7 @@
             </p:txBody>
           </p:sp>
         </mc:Choice>
-        <mc:Fallback>
+        <mc:Fallback xmlns="">
           <p:sp>
             <p:nvSpPr>
               <p:cNvPr id="14" name="Rectangle 13">
@@ -32421,7 +32758,612 @@
 </p:sld>
 </file>
 
-<file path=ppt/slides/slide47.xml><?xml version="1.0" encoding="utf-8"?>
+<file path=ppt/slides/slide5.xml><?xml version="1.0" encoding="utf-8"?>
+<p:sld xmlns:a="http://schemas.openxmlformats.org/drawingml/2006/main" xmlns:r="http://schemas.openxmlformats.org/officeDocument/2006/relationships" xmlns:p="http://schemas.openxmlformats.org/presentationml/2006/main">
+  <p:cSld>
+    <p:spTree>
+      <p:nvGrpSpPr>
+        <p:cNvPr id="1" name=""/>
+        <p:cNvGrpSpPr/>
+        <p:nvPr/>
+      </p:nvGrpSpPr>
+      <p:grpSpPr>
+        <a:xfrm>
+          <a:off x="0" y="0"/>
+          <a:ext cx="0" cy="0"/>
+          <a:chOff x="0" y="0"/>
+          <a:chExt cx="0" cy="0"/>
+        </a:xfrm>
+      </p:grpSpPr>
+      <p:sp>
+        <p:nvSpPr>
+          <p:cNvPr id="2" name="Title 1">
+            <a:extLst>
+              <a:ext uri="{FF2B5EF4-FFF2-40B4-BE49-F238E27FC236}">
+                <a16:creationId xmlns:a16="http://schemas.microsoft.com/office/drawing/2014/main" id="{A49DDC00-2744-B7F9-8394-609BE1AEC413}"/>
+              </a:ext>
+            </a:extLst>
+          </p:cNvPr>
+          <p:cNvSpPr>
+            <a:spLocks noGrp="1"/>
+          </p:cNvSpPr>
+          <p:nvPr>
+            <p:ph type="title"/>
+          </p:nvPr>
+        </p:nvSpPr>
+        <p:spPr/>
+        <p:txBody>
+          <a:bodyPr/>
+          <a:lstStyle/>
+          <a:p>
+            <a:r>
+              <a:rPr lang="en-US" dirty="0">
+                <a:solidFill>
+                  <a:srgbClr val="C00000"/>
+                </a:solidFill>
+              </a:rPr>
+              <a:t>Last Time: Markov’s Inequality</a:t>
+            </a:r>
+            <a:endParaRPr lang="en-US" dirty="0"/>
+          </a:p>
+        </p:txBody>
+      </p:sp>
+      <mc:AlternateContent xmlns:mc="http://schemas.openxmlformats.org/markup-compatibility/2006" xmlns:a14="http://schemas.microsoft.com/office/drawing/2010/main">
+        <mc:Choice Requires="a14">
+          <p:sp>
+            <p:nvSpPr>
+              <p:cNvPr id="3" name="Content Placeholder 2">
+                <a:extLst>
+                  <a:ext uri="{FF2B5EF4-FFF2-40B4-BE49-F238E27FC236}">
+                    <a16:creationId xmlns:a16="http://schemas.microsoft.com/office/drawing/2014/main" id="{6666941B-6AAA-DFD0-8896-ACB1B4FE2AC6}"/>
+                  </a:ext>
+                </a:extLst>
+              </p:cNvPr>
+              <p:cNvSpPr>
+                <a:spLocks noGrp="1"/>
+              </p:cNvSpPr>
+              <p:nvPr>
+                <p:ph idx="1"/>
+              </p:nvPr>
+            </p:nvSpPr>
+            <p:spPr>
+              <a:xfrm>
+                <a:off x="838200" y="1825625"/>
+                <a:ext cx="10515600" cy="4667250"/>
+              </a:xfrm>
+            </p:spPr>
+            <p:txBody>
+              <a:bodyPr>
+                <a:normAutofit/>
+              </a:bodyPr>
+              <a:lstStyle/>
+              <a:p>
+                <a:r>
+                  <a:rPr lang="en-US" sz="2800" b="0" dirty="0"/>
+                  <a:t>Let </a:t>
+                </a:r>
+                <a14:m>
+                  <m:oMath xmlns:m="http://schemas.openxmlformats.org/officeDocument/2006/math">
+                    <m:r>
+                      <a:rPr lang="en-US" i="1" dirty="0">
+                        <a:solidFill>
+                          <a:srgbClr val="C00000"/>
+                        </a:solidFill>
+                        <a:latin typeface="Cambria Math" panose="02040503050406030204" pitchFamily="18" charset="0"/>
+                      </a:rPr>
+                      <m:t>𝑋</m:t>
+                    </m:r>
+                    <m:r>
+                      <a:rPr lang="en-US" i="1" dirty="0">
+                        <a:solidFill>
+                          <a:srgbClr val="C00000"/>
+                        </a:solidFill>
+                        <a:latin typeface="Cambria Math" panose="02040503050406030204" pitchFamily="18" charset="0"/>
+                      </a:rPr>
+                      <m:t>≥0 </m:t>
+                    </m:r>
+                  </m:oMath>
+                </a14:m>
+                <a:r>
+                  <a:rPr lang="en-US" sz="2800" b="0" dirty="0"/>
+                  <a:t>be a non-negative random variable. Then for any </a:t>
+                </a:r>
+                <a14:m>
+                  <m:oMath xmlns:m="http://schemas.openxmlformats.org/officeDocument/2006/math">
+                    <m:r>
+                      <a:rPr lang="en-US" i="1" dirty="0">
+                        <a:solidFill>
+                          <a:srgbClr val="C00000"/>
+                        </a:solidFill>
+                        <a:latin typeface="Cambria Math" panose="02040503050406030204" pitchFamily="18" charset="0"/>
+                      </a:rPr>
+                      <m:t>𝑡</m:t>
+                    </m:r>
+                    <m:r>
+                      <a:rPr lang="en-US" b="0" i="1" dirty="0" smtClean="0">
+                        <a:solidFill>
+                          <a:srgbClr val="C00000"/>
+                        </a:solidFill>
+                        <a:latin typeface="Cambria Math" panose="02040503050406030204" pitchFamily="18" charset="0"/>
+                      </a:rPr>
+                      <m:t>&gt;0</m:t>
+                    </m:r>
+                  </m:oMath>
+                </a14:m>
+                <a:r>
+                  <a:rPr lang="en-US" dirty="0"/>
+                  <a:t>:</a:t>
+                </a:r>
+              </a:p>
+              <a:p>
+                <a:endParaRPr lang="en-US" dirty="0"/>
+              </a:p>
+              <a:p>
+                <a:endParaRPr lang="en-US" dirty="0"/>
+              </a:p>
+              <a:p>
+                <a:endParaRPr lang="en-US" dirty="0"/>
+              </a:p>
+              <a:p>
+                <a:endParaRPr lang="en-US" dirty="0"/>
+              </a:p>
+              <a:p>
+                <a:r>
+                  <a:rPr lang="en-US" dirty="0"/>
+                  <a:t>Can rewrite as </a:t>
+                </a:r>
+                <a14:m>
+                  <m:oMath xmlns:m="http://schemas.openxmlformats.org/officeDocument/2006/math">
+                    <m:r>
+                      <m:rPr>
+                        <m:sty m:val="p"/>
+                      </m:rPr>
+                      <a:rPr lang="en-US" sz="2800" b="0" i="0" dirty="0" smtClean="0">
+                        <a:solidFill>
+                          <a:srgbClr val="C00000"/>
+                        </a:solidFill>
+                        <a:latin typeface="Cambria Math" panose="02040503050406030204" pitchFamily="18" charset="0"/>
+                      </a:rPr>
+                      <m:t>Pr</m:t>
+                    </m:r>
+                    <m:d>
+                      <m:dPr>
+                        <m:begChr m:val="["/>
+                        <m:endChr m:val="]"/>
+                        <m:ctrlPr>
+                          <a:rPr lang="en-US" sz="2800" b="0" i="1" dirty="0" smtClean="0">
+                            <a:solidFill>
+                              <a:srgbClr val="C00000"/>
+                            </a:solidFill>
+                            <a:latin typeface="Cambria Math" panose="02040503050406030204" pitchFamily="18" charset="0"/>
+                          </a:rPr>
+                        </m:ctrlPr>
+                      </m:dPr>
+                      <m:e>
+                        <m:r>
+                          <a:rPr lang="en-US" sz="2800" i="1" dirty="0">
+                            <a:solidFill>
+                              <a:srgbClr val="C00000"/>
+                            </a:solidFill>
+                            <a:latin typeface="Cambria Math" panose="02040503050406030204" pitchFamily="18" charset="0"/>
+                          </a:rPr>
+                          <m:t>𝑋</m:t>
+                        </m:r>
+                        <m:r>
+                          <a:rPr lang="en-US" sz="2800" i="1" dirty="0">
+                            <a:solidFill>
+                              <a:srgbClr val="C00000"/>
+                            </a:solidFill>
+                            <a:latin typeface="Cambria Math" panose="02040503050406030204" pitchFamily="18" charset="0"/>
+                          </a:rPr>
+                          <m:t>≥</m:t>
+                        </m:r>
+                        <m:r>
+                          <a:rPr lang="en-US" sz="2800" i="1" dirty="0" smtClean="0">
+                            <a:solidFill>
+                              <a:srgbClr val="0070C0"/>
+                            </a:solidFill>
+                            <a:latin typeface="Cambria Math" panose="02040503050406030204" pitchFamily="18" charset="0"/>
+                          </a:rPr>
+                          <m:t>𝑡</m:t>
+                        </m:r>
+                      </m:e>
+                    </m:d>
+                    <m:r>
+                      <a:rPr lang="en-US" sz="2800" b="0" i="1" dirty="0" smtClean="0">
+                        <a:solidFill>
+                          <a:schemeClr val="tx1"/>
+                        </a:solidFill>
+                        <a:latin typeface="Cambria Math" panose="02040503050406030204" pitchFamily="18" charset="0"/>
+                      </a:rPr>
+                      <m:t>≤</m:t>
+                    </m:r>
+                    <m:f>
+                      <m:fPr>
+                        <m:ctrlPr>
+                          <a:rPr lang="en-US" sz="2800" b="0" i="1" dirty="0" smtClean="0">
+                            <a:solidFill>
+                              <a:srgbClr val="0070C0"/>
+                            </a:solidFill>
+                            <a:latin typeface="Cambria Math" panose="02040503050406030204" pitchFamily="18" charset="0"/>
+                          </a:rPr>
+                        </m:ctrlPr>
+                      </m:fPr>
+                      <m:num>
+                        <m:r>
+                          <m:rPr>
+                            <m:sty m:val="p"/>
+                          </m:rPr>
+                          <a:rPr lang="en-US" i="0" dirty="0">
+                            <a:solidFill>
+                              <a:srgbClr val="0070C0"/>
+                            </a:solidFill>
+                            <a:latin typeface="Cambria Math" panose="02040503050406030204" pitchFamily="18" charset="0"/>
+                          </a:rPr>
+                          <m:t>E</m:t>
+                        </m:r>
+                        <m:r>
+                          <a:rPr lang="en-US" i="1" dirty="0">
+                            <a:solidFill>
+                              <a:srgbClr val="0070C0"/>
+                            </a:solidFill>
+                            <a:latin typeface="Cambria Math" panose="02040503050406030204" pitchFamily="18" charset="0"/>
+                          </a:rPr>
+                          <m:t>[</m:t>
+                        </m:r>
+                        <m:r>
+                          <a:rPr lang="en-US" i="1" dirty="0">
+                            <a:solidFill>
+                              <a:srgbClr val="0070C0"/>
+                            </a:solidFill>
+                            <a:latin typeface="Cambria Math" panose="02040503050406030204" pitchFamily="18" charset="0"/>
+                          </a:rPr>
+                          <m:t>𝑋</m:t>
+                        </m:r>
+                        <m:r>
+                          <a:rPr lang="en-US" i="1" dirty="0">
+                            <a:solidFill>
+                              <a:srgbClr val="0070C0"/>
+                            </a:solidFill>
+                            <a:latin typeface="Cambria Math" panose="02040503050406030204" pitchFamily="18" charset="0"/>
+                          </a:rPr>
+                          <m:t>]</m:t>
+                        </m:r>
+                      </m:num>
+                      <m:den>
+                        <m:r>
+                          <a:rPr lang="en-US" sz="2800" b="0" i="1" dirty="0" smtClean="0">
+                            <a:solidFill>
+                              <a:srgbClr val="0070C0"/>
+                            </a:solidFill>
+                            <a:latin typeface="Cambria Math" panose="02040503050406030204" pitchFamily="18" charset="0"/>
+                          </a:rPr>
+                          <m:t>𝑡</m:t>
+                        </m:r>
+                      </m:den>
+                    </m:f>
+                  </m:oMath>
+                </a14:m>
+                <a:endParaRPr lang="en-US" sz="2800" dirty="0"/>
+              </a:p>
+              <a:p>
+                <a:endParaRPr lang="en-US" dirty="0"/>
+              </a:p>
+              <a:p>
+                <a:r>
+                  <a:rPr lang="en-US" dirty="0"/>
+                  <a:t>“Bounding the deviation of a random variable in terms of its average”</a:t>
+                </a:r>
+              </a:p>
+              <a:p>
+                <a:endParaRPr lang="en-US" dirty="0"/>
+              </a:p>
+              <a:p>
+                <a:endParaRPr lang="en-US" dirty="0"/>
+              </a:p>
+              <a:p>
+                <a:pPr marL="0" indent="0">
+                  <a:buNone/>
+                </a:pPr>
+                <a:endParaRPr lang="en-US" dirty="0"/>
+              </a:p>
+            </p:txBody>
+          </p:sp>
+        </mc:Choice>
+        <mc:Fallback xmlns="">
+          <p:sp>
+            <p:nvSpPr>
+              <p:cNvPr id="3" name="Content Placeholder 2">
+                <a:extLst>
+                  <a:ext uri="{FF2B5EF4-FFF2-40B4-BE49-F238E27FC236}">
+                    <a16:creationId xmlns:a16="http://schemas.microsoft.com/office/drawing/2014/main" id="{6666941B-6AAA-DFD0-8896-ACB1B4FE2AC6}"/>
+                  </a:ext>
+                </a:extLst>
+              </p:cNvPr>
+              <p:cNvSpPr>
+                <a:spLocks noGrp="1" noRot="1" noChangeAspect="1" noMove="1" noResize="1" noEditPoints="1" noAdjustHandles="1" noChangeArrowheads="1" noChangeShapeType="1" noTextEdit="1"/>
+              </p:cNvSpPr>
+              <p:nvPr>
+                <p:ph idx="1"/>
+              </p:nvPr>
+            </p:nvSpPr>
+            <p:spPr>
+              <a:xfrm>
+                <a:off x="838200" y="1825625"/>
+                <a:ext cx="10515600" cy="4667250"/>
+              </a:xfrm>
+              <a:blipFill>
+                <a:blip r:embed="rId2"/>
+                <a:stretch>
+                  <a:fillRect l="-1043" t="-2089" r="-174"/>
+                </a:stretch>
+              </a:blipFill>
+            </p:spPr>
+            <p:txBody>
+              <a:bodyPr/>
+              <a:lstStyle/>
+              <a:p>
+                <a:r>
+                  <a:rPr lang="en-US">
+                    <a:noFill/>
+                  </a:rPr>
+                  <a:t> </a:t>
+                </a:r>
+              </a:p>
+            </p:txBody>
+          </p:sp>
+        </mc:Fallback>
+      </mc:AlternateContent>
+      <mc:AlternateContent xmlns:mc="http://schemas.openxmlformats.org/markup-compatibility/2006" xmlns:a14="http://schemas.microsoft.com/office/drawing/2010/main">
+        <mc:Choice Requires="a14">
+          <p:sp>
+            <p:nvSpPr>
+              <p:cNvPr id="5" name="TextBox 4">
+                <a:extLst>
+                  <a:ext uri="{FF2B5EF4-FFF2-40B4-BE49-F238E27FC236}">
+                    <a16:creationId xmlns:a16="http://schemas.microsoft.com/office/drawing/2014/main" id="{5603ADB6-2CB9-1FEC-5099-15C09279A7AB}"/>
+                  </a:ext>
+                </a:extLst>
+              </p:cNvPr>
+              <p:cNvSpPr txBox="1"/>
+              <p:nvPr/>
+            </p:nvSpPr>
+            <p:spPr>
+              <a:xfrm>
+                <a:off x="3191436" y="2411477"/>
+                <a:ext cx="6096000" cy="1017523"/>
+              </a:xfrm>
+              <a:prstGeom prst="rect">
+                <a:avLst/>
+              </a:prstGeom>
+              <a:noFill/>
+            </p:spPr>
+            <p:txBody>
+              <a:bodyPr wrap="square">
+                <a:spAutoFit/>
+              </a:bodyPr>
+              <a:lstStyle/>
+              <a:p>
+                <a:pPr/>
+                <a14:m>
+                  <m:oMathPara xmlns:m="http://schemas.openxmlformats.org/officeDocument/2006/math">
+                    <m:oMathParaPr>
+                      <m:jc m:val="centerGroup"/>
+                    </m:oMathParaPr>
+                    <m:oMath xmlns:m="http://schemas.openxmlformats.org/officeDocument/2006/math">
+                      <m:r>
+                        <m:rPr>
+                          <m:sty m:val="p"/>
+                        </m:rPr>
+                        <a:rPr lang="en-US" sz="3200" b="0" i="0" dirty="0" smtClean="0">
+                          <a:solidFill>
+                            <a:srgbClr val="C00000"/>
+                          </a:solidFill>
+                          <a:latin typeface="Cambria Math" panose="02040503050406030204" pitchFamily="18" charset="0"/>
+                        </a:rPr>
+                        <m:t>Pr</m:t>
+                      </m:r>
+                      <m:d>
+                        <m:dPr>
+                          <m:begChr m:val="["/>
+                          <m:endChr m:val="]"/>
+                          <m:ctrlPr>
+                            <a:rPr lang="en-US" sz="3200" b="0" i="1" dirty="0" smtClean="0">
+                              <a:solidFill>
+                                <a:srgbClr val="C00000"/>
+                              </a:solidFill>
+                              <a:latin typeface="Cambria Math" panose="02040503050406030204" pitchFamily="18" charset="0"/>
+                            </a:rPr>
+                          </m:ctrlPr>
+                        </m:dPr>
+                        <m:e>
+                          <m:r>
+                            <a:rPr lang="en-US" sz="3200" i="1" dirty="0">
+                              <a:solidFill>
+                                <a:srgbClr val="C00000"/>
+                              </a:solidFill>
+                              <a:latin typeface="Cambria Math" panose="02040503050406030204" pitchFamily="18" charset="0"/>
+                            </a:rPr>
+                            <m:t>𝑋</m:t>
+                          </m:r>
+                          <m:r>
+                            <a:rPr lang="en-US" sz="3200" i="1" dirty="0">
+                              <a:solidFill>
+                                <a:srgbClr val="C00000"/>
+                              </a:solidFill>
+                              <a:latin typeface="Cambria Math" panose="02040503050406030204" pitchFamily="18" charset="0"/>
+                            </a:rPr>
+                            <m:t>≥</m:t>
+                          </m:r>
+                          <m:r>
+                            <a:rPr lang="en-US" sz="3200" i="1" dirty="0" smtClean="0">
+                              <a:solidFill>
+                                <a:srgbClr val="0070C0"/>
+                              </a:solidFill>
+                              <a:latin typeface="Cambria Math" panose="02040503050406030204" pitchFamily="18" charset="0"/>
+                            </a:rPr>
+                            <m:t>𝑡</m:t>
+                          </m:r>
+                          <m:r>
+                            <a:rPr lang="en-US" sz="3200" i="1" dirty="0" smtClean="0">
+                              <a:solidFill>
+                                <a:srgbClr val="0070C0"/>
+                              </a:solidFill>
+                              <a:latin typeface="Cambria Math" panose="02040503050406030204" pitchFamily="18" charset="0"/>
+                            </a:rPr>
+                            <m:t>⋅</m:t>
+                          </m:r>
+                          <m:r>
+                            <m:rPr>
+                              <m:sty m:val="p"/>
+                            </m:rPr>
+                            <a:rPr lang="en-US" sz="3200" i="0" dirty="0" smtClean="0">
+                              <a:solidFill>
+                                <a:srgbClr val="0070C0"/>
+                              </a:solidFill>
+                              <a:latin typeface="Cambria Math" panose="02040503050406030204" pitchFamily="18" charset="0"/>
+                            </a:rPr>
+                            <m:t>E</m:t>
+                          </m:r>
+                          <m:r>
+                            <a:rPr lang="en-US" sz="3200" i="1" dirty="0" smtClean="0">
+                              <a:solidFill>
+                                <a:srgbClr val="0070C0"/>
+                              </a:solidFill>
+                              <a:latin typeface="Cambria Math" panose="02040503050406030204" pitchFamily="18" charset="0"/>
+                            </a:rPr>
+                            <m:t>[</m:t>
+                          </m:r>
+                          <m:r>
+                            <a:rPr lang="en-US" sz="3200" i="1" dirty="0" smtClean="0">
+                              <a:solidFill>
+                                <a:srgbClr val="0070C0"/>
+                              </a:solidFill>
+                              <a:latin typeface="Cambria Math" panose="02040503050406030204" pitchFamily="18" charset="0"/>
+                            </a:rPr>
+                            <m:t>𝑋</m:t>
+                          </m:r>
+                          <m:r>
+                            <a:rPr lang="en-US" sz="3200" i="1" dirty="0" smtClean="0">
+                              <a:solidFill>
+                                <a:srgbClr val="0070C0"/>
+                              </a:solidFill>
+                              <a:latin typeface="Cambria Math" panose="02040503050406030204" pitchFamily="18" charset="0"/>
+                            </a:rPr>
+                            <m:t>]</m:t>
+                          </m:r>
+                        </m:e>
+                      </m:d>
+                      <m:r>
+                        <a:rPr lang="en-US" sz="3200" b="0" i="1" dirty="0" smtClean="0">
+                          <a:solidFill>
+                            <a:schemeClr val="tx1"/>
+                          </a:solidFill>
+                          <a:latin typeface="Cambria Math" panose="02040503050406030204" pitchFamily="18" charset="0"/>
+                        </a:rPr>
+                        <m:t>≤</m:t>
+                      </m:r>
+                      <m:f>
+                        <m:fPr>
+                          <m:ctrlPr>
+                            <a:rPr lang="en-US" sz="3200" b="0" i="1" dirty="0" smtClean="0">
+                              <a:solidFill>
+                                <a:srgbClr val="0070C0"/>
+                              </a:solidFill>
+                              <a:latin typeface="Cambria Math" panose="02040503050406030204" pitchFamily="18" charset="0"/>
+                            </a:rPr>
+                          </m:ctrlPr>
+                        </m:fPr>
+                        <m:num>
+                          <m:r>
+                            <a:rPr lang="en-US" sz="3200" b="0" i="1" dirty="0" smtClean="0">
+                              <a:solidFill>
+                                <a:srgbClr val="0070C0"/>
+                              </a:solidFill>
+                              <a:latin typeface="Cambria Math" panose="02040503050406030204" pitchFamily="18" charset="0"/>
+                            </a:rPr>
+                            <m:t>1</m:t>
+                          </m:r>
+                        </m:num>
+                        <m:den>
+                          <m:r>
+                            <a:rPr lang="en-US" sz="3200" b="0" i="1" dirty="0" smtClean="0">
+                              <a:solidFill>
+                                <a:srgbClr val="0070C0"/>
+                              </a:solidFill>
+                              <a:latin typeface="Cambria Math" panose="02040503050406030204" pitchFamily="18" charset="0"/>
+                            </a:rPr>
+                            <m:t>𝑡</m:t>
+                          </m:r>
+                        </m:den>
+                      </m:f>
+                    </m:oMath>
+                  </m:oMathPara>
+                </a14:m>
+                <a:endParaRPr lang="en-US" sz="3200" dirty="0"/>
+              </a:p>
+            </p:txBody>
+          </p:sp>
+        </mc:Choice>
+        <mc:Fallback xmlns="">
+          <p:sp>
+            <p:nvSpPr>
+              <p:cNvPr id="5" name="TextBox 4">
+                <a:extLst>
+                  <a:ext uri="{FF2B5EF4-FFF2-40B4-BE49-F238E27FC236}">
+                    <a16:creationId xmlns:a16="http://schemas.microsoft.com/office/drawing/2014/main" id="{5603ADB6-2CB9-1FEC-5099-15C09279A7AB}"/>
+                  </a:ext>
+                </a:extLst>
+              </p:cNvPr>
+              <p:cNvSpPr txBox="1">
+                <a:spLocks noRot="1" noChangeAspect="1" noMove="1" noResize="1" noEditPoints="1" noAdjustHandles="1" noChangeArrowheads="1" noChangeShapeType="1" noTextEdit="1"/>
+              </p:cNvSpPr>
+              <p:nvPr/>
+            </p:nvSpPr>
+            <p:spPr>
+              <a:xfrm>
+                <a:off x="3191436" y="2411477"/>
+                <a:ext cx="6096000" cy="1017523"/>
+              </a:xfrm>
+              <a:prstGeom prst="rect">
+                <a:avLst/>
+              </a:prstGeom>
+              <a:blipFill>
+                <a:blip r:embed="rId3"/>
+                <a:stretch>
+                  <a:fillRect/>
+                </a:stretch>
+              </a:blipFill>
+            </p:spPr>
+            <p:txBody>
+              <a:bodyPr/>
+              <a:lstStyle/>
+              <a:p>
+                <a:r>
+                  <a:rPr lang="en-US">
+                    <a:noFill/>
+                  </a:rPr>
+                  <a:t> </a:t>
+                </a:r>
+              </a:p>
+            </p:txBody>
+          </p:sp>
+        </mc:Fallback>
+      </mc:AlternateContent>
+    </p:spTree>
+    <p:extLst>
+      <p:ext uri="{BB962C8B-B14F-4D97-AF65-F5344CB8AC3E}">
+        <p14:creationId xmlns:p14="http://schemas.microsoft.com/office/powerpoint/2010/main" val="2325369683"/>
+      </p:ext>
+    </p:extLst>
+  </p:cSld>
+  <p:clrMapOvr>
+    <a:masterClrMapping/>
+  </p:clrMapOvr>
+</p:sld>
+</file>
+
+<file path=ppt/slides/slide50.xml><?xml version="1.0" encoding="utf-8"?>
 <p:sld xmlns:a="http://schemas.openxmlformats.org/drawingml/2006/main" xmlns:r="http://schemas.openxmlformats.org/officeDocument/2006/relationships" xmlns:p="http://schemas.openxmlformats.org/presentationml/2006/main">
   <p:cSld>
     <p:spTree>
@@ -32471,8 +33413,8 @@
           </a:p>
         </p:txBody>
       </p:sp>
-      <mc:AlternateContent xmlns:mc="http://schemas.openxmlformats.org/markup-compatibility/2006">
-        <mc:Choice xmlns:a14="http://schemas.microsoft.com/office/drawing/2010/main" Requires="a14">
+      <mc:AlternateContent xmlns:mc="http://schemas.openxmlformats.org/markup-compatibility/2006" xmlns:a14="http://schemas.microsoft.com/office/drawing/2010/main">
+        <mc:Choice Requires="a14">
           <p:sp>
             <p:nvSpPr>
               <p:cNvPr id="3" name="Content Placeholder 2">
@@ -32758,7 +33700,7 @@
             </p:txBody>
           </p:sp>
         </mc:Choice>
-        <mc:Fallback>
+        <mc:Fallback xmlns="">
           <p:sp>
             <p:nvSpPr>
               <p:cNvPr id="3" name="Content Placeholder 2">
@@ -33305,8 +34247,8 @@
           </a:fontRef>
         </p:style>
       </p:cxnSp>
-      <mc:AlternateContent xmlns:mc="http://schemas.openxmlformats.org/markup-compatibility/2006">
-        <mc:Choice xmlns:a14="http://schemas.microsoft.com/office/drawing/2010/main" Requires="a14">
+      <mc:AlternateContent xmlns:mc="http://schemas.openxmlformats.org/markup-compatibility/2006" xmlns:a14="http://schemas.microsoft.com/office/drawing/2010/main">
+        <mc:Choice Requires="a14">
           <p:sp>
             <p:nvSpPr>
               <p:cNvPr id="10" name="TextBox 9">
@@ -33382,7 +34324,7 @@
             </p:txBody>
           </p:sp>
         </mc:Choice>
-        <mc:Fallback>
+        <mc:Fallback xmlns="">
           <p:sp>
             <p:nvSpPr>
               <p:cNvPr id="10" name="TextBox 9">
@@ -33641,611 +34583,6 @@
 </p:sld>
 </file>
 
-<file path=ppt/slides/slide5.xml><?xml version="1.0" encoding="utf-8"?>
-<p:sld xmlns:a="http://schemas.openxmlformats.org/drawingml/2006/main" xmlns:r="http://schemas.openxmlformats.org/officeDocument/2006/relationships" xmlns:p="http://schemas.openxmlformats.org/presentationml/2006/main">
-  <p:cSld>
-    <p:spTree>
-      <p:nvGrpSpPr>
-        <p:cNvPr id="1" name=""/>
-        <p:cNvGrpSpPr/>
-        <p:nvPr/>
-      </p:nvGrpSpPr>
-      <p:grpSpPr>
-        <a:xfrm>
-          <a:off x="0" y="0"/>
-          <a:ext cx="0" cy="0"/>
-          <a:chOff x="0" y="0"/>
-          <a:chExt cx="0" cy="0"/>
-        </a:xfrm>
-      </p:grpSpPr>
-      <p:sp>
-        <p:nvSpPr>
-          <p:cNvPr id="2" name="Title 1">
-            <a:extLst>
-              <a:ext uri="{FF2B5EF4-FFF2-40B4-BE49-F238E27FC236}">
-                <a16:creationId xmlns:a16="http://schemas.microsoft.com/office/drawing/2014/main" id="{A49DDC00-2744-B7F9-8394-609BE1AEC413}"/>
-              </a:ext>
-            </a:extLst>
-          </p:cNvPr>
-          <p:cNvSpPr>
-            <a:spLocks noGrp="1"/>
-          </p:cNvSpPr>
-          <p:nvPr>
-            <p:ph type="title"/>
-          </p:nvPr>
-        </p:nvSpPr>
-        <p:spPr/>
-        <p:txBody>
-          <a:bodyPr/>
-          <a:lstStyle/>
-          <a:p>
-            <a:r>
-              <a:rPr lang="en-US" dirty="0">
-                <a:solidFill>
-                  <a:srgbClr val="C00000"/>
-                </a:solidFill>
-              </a:rPr>
-              <a:t>Markov’s Inequality</a:t>
-            </a:r>
-            <a:endParaRPr lang="en-US" dirty="0"/>
-          </a:p>
-        </p:txBody>
-      </p:sp>
-      <mc:AlternateContent xmlns:mc="http://schemas.openxmlformats.org/markup-compatibility/2006">
-        <mc:Choice xmlns:a14="http://schemas.microsoft.com/office/drawing/2010/main" Requires="a14">
-          <p:sp>
-            <p:nvSpPr>
-              <p:cNvPr id="3" name="Content Placeholder 2">
-                <a:extLst>
-                  <a:ext uri="{FF2B5EF4-FFF2-40B4-BE49-F238E27FC236}">
-                    <a16:creationId xmlns:a16="http://schemas.microsoft.com/office/drawing/2014/main" id="{6666941B-6AAA-DFD0-8896-ACB1B4FE2AC6}"/>
-                  </a:ext>
-                </a:extLst>
-              </p:cNvPr>
-              <p:cNvSpPr>
-                <a:spLocks noGrp="1"/>
-              </p:cNvSpPr>
-              <p:nvPr>
-                <p:ph idx="1"/>
-              </p:nvPr>
-            </p:nvSpPr>
-            <p:spPr>
-              <a:xfrm>
-                <a:off x="838200" y="1825625"/>
-                <a:ext cx="10515600" cy="4667250"/>
-              </a:xfrm>
-            </p:spPr>
-            <p:txBody>
-              <a:bodyPr>
-                <a:normAutofit/>
-              </a:bodyPr>
-              <a:lstStyle/>
-              <a:p>
-                <a:r>
-                  <a:rPr lang="en-US" sz="2800" b="0" dirty="0"/>
-                  <a:t>Let </a:t>
-                </a:r>
-                <a14:m>
-                  <m:oMath xmlns:m="http://schemas.openxmlformats.org/officeDocument/2006/math">
-                    <m:r>
-                      <a:rPr lang="en-US" i="1" dirty="0">
-                        <a:solidFill>
-                          <a:srgbClr val="C00000"/>
-                        </a:solidFill>
-                        <a:latin typeface="Cambria Math" panose="02040503050406030204" pitchFamily="18" charset="0"/>
-                      </a:rPr>
-                      <m:t>𝑋</m:t>
-                    </m:r>
-                    <m:r>
-                      <a:rPr lang="en-US" i="1" dirty="0">
-                        <a:solidFill>
-                          <a:srgbClr val="C00000"/>
-                        </a:solidFill>
-                        <a:latin typeface="Cambria Math" panose="02040503050406030204" pitchFamily="18" charset="0"/>
-                      </a:rPr>
-                      <m:t>≥0 </m:t>
-                    </m:r>
-                  </m:oMath>
-                </a14:m>
-                <a:r>
-                  <a:rPr lang="en-US" sz="2800" b="0" dirty="0"/>
-                  <a:t>be a non-negative random variable. Then for any </a:t>
-                </a:r>
-                <a14:m>
-                  <m:oMath xmlns:m="http://schemas.openxmlformats.org/officeDocument/2006/math">
-                    <m:r>
-                      <a:rPr lang="en-US" i="1" dirty="0">
-                        <a:solidFill>
-                          <a:srgbClr val="C00000"/>
-                        </a:solidFill>
-                        <a:latin typeface="Cambria Math" panose="02040503050406030204" pitchFamily="18" charset="0"/>
-                      </a:rPr>
-                      <m:t>𝑡</m:t>
-                    </m:r>
-                    <m:r>
-                      <a:rPr lang="en-US" b="0" i="1" dirty="0" smtClean="0">
-                        <a:solidFill>
-                          <a:srgbClr val="C00000"/>
-                        </a:solidFill>
-                        <a:latin typeface="Cambria Math" panose="02040503050406030204" pitchFamily="18" charset="0"/>
-                      </a:rPr>
-                      <m:t>&gt;0</m:t>
-                    </m:r>
-                  </m:oMath>
-                </a14:m>
-                <a:r>
-                  <a:rPr lang="en-US" dirty="0"/>
-                  <a:t>:</a:t>
-                </a:r>
-              </a:p>
-              <a:p>
-                <a:endParaRPr lang="en-US" dirty="0"/>
-              </a:p>
-              <a:p>
-                <a:endParaRPr lang="en-US" dirty="0"/>
-              </a:p>
-              <a:p>
-                <a:endParaRPr lang="en-US" dirty="0"/>
-              </a:p>
-              <a:p>
-                <a:endParaRPr lang="en-US" dirty="0"/>
-              </a:p>
-              <a:p>
-                <a:r>
-                  <a:rPr lang="en-US" dirty="0"/>
-                  <a:t>Can rewrite as </a:t>
-                </a:r>
-                <a14:m>
-                  <m:oMath xmlns:m="http://schemas.openxmlformats.org/officeDocument/2006/math">
-                    <m:r>
-                      <m:rPr>
-                        <m:sty m:val="p"/>
-                      </m:rPr>
-                      <a:rPr lang="en-US" sz="2800" b="0" i="0" dirty="0" smtClean="0">
-                        <a:solidFill>
-                          <a:srgbClr val="C00000"/>
-                        </a:solidFill>
-                        <a:latin typeface="Cambria Math" panose="02040503050406030204" pitchFamily="18" charset="0"/>
-                      </a:rPr>
-                      <m:t>Pr</m:t>
-                    </m:r>
-                    <m:d>
-                      <m:dPr>
-                        <m:begChr m:val="["/>
-                        <m:endChr m:val="]"/>
-                        <m:ctrlPr>
-                          <a:rPr lang="en-US" sz="2800" b="0" i="1" dirty="0" smtClean="0">
-                            <a:solidFill>
-                              <a:srgbClr val="C00000"/>
-                            </a:solidFill>
-                            <a:latin typeface="Cambria Math" panose="02040503050406030204" pitchFamily="18" charset="0"/>
-                          </a:rPr>
-                        </m:ctrlPr>
-                      </m:dPr>
-                      <m:e>
-                        <m:r>
-                          <a:rPr lang="en-US" sz="2800" i="1" dirty="0">
-                            <a:solidFill>
-                              <a:srgbClr val="C00000"/>
-                            </a:solidFill>
-                            <a:latin typeface="Cambria Math" panose="02040503050406030204" pitchFamily="18" charset="0"/>
-                          </a:rPr>
-                          <m:t>𝑋</m:t>
-                        </m:r>
-                        <m:r>
-                          <a:rPr lang="en-US" sz="2800" i="1" dirty="0">
-                            <a:solidFill>
-                              <a:srgbClr val="C00000"/>
-                            </a:solidFill>
-                            <a:latin typeface="Cambria Math" panose="02040503050406030204" pitchFamily="18" charset="0"/>
-                          </a:rPr>
-                          <m:t>≥</m:t>
-                        </m:r>
-                        <m:r>
-                          <a:rPr lang="en-US" sz="2800" i="1" dirty="0" smtClean="0">
-                            <a:solidFill>
-                              <a:srgbClr val="0070C0"/>
-                            </a:solidFill>
-                            <a:latin typeface="Cambria Math" panose="02040503050406030204" pitchFamily="18" charset="0"/>
-                          </a:rPr>
-                          <m:t>𝑡</m:t>
-                        </m:r>
-                      </m:e>
-                    </m:d>
-                    <m:r>
-                      <a:rPr lang="en-US" sz="2800" b="0" i="1" dirty="0" smtClean="0">
-                        <a:solidFill>
-                          <a:schemeClr val="tx1"/>
-                        </a:solidFill>
-                        <a:latin typeface="Cambria Math" panose="02040503050406030204" pitchFamily="18" charset="0"/>
-                      </a:rPr>
-                      <m:t>≤</m:t>
-                    </m:r>
-                    <m:f>
-                      <m:fPr>
-                        <m:ctrlPr>
-                          <a:rPr lang="en-US" sz="2800" b="0" i="1" dirty="0" smtClean="0">
-                            <a:solidFill>
-                              <a:srgbClr val="0070C0"/>
-                            </a:solidFill>
-                            <a:latin typeface="Cambria Math" panose="02040503050406030204" pitchFamily="18" charset="0"/>
-                          </a:rPr>
-                        </m:ctrlPr>
-                      </m:fPr>
-                      <m:num>
-                        <m:r>
-                          <m:rPr>
-                            <m:sty m:val="p"/>
-                          </m:rPr>
-                          <a:rPr lang="en-US" i="0" dirty="0">
-                            <a:solidFill>
-                              <a:srgbClr val="0070C0"/>
-                            </a:solidFill>
-                            <a:latin typeface="Cambria Math" panose="02040503050406030204" pitchFamily="18" charset="0"/>
-                          </a:rPr>
-                          <m:t>E</m:t>
-                        </m:r>
-                        <m:r>
-                          <a:rPr lang="en-US" i="1" dirty="0">
-                            <a:solidFill>
-                              <a:srgbClr val="0070C0"/>
-                            </a:solidFill>
-                            <a:latin typeface="Cambria Math" panose="02040503050406030204" pitchFamily="18" charset="0"/>
-                          </a:rPr>
-                          <m:t>[</m:t>
-                        </m:r>
-                        <m:r>
-                          <a:rPr lang="en-US" i="1" dirty="0">
-                            <a:solidFill>
-                              <a:srgbClr val="0070C0"/>
-                            </a:solidFill>
-                            <a:latin typeface="Cambria Math" panose="02040503050406030204" pitchFamily="18" charset="0"/>
-                          </a:rPr>
-                          <m:t>𝑋</m:t>
-                        </m:r>
-                        <m:r>
-                          <a:rPr lang="en-US" i="1" dirty="0">
-                            <a:solidFill>
-                              <a:srgbClr val="0070C0"/>
-                            </a:solidFill>
-                            <a:latin typeface="Cambria Math" panose="02040503050406030204" pitchFamily="18" charset="0"/>
-                          </a:rPr>
-                          <m:t>]</m:t>
-                        </m:r>
-                      </m:num>
-                      <m:den>
-                        <m:r>
-                          <a:rPr lang="en-US" sz="2800" b="0" i="1" dirty="0" smtClean="0">
-                            <a:solidFill>
-                              <a:srgbClr val="0070C0"/>
-                            </a:solidFill>
-                            <a:latin typeface="Cambria Math" panose="02040503050406030204" pitchFamily="18" charset="0"/>
-                          </a:rPr>
-                          <m:t>𝑡</m:t>
-                        </m:r>
-                      </m:den>
-                    </m:f>
-                  </m:oMath>
-                </a14:m>
-                <a:endParaRPr lang="en-US" sz="2800" dirty="0"/>
-              </a:p>
-              <a:p>
-                <a:endParaRPr lang="en-US" dirty="0"/>
-              </a:p>
-              <a:p>
-                <a:r>
-                  <a:rPr lang="en-US" dirty="0"/>
-                  <a:t>“Bounding the deviation of a random variable in terms of its average”</a:t>
-                </a:r>
-              </a:p>
-              <a:p>
-                <a:endParaRPr lang="en-US" dirty="0"/>
-              </a:p>
-              <a:p>
-                <a:endParaRPr lang="en-US" dirty="0"/>
-              </a:p>
-              <a:p>
-                <a:pPr marL="0" indent="0">
-                  <a:buNone/>
-                </a:pPr>
-                <a:endParaRPr lang="en-US" dirty="0"/>
-              </a:p>
-            </p:txBody>
-          </p:sp>
-        </mc:Choice>
-        <mc:Fallback>
-          <p:sp>
-            <p:nvSpPr>
-              <p:cNvPr id="3" name="Content Placeholder 2">
-                <a:extLst>
-                  <a:ext uri="{FF2B5EF4-FFF2-40B4-BE49-F238E27FC236}">
-                    <a16:creationId xmlns:a16="http://schemas.microsoft.com/office/drawing/2014/main" id="{6666941B-6AAA-DFD0-8896-ACB1B4FE2AC6}"/>
-                  </a:ext>
-                </a:extLst>
-              </p:cNvPr>
-              <p:cNvSpPr>
-                <a:spLocks noGrp="1" noRot="1" noChangeAspect="1" noMove="1" noResize="1" noEditPoints="1" noAdjustHandles="1" noChangeArrowheads="1" noChangeShapeType="1" noTextEdit="1"/>
-              </p:cNvSpPr>
-              <p:nvPr>
-                <p:ph idx="1"/>
-              </p:nvPr>
-            </p:nvSpPr>
-            <p:spPr>
-              <a:xfrm>
-                <a:off x="838200" y="1825625"/>
-                <a:ext cx="10515600" cy="4667250"/>
-              </a:xfrm>
-              <a:blipFill>
-                <a:blip r:embed="rId2"/>
-                <a:stretch>
-                  <a:fillRect l="-1043" t="-2089" r="-174"/>
-                </a:stretch>
-              </a:blipFill>
-            </p:spPr>
-            <p:txBody>
-              <a:bodyPr/>
-              <a:lstStyle/>
-              <a:p>
-                <a:r>
-                  <a:rPr lang="en-US">
-                    <a:noFill/>
-                  </a:rPr>
-                  <a:t> </a:t>
-                </a:r>
-              </a:p>
-            </p:txBody>
-          </p:sp>
-        </mc:Fallback>
-      </mc:AlternateContent>
-      <mc:AlternateContent xmlns:mc="http://schemas.openxmlformats.org/markup-compatibility/2006">
-        <mc:Choice xmlns:a14="http://schemas.microsoft.com/office/drawing/2010/main" Requires="a14">
-          <p:sp>
-            <p:nvSpPr>
-              <p:cNvPr id="5" name="TextBox 4">
-                <a:extLst>
-                  <a:ext uri="{FF2B5EF4-FFF2-40B4-BE49-F238E27FC236}">
-                    <a16:creationId xmlns:a16="http://schemas.microsoft.com/office/drawing/2014/main" id="{5603ADB6-2CB9-1FEC-5099-15C09279A7AB}"/>
-                  </a:ext>
-                </a:extLst>
-              </p:cNvPr>
-              <p:cNvSpPr txBox="1"/>
-              <p:nvPr/>
-            </p:nvSpPr>
-            <p:spPr>
-              <a:xfrm>
-                <a:off x="3191436" y="2411477"/>
-                <a:ext cx="6096000" cy="1017523"/>
-              </a:xfrm>
-              <a:prstGeom prst="rect">
-                <a:avLst/>
-              </a:prstGeom>
-              <a:noFill/>
-            </p:spPr>
-            <p:txBody>
-              <a:bodyPr wrap="square">
-                <a:spAutoFit/>
-              </a:bodyPr>
-              <a:lstStyle/>
-              <a:p>
-                <a:pPr/>
-                <a14:m>
-                  <m:oMathPara xmlns:m="http://schemas.openxmlformats.org/officeDocument/2006/math">
-                    <m:oMathParaPr>
-                      <m:jc m:val="centerGroup"/>
-                    </m:oMathParaPr>
-                    <m:oMath xmlns:m="http://schemas.openxmlformats.org/officeDocument/2006/math">
-                      <m:r>
-                        <m:rPr>
-                          <m:sty m:val="p"/>
-                        </m:rPr>
-                        <a:rPr lang="en-US" sz="3200" b="0" i="0" dirty="0" smtClean="0">
-                          <a:solidFill>
-                            <a:srgbClr val="C00000"/>
-                          </a:solidFill>
-                          <a:latin typeface="Cambria Math" panose="02040503050406030204" pitchFamily="18" charset="0"/>
-                        </a:rPr>
-                        <m:t>Pr</m:t>
-                      </m:r>
-                      <m:d>
-                        <m:dPr>
-                          <m:begChr m:val="["/>
-                          <m:endChr m:val="]"/>
-                          <m:ctrlPr>
-                            <a:rPr lang="en-US" sz="3200" b="0" i="1" dirty="0" smtClean="0">
-                              <a:solidFill>
-                                <a:srgbClr val="C00000"/>
-                              </a:solidFill>
-                              <a:latin typeface="Cambria Math" panose="02040503050406030204" pitchFamily="18" charset="0"/>
-                            </a:rPr>
-                          </m:ctrlPr>
-                        </m:dPr>
-                        <m:e>
-                          <m:r>
-                            <a:rPr lang="en-US" sz="3200" i="1" dirty="0">
-                              <a:solidFill>
-                                <a:srgbClr val="C00000"/>
-                              </a:solidFill>
-                              <a:latin typeface="Cambria Math" panose="02040503050406030204" pitchFamily="18" charset="0"/>
-                            </a:rPr>
-                            <m:t>𝑋</m:t>
-                          </m:r>
-                          <m:r>
-                            <a:rPr lang="en-US" sz="3200" i="1" dirty="0">
-                              <a:solidFill>
-                                <a:srgbClr val="C00000"/>
-                              </a:solidFill>
-                              <a:latin typeface="Cambria Math" panose="02040503050406030204" pitchFamily="18" charset="0"/>
-                            </a:rPr>
-                            <m:t>≥</m:t>
-                          </m:r>
-                          <m:r>
-                            <a:rPr lang="en-US" sz="3200" i="1" dirty="0" smtClean="0">
-                              <a:solidFill>
-                                <a:srgbClr val="0070C0"/>
-                              </a:solidFill>
-                              <a:latin typeface="Cambria Math" panose="02040503050406030204" pitchFamily="18" charset="0"/>
-                            </a:rPr>
-                            <m:t>𝑡</m:t>
-                          </m:r>
-                          <m:r>
-                            <a:rPr lang="en-US" sz="3200" i="1" dirty="0" smtClean="0">
-                              <a:solidFill>
-                                <a:srgbClr val="0070C0"/>
-                              </a:solidFill>
-                              <a:latin typeface="Cambria Math" panose="02040503050406030204" pitchFamily="18" charset="0"/>
-                            </a:rPr>
-                            <m:t>⋅</m:t>
-                          </m:r>
-                          <m:r>
-                            <m:rPr>
-                              <m:sty m:val="p"/>
-                            </m:rPr>
-                            <a:rPr lang="en-US" sz="3200" i="0" dirty="0" smtClean="0">
-                              <a:solidFill>
-                                <a:srgbClr val="0070C0"/>
-                              </a:solidFill>
-                              <a:latin typeface="Cambria Math" panose="02040503050406030204" pitchFamily="18" charset="0"/>
-                            </a:rPr>
-                            <m:t>E</m:t>
-                          </m:r>
-                          <m:r>
-                            <a:rPr lang="en-US" sz="3200" i="1" dirty="0" smtClean="0">
-                              <a:solidFill>
-                                <a:srgbClr val="0070C0"/>
-                              </a:solidFill>
-                              <a:latin typeface="Cambria Math" panose="02040503050406030204" pitchFamily="18" charset="0"/>
-                            </a:rPr>
-                            <m:t>[</m:t>
-                          </m:r>
-                          <m:r>
-                            <a:rPr lang="en-US" sz="3200" i="1" dirty="0" smtClean="0">
-                              <a:solidFill>
-                                <a:srgbClr val="0070C0"/>
-                              </a:solidFill>
-                              <a:latin typeface="Cambria Math" panose="02040503050406030204" pitchFamily="18" charset="0"/>
-                            </a:rPr>
-                            <m:t>𝑋</m:t>
-                          </m:r>
-                          <m:r>
-                            <a:rPr lang="en-US" sz="3200" i="1" dirty="0" smtClean="0">
-                              <a:solidFill>
-                                <a:srgbClr val="0070C0"/>
-                              </a:solidFill>
-                              <a:latin typeface="Cambria Math" panose="02040503050406030204" pitchFamily="18" charset="0"/>
-                            </a:rPr>
-                            <m:t>]</m:t>
-                          </m:r>
-                        </m:e>
-                      </m:d>
-                      <m:r>
-                        <a:rPr lang="en-US" sz="3200" b="0" i="1" dirty="0" smtClean="0">
-                          <a:solidFill>
-                            <a:schemeClr val="tx1"/>
-                          </a:solidFill>
-                          <a:latin typeface="Cambria Math" panose="02040503050406030204" pitchFamily="18" charset="0"/>
-                        </a:rPr>
-                        <m:t>≤</m:t>
-                      </m:r>
-                      <m:f>
-                        <m:fPr>
-                          <m:ctrlPr>
-                            <a:rPr lang="en-US" sz="3200" b="0" i="1" dirty="0" smtClean="0">
-                              <a:solidFill>
-                                <a:srgbClr val="0070C0"/>
-                              </a:solidFill>
-                              <a:latin typeface="Cambria Math" panose="02040503050406030204" pitchFamily="18" charset="0"/>
-                            </a:rPr>
-                          </m:ctrlPr>
-                        </m:fPr>
-                        <m:num>
-                          <m:r>
-                            <a:rPr lang="en-US" sz="3200" b="0" i="1" dirty="0" smtClean="0">
-                              <a:solidFill>
-                                <a:srgbClr val="0070C0"/>
-                              </a:solidFill>
-                              <a:latin typeface="Cambria Math" panose="02040503050406030204" pitchFamily="18" charset="0"/>
-                            </a:rPr>
-                            <m:t>1</m:t>
-                          </m:r>
-                        </m:num>
-                        <m:den>
-                          <m:r>
-                            <a:rPr lang="en-US" sz="3200" b="0" i="1" dirty="0" smtClean="0">
-                              <a:solidFill>
-                                <a:srgbClr val="0070C0"/>
-                              </a:solidFill>
-                              <a:latin typeface="Cambria Math" panose="02040503050406030204" pitchFamily="18" charset="0"/>
-                            </a:rPr>
-                            <m:t>𝑡</m:t>
-                          </m:r>
-                        </m:den>
-                      </m:f>
-                    </m:oMath>
-                  </m:oMathPara>
-                </a14:m>
-                <a:endParaRPr lang="en-US" sz="3200" dirty="0"/>
-              </a:p>
-            </p:txBody>
-          </p:sp>
-        </mc:Choice>
-        <mc:Fallback>
-          <p:sp>
-            <p:nvSpPr>
-              <p:cNvPr id="5" name="TextBox 4">
-                <a:extLst>
-                  <a:ext uri="{FF2B5EF4-FFF2-40B4-BE49-F238E27FC236}">
-                    <a16:creationId xmlns:a16="http://schemas.microsoft.com/office/drawing/2014/main" id="{5603ADB6-2CB9-1FEC-5099-15C09279A7AB}"/>
-                  </a:ext>
-                </a:extLst>
-              </p:cNvPr>
-              <p:cNvSpPr txBox="1">
-                <a:spLocks noRot="1" noChangeAspect="1" noMove="1" noResize="1" noEditPoints="1" noAdjustHandles="1" noChangeArrowheads="1" noChangeShapeType="1" noTextEdit="1"/>
-              </p:cNvSpPr>
-              <p:nvPr/>
-            </p:nvSpPr>
-            <p:spPr>
-              <a:xfrm>
-                <a:off x="3191436" y="2411477"/>
-                <a:ext cx="6096000" cy="1017523"/>
-              </a:xfrm>
-              <a:prstGeom prst="rect">
-                <a:avLst/>
-              </a:prstGeom>
-              <a:blipFill>
-                <a:blip r:embed="rId3"/>
-                <a:stretch>
-                  <a:fillRect/>
-                </a:stretch>
-              </a:blipFill>
-            </p:spPr>
-            <p:txBody>
-              <a:bodyPr/>
-              <a:lstStyle/>
-              <a:p>
-                <a:r>
-                  <a:rPr lang="en-US">
-                    <a:noFill/>
-                  </a:rPr>
-                  <a:t> </a:t>
-                </a:r>
-              </a:p>
-            </p:txBody>
-          </p:sp>
-        </mc:Fallback>
-      </mc:AlternateContent>
-    </p:spTree>
-    <p:extLst>
-      <p:ext uri="{BB962C8B-B14F-4D97-AF65-F5344CB8AC3E}">
-        <p14:creationId xmlns:p14="http://schemas.microsoft.com/office/powerpoint/2010/main" val="2325369683"/>
-      </p:ext>
-    </p:extLst>
-  </p:cSld>
-  <p:clrMapOvr>
-    <a:masterClrMapping/>
-  </p:clrMapOvr>
-</p:sld>
-</file>
-
 <file path=ppt/slides/slide6.xml><?xml version="1.0" encoding="utf-8"?>
 <p:sld xmlns:a="http://schemas.openxmlformats.org/drawingml/2006/main" xmlns:r="http://schemas.openxmlformats.org/officeDocument/2006/relationships" xmlns:p="http://schemas.openxmlformats.org/presentationml/2006/main">
   <p:cSld>
@@ -34296,8 +34633,8 @@
           </a:p>
         </p:txBody>
       </p:sp>
-      <mc:AlternateContent xmlns:mc="http://schemas.openxmlformats.org/markup-compatibility/2006">
-        <mc:Choice xmlns:a14="http://schemas.microsoft.com/office/drawing/2010/main" Requires="a14">
+      <mc:AlternateContent xmlns:mc="http://schemas.openxmlformats.org/markup-compatibility/2006" xmlns:a14="http://schemas.microsoft.com/office/drawing/2010/main">
+        <mc:Choice Requires="a14">
           <p:sp>
             <p:nvSpPr>
               <p:cNvPr id="3" name="Content Placeholder 2">
@@ -34585,7 +34922,7 @@
             </p:txBody>
           </p:sp>
         </mc:Choice>
-        <mc:Fallback>
+        <mc:Fallback xmlns="">
           <p:sp>
             <p:nvSpPr>
               <p:cNvPr id="3" name="Content Placeholder 2">
@@ -34629,8 +34966,8 @@
           </p:sp>
         </mc:Fallback>
       </mc:AlternateContent>
-      <mc:AlternateContent xmlns:mc="http://schemas.openxmlformats.org/markup-compatibility/2006">
-        <mc:Choice xmlns:a14="http://schemas.microsoft.com/office/drawing/2010/main" Requires="a14">
+      <mc:AlternateContent xmlns:mc="http://schemas.openxmlformats.org/markup-compatibility/2006" xmlns:a14="http://schemas.microsoft.com/office/drawing/2010/main">
+        <mc:Choice Requires="a14">
           <p:sp>
             <p:nvSpPr>
               <p:cNvPr id="5" name="TextBox 4">
@@ -34683,7 +35020,7 @@
                           <m:begChr m:val="["/>
                           <m:endChr m:val="]"/>
                           <m:ctrlPr>
-                            <a:rPr lang="en-US" sz="3200" b="0" i="0" dirty="0" smtClean="0">
+                            <a:rPr lang="en-US" sz="3200" b="0" i="1" dirty="0" smtClean="0">
                               <a:solidFill>
                                 <a:srgbClr val="C00000"/>
                               </a:solidFill>
@@ -34913,7 +35250,7 @@
             </p:txBody>
           </p:sp>
         </mc:Choice>
-        <mc:Fallback>
+        <mc:Fallback xmlns="">
           <p:sp>
             <p:nvSpPr>
               <p:cNvPr id="5" name="TextBox 4">
@@ -35203,8 +35540,8 @@
           </p:sp>
         </mc:Fallback>
       </mc:AlternateContent>
-      <mc:AlternateContent xmlns:mc="http://schemas.openxmlformats.org/markup-compatibility/2006">
-        <mc:Choice xmlns:a14="http://schemas.microsoft.com/office/drawing/2010/main" Requires="a14">
+      <mc:AlternateContent xmlns:mc="http://schemas.openxmlformats.org/markup-compatibility/2006" xmlns:a14="http://schemas.microsoft.com/office/drawing/2010/main">
+        <mc:Choice Requires="a14">
           <p:sp>
             <p:nvSpPr>
               <p:cNvPr id="5" name="TextBox 4">
@@ -35469,7 +35806,7 @@
             </p:txBody>
           </p:sp>
         </mc:Choice>
-        <mc:Fallback>
+        <mc:Fallback xmlns="">
           <p:sp>
             <p:nvSpPr>
               <p:cNvPr id="5" name="TextBox 4">
@@ -35577,8 +35914,8 @@
           </a:p>
         </p:txBody>
       </p:sp>
-      <mc:AlternateContent xmlns:mc="http://schemas.openxmlformats.org/markup-compatibility/2006">
-        <mc:Choice xmlns:a14="http://schemas.microsoft.com/office/drawing/2010/main" Requires="a14">
+      <mc:AlternateContent xmlns:mc="http://schemas.openxmlformats.org/markup-compatibility/2006" xmlns:a14="http://schemas.microsoft.com/office/drawing/2010/main">
+        <mc:Choice Requires="a14">
           <p:sp>
             <p:nvSpPr>
               <p:cNvPr id="3" name="Content Placeholder 2">
@@ -35863,7 +36200,7 @@
                         <m:begChr m:val="["/>
                         <m:endChr m:val="]"/>
                         <m:ctrlPr>
-                          <a:rPr lang="en-US" b="0" i="0" dirty="0" smtClean="0">
+                          <a:rPr lang="en-US" b="0" i="1" dirty="0" smtClean="0">
                             <a:solidFill>
                               <a:srgbClr val="C00000"/>
                             </a:solidFill>
@@ -35972,7 +36309,7 @@
             </p:txBody>
           </p:sp>
         </mc:Choice>
-        <mc:Fallback>
+        <mc:Fallback xmlns="">
           <p:sp>
             <p:nvSpPr>
               <p:cNvPr id="3" name="Content Placeholder 2">
@@ -36362,8 +36699,8 @@
           </a:p>
         </p:txBody>
       </p:sp>
-      <mc:AlternateContent xmlns:mc="http://schemas.openxmlformats.org/markup-compatibility/2006">
-        <mc:Choice xmlns:a14="http://schemas.microsoft.com/office/drawing/2010/main" Requires="a14">
+      <mc:AlternateContent xmlns:mc="http://schemas.openxmlformats.org/markup-compatibility/2006" xmlns:a14="http://schemas.microsoft.com/office/drawing/2010/main">
+        <mc:Choice Requires="a14">
           <p:sp>
             <p:nvSpPr>
               <p:cNvPr id="3" name="Content Placeholder 2">
@@ -36621,7 +36958,7 @@
             </p:txBody>
           </p:sp>
         </mc:Choice>
-        <mc:Fallback>
+        <mc:Fallback xmlns="">
           <p:sp>
             <p:nvSpPr>
               <p:cNvPr id="3" name="Content Placeholder 2">

--- a/CSCE689-23/L4.pptx
+++ b/CSCE689-23/L4.pptx
@@ -280,7 +280,7 @@
           <a:p>
             <a:fld id="{DEDFC5ED-D75F-43AF-A663-616D4D6B5D4A}" type="datetimeFigureOut">
               <a:rPr lang="en-US" smtClean="0"/>
-              <a:t>8/28/2023</a:t>
+              <a:t>8/30/2023</a:t>
             </a:fld>
             <a:endParaRPr lang="en-US"/>
           </a:p>
@@ -478,7 +478,7 @@
           <a:p>
             <a:fld id="{DEDFC5ED-D75F-43AF-A663-616D4D6B5D4A}" type="datetimeFigureOut">
               <a:rPr lang="en-US" smtClean="0"/>
-              <a:t>8/28/2023</a:t>
+              <a:t>8/30/2023</a:t>
             </a:fld>
             <a:endParaRPr lang="en-US"/>
           </a:p>
@@ -686,7 +686,7 @@
           <a:p>
             <a:fld id="{DEDFC5ED-D75F-43AF-A663-616D4D6B5D4A}" type="datetimeFigureOut">
               <a:rPr lang="en-US" smtClean="0"/>
-              <a:t>8/28/2023</a:t>
+              <a:t>8/30/2023</a:t>
             </a:fld>
             <a:endParaRPr lang="en-US"/>
           </a:p>
@@ -884,7 +884,7 @@
           <a:p>
             <a:fld id="{DEDFC5ED-D75F-43AF-A663-616D4D6B5D4A}" type="datetimeFigureOut">
               <a:rPr lang="en-US" smtClean="0"/>
-              <a:t>8/28/2023</a:t>
+              <a:t>8/30/2023</a:t>
             </a:fld>
             <a:endParaRPr lang="en-US"/>
           </a:p>
@@ -1159,7 +1159,7 @@
           <a:p>
             <a:fld id="{DEDFC5ED-D75F-43AF-A663-616D4D6B5D4A}" type="datetimeFigureOut">
               <a:rPr lang="en-US" smtClean="0"/>
-              <a:t>8/28/2023</a:t>
+              <a:t>8/30/2023</a:t>
             </a:fld>
             <a:endParaRPr lang="en-US"/>
           </a:p>
@@ -1424,7 +1424,7 @@
           <a:p>
             <a:fld id="{DEDFC5ED-D75F-43AF-A663-616D4D6B5D4A}" type="datetimeFigureOut">
               <a:rPr lang="en-US" smtClean="0"/>
-              <a:t>8/28/2023</a:t>
+              <a:t>8/30/2023</a:t>
             </a:fld>
             <a:endParaRPr lang="en-US"/>
           </a:p>
@@ -1836,7 +1836,7 @@
           <a:p>
             <a:fld id="{DEDFC5ED-D75F-43AF-A663-616D4D6B5D4A}" type="datetimeFigureOut">
               <a:rPr lang="en-US" smtClean="0"/>
-              <a:t>8/28/2023</a:t>
+              <a:t>8/30/2023</a:t>
             </a:fld>
             <a:endParaRPr lang="en-US"/>
           </a:p>
@@ -1977,7 +1977,7 @@
           <a:p>
             <a:fld id="{DEDFC5ED-D75F-43AF-A663-616D4D6B5D4A}" type="datetimeFigureOut">
               <a:rPr lang="en-US" smtClean="0"/>
-              <a:t>8/28/2023</a:t>
+              <a:t>8/30/2023</a:t>
             </a:fld>
             <a:endParaRPr lang="en-US"/>
           </a:p>
@@ -2090,7 +2090,7 @@
           <a:p>
             <a:fld id="{DEDFC5ED-D75F-43AF-A663-616D4D6B5D4A}" type="datetimeFigureOut">
               <a:rPr lang="en-US" smtClean="0"/>
-              <a:t>8/28/2023</a:t>
+              <a:t>8/30/2023</a:t>
             </a:fld>
             <a:endParaRPr lang="en-US"/>
           </a:p>
@@ -2401,7 +2401,7 @@
           <a:p>
             <a:fld id="{DEDFC5ED-D75F-43AF-A663-616D4D6B5D4A}" type="datetimeFigureOut">
               <a:rPr lang="en-US" smtClean="0"/>
-              <a:t>8/28/2023</a:t>
+              <a:t>8/30/2023</a:t>
             </a:fld>
             <a:endParaRPr lang="en-US"/>
           </a:p>
@@ -2689,7 +2689,7 @@
           <a:p>
             <a:fld id="{DEDFC5ED-D75F-43AF-A663-616D4D6B5D4A}" type="datetimeFigureOut">
               <a:rPr lang="en-US" smtClean="0"/>
-              <a:t>8/28/2023</a:t>
+              <a:t>8/30/2023</a:t>
             </a:fld>
             <a:endParaRPr lang="en-US"/>
           </a:p>
@@ -2930,7 +2930,7 @@
           <a:p>
             <a:fld id="{DEDFC5ED-D75F-43AF-A663-616D4D6B5D4A}" type="datetimeFigureOut">
               <a:rPr lang="en-US" smtClean="0"/>
-              <a:t>8/28/2023</a:t>
+              <a:t>8/30/2023</a:t>
             </a:fld>
             <a:endParaRPr lang="en-US"/>
           </a:p>
@@ -13076,8 +13076,8 @@
           </a:p>
         </p:txBody>
       </p:sp>
-      <mc:AlternateContent xmlns:mc="http://schemas.openxmlformats.org/markup-compatibility/2006" xmlns:a14="http://schemas.microsoft.com/office/drawing/2010/main">
-        <mc:Choice Requires="a14">
+      <mc:AlternateContent xmlns:mc="http://schemas.openxmlformats.org/markup-compatibility/2006">
+        <mc:Choice xmlns:a14="http://schemas.microsoft.com/office/drawing/2010/main" Requires="a14">
           <p:sp>
             <p:nvSpPr>
               <p:cNvPr id="3" name="Content Placeholder 2">
@@ -13280,6 +13280,11 @@
                 <a:endParaRPr lang="en-US" dirty="0"/>
               </a:p>
               <a:p>
+                <a:pPr>
+                  <a:buClr>
+                    <a:schemeClr val="tx1"/>
+                  </a:buClr>
+                </a:pPr>
                 <a:r>
                   <a:rPr lang="en-US" dirty="0">
                     <a:solidFill>
@@ -13296,7 +13301,7 @@
             </p:txBody>
           </p:sp>
         </mc:Choice>
-        <mc:Fallback xmlns="">
+        <mc:Fallback>
           <p:sp>
             <p:nvSpPr>
               <p:cNvPr id="3" name="Content Placeholder 2">
@@ -13321,7 +13326,7 @@
               <a:blipFill>
                 <a:blip r:embed="rId2"/>
                 <a:stretch>
-                  <a:fillRect l="-1043" r="-696"/>
+                  <a:fillRect l="-1043" r="-1507"/>
                 </a:stretch>
               </a:blipFill>
             </p:spPr>
@@ -16070,8 +16075,8 @@
           </a:p>
         </p:txBody>
       </p:sp>
-      <mc:AlternateContent xmlns:mc="http://schemas.openxmlformats.org/markup-compatibility/2006">
-        <mc:Choice xmlns:a14="http://schemas.microsoft.com/office/drawing/2010/main" Requires="a14">
+      <mc:AlternateContent xmlns:mc="http://schemas.openxmlformats.org/markup-compatibility/2006" xmlns:a14="http://schemas.microsoft.com/office/drawing/2010/main">
+        <mc:Choice Requires="a14">
           <p:sp>
             <p:nvSpPr>
               <p:cNvPr id="3" name="Content Placeholder 2">
@@ -16486,7 +16491,7 @@
             </p:txBody>
           </p:sp>
         </mc:Choice>
-        <mc:Fallback>
+        <mc:Fallback xmlns="">
           <p:sp>
             <p:nvSpPr>
               <p:cNvPr id="3" name="Content Placeholder 2">
